--- a/model flowcharts/TerrestrialModelGridDiagram.pptx
+++ b/model flowcharts/TerrestrialModelGridDiagram.pptx
@@ -4,9 +4,11 @@
   <p:sldMasterIdLst>
     <p:sldMasterId id="2147483684" r:id="rId1"/>
   </p:sldMasterIdLst>
+  <p:notesMasterIdLst>
+    <p:notesMasterId r:id="rId3"/>
+  </p:notesMasterIdLst>
   <p:sldIdLst>
-    <p:sldId id="256" r:id="rId2"/>
-    <p:sldId id="257" r:id="rId3"/>
+    <p:sldId id="257" r:id="rId2"/>
   </p:sldIdLst>
   <p:sldSz cx="12192000" cy="21031200"/>
   <p:notesSz cx="6858000" cy="9144000"/>
@@ -111,6 +113,439 @@
     </p:ext>
   </p:extLst>
 </p:presentation>
+</file>
+
+<file path=ppt/notesMasters/notesMaster1.xml><?xml version="1.0" encoding="utf-8"?>
+<p:notesMaster xmlns:a="http://schemas.openxmlformats.org/drawingml/2006/main" xmlns:r="http://schemas.openxmlformats.org/officeDocument/2006/relationships" xmlns:p="http://schemas.openxmlformats.org/presentationml/2006/main">
+  <p:cSld>
+    <p:bg>
+      <p:bgRef idx="1001">
+        <a:schemeClr val="bg1"/>
+      </p:bgRef>
+    </p:bg>
+    <p:spTree>
+      <p:nvGrpSpPr>
+        <p:cNvPr id="1" name=""/>
+        <p:cNvGrpSpPr/>
+        <p:nvPr/>
+      </p:nvGrpSpPr>
+      <p:grpSpPr>
+        <a:xfrm>
+          <a:off x="0" y="0"/>
+          <a:ext cx="0" cy="0"/>
+          <a:chOff x="0" y="0"/>
+          <a:chExt cx="0" cy="0"/>
+        </a:xfrm>
+      </p:grpSpPr>
+      <p:sp>
+        <p:nvSpPr>
+          <p:cNvPr id="2" name="Header Placeholder 1"/>
+          <p:cNvSpPr>
+            <a:spLocks noGrp="1"/>
+          </p:cNvSpPr>
+          <p:nvPr>
+            <p:ph type="hdr" sz="quarter"/>
+          </p:nvPr>
+        </p:nvSpPr>
+        <p:spPr>
+          <a:xfrm>
+            <a:off x="0" y="0"/>
+            <a:ext cx="2971800" cy="458788"/>
+          </a:xfrm>
+          <a:prstGeom prst="rect">
+            <a:avLst/>
+          </a:prstGeom>
+        </p:spPr>
+        <p:txBody>
+          <a:bodyPr vert="horz" lIns="91440" tIns="45720" rIns="91440" bIns="45720" rtlCol="0"/>
+          <a:lstStyle>
+            <a:lvl1pPr algn="l">
+              <a:defRPr sz="1200"/>
+            </a:lvl1pPr>
+          </a:lstStyle>
+          <a:p>
+            <a:endParaRPr lang="en-US"/>
+          </a:p>
+        </p:txBody>
+      </p:sp>
+      <p:sp>
+        <p:nvSpPr>
+          <p:cNvPr id="3" name="Date Placeholder 2"/>
+          <p:cNvSpPr>
+            <a:spLocks noGrp="1"/>
+          </p:cNvSpPr>
+          <p:nvPr>
+            <p:ph type="dt" idx="1"/>
+          </p:nvPr>
+        </p:nvSpPr>
+        <p:spPr>
+          <a:xfrm>
+            <a:off x="3884613" y="0"/>
+            <a:ext cx="2971800" cy="458788"/>
+          </a:xfrm>
+          <a:prstGeom prst="rect">
+            <a:avLst/>
+          </a:prstGeom>
+        </p:spPr>
+        <p:txBody>
+          <a:bodyPr vert="horz" lIns="91440" tIns="45720" rIns="91440" bIns="45720" rtlCol="0"/>
+          <a:lstStyle>
+            <a:lvl1pPr algn="r">
+              <a:defRPr sz="1200"/>
+            </a:lvl1pPr>
+          </a:lstStyle>
+          <a:p>
+            <a:fld id="{FECF25A6-BC20-504E-996A-AF1222A9B3B0}" type="datetimeFigureOut">
+              <a:rPr lang="en-US" smtClean="0"/>
+              <a:t>8/16/23</a:t>
+            </a:fld>
+            <a:endParaRPr lang="en-US"/>
+          </a:p>
+        </p:txBody>
+      </p:sp>
+      <p:sp>
+        <p:nvSpPr>
+          <p:cNvPr id="4" name="Slide Image Placeholder 3"/>
+          <p:cNvSpPr>
+            <a:spLocks noGrp="1" noRot="1" noChangeAspect="1"/>
+          </p:cNvSpPr>
+          <p:nvPr>
+            <p:ph type="sldImg" idx="2"/>
+          </p:nvPr>
+        </p:nvSpPr>
+        <p:spPr>
+          <a:xfrm>
+            <a:off x="2535238" y="1143000"/>
+            <a:ext cx="1787525" cy="3086100"/>
+          </a:xfrm>
+          <a:prstGeom prst="rect">
+            <a:avLst/>
+          </a:prstGeom>
+          <a:noFill/>
+          <a:ln w="12700">
+            <a:solidFill>
+              <a:prstClr val="black"/>
+            </a:solidFill>
+          </a:ln>
+        </p:spPr>
+        <p:txBody>
+          <a:bodyPr vert="horz" lIns="91440" tIns="45720" rIns="91440" bIns="45720" rtlCol="0" anchor="ctr"/>
+          <a:lstStyle/>
+          <a:p>
+            <a:endParaRPr lang="en-US"/>
+          </a:p>
+        </p:txBody>
+      </p:sp>
+      <p:sp>
+        <p:nvSpPr>
+          <p:cNvPr id="5" name="Notes Placeholder 4"/>
+          <p:cNvSpPr>
+            <a:spLocks noGrp="1"/>
+          </p:cNvSpPr>
+          <p:nvPr>
+            <p:ph type="body" sz="quarter" idx="3"/>
+          </p:nvPr>
+        </p:nvSpPr>
+        <p:spPr>
+          <a:xfrm>
+            <a:off x="685800" y="4400550"/>
+            <a:ext cx="5486400" cy="3600450"/>
+          </a:xfrm>
+          <a:prstGeom prst="rect">
+            <a:avLst/>
+          </a:prstGeom>
+        </p:spPr>
+        <p:txBody>
+          <a:bodyPr vert="horz" lIns="91440" tIns="45720" rIns="91440" bIns="45720" rtlCol="0"/>
+          <a:lstStyle/>
+          <a:p>
+            <a:pPr lvl="0"/>
+            <a:r>
+              <a:rPr lang="en-US"/>
+              <a:t>Click to edit Master text styles</a:t>
+            </a:r>
+          </a:p>
+          <a:p>
+            <a:pPr lvl="1"/>
+            <a:r>
+              <a:rPr lang="en-US"/>
+              <a:t>Second level</a:t>
+            </a:r>
+          </a:p>
+          <a:p>
+            <a:pPr lvl="2"/>
+            <a:r>
+              <a:rPr lang="en-US"/>
+              <a:t>Third level</a:t>
+            </a:r>
+          </a:p>
+          <a:p>
+            <a:pPr lvl="3"/>
+            <a:r>
+              <a:rPr lang="en-US"/>
+              <a:t>Fourth level</a:t>
+            </a:r>
+          </a:p>
+          <a:p>
+            <a:pPr lvl="4"/>
+            <a:r>
+              <a:rPr lang="en-US"/>
+              <a:t>Fifth level</a:t>
+            </a:r>
+          </a:p>
+        </p:txBody>
+      </p:sp>
+      <p:sp>
+        <p:nvSpPr>
+          <p:cNvPr id="6" name="Footer Placeholder 5"/>
+          <p:cNvSpPr>
+            <a:spLocks noGrp="1"/>
+          </p:cNvSpPr>
+          <p:nvPr>
+            <p:ph type="ftr" sz="quarter" idx="4"/>
+          </p:nvPr>
+        </p:nvSpPr>
+        <p:spPr>
+          <a:xfrm>
+            <a:off x="0" y="8685213"/>
+            <a:ext cx="2971800" cy="458787"/>
+          </a:xfrm>
+          <a:prstGeom prst="rect">
+            <a:avLst/>
+          </a:prstGeom>
+        </p:spPr>
+        <p:txBody>
+          <a:bodyPr vert="horz" lIns="91440" tIns="45720" rIns="91440" bIns="45720" rtlCol="0" anchor="b"/>
+          <a:lstStyle>
+            <a:lvl1pPr algn="l">
+              <a:defRPr sz="1200"/>
+            </a:lvl1pPr>
+          </a:lstStyle>
+          <a:p>
+            <a:endParaRPr lang="en-US"/>
+          </a:p>
+        </p:txBody>
+      </p:sp>
+      <p:sp>
+        <p:nvSpPr>
+          <p:cNvPr id="7" name="Slide Number Placeholder 6"/>
+          <p:cNvSpPr>
+            <a:spLocks noGrp="1"/>
+          </p:cNvSpPr>
+          <p:nvPr>
+            <p:ph type="sldNum" sz="quarter" idx="5"/>
+          </p:nvPr>
+        </p:nvSpPr>
+        <p:spPr>
+          <a:xfrm>
+            <a:off x="3884613" y="8685213"/>
+            <a:ext cx="2971800" cy="458787"/>
+          </a:xfrm>
+          <a:prstGeom prst="rect">
+            <a:avLst/>
+          </a:prstGeom>
+        </p:spPr>
+        <p:txBody>
+          <a:bodyPr vert="horz" lIns="91440" tIns="45720" rIns="91440" bIns="45720" rtlCol="0" anchor="b"/>
+          <a:lstStyle>
+            <a:lvl1pPr algn="r">
+              <a:defRPr sz="1200"/>
+            </a:lvl1pPr>
+          </a:lstStyle>
+          <a:p>
+            <a:fld id="{F924E102-7321-3542-9D52-7E16972019FD}" type="slidenum">
+              <a:rPr lang="en-US" smtClean="0"/>
+              <a:t>‹#›</a:t>
+            </a:fld>
+            <a:endParaRPr lang="en-US"/>
+          </a:p>
+        </p:txBody>
+      </p:sp>
+    </p:spTree>
+    <p:extLst>
+      <p:ext uri="{BB962C8B-B14F-4D97-AF65-F5344CB8AC3E}">
+        <p14:creationId xmlns:p14="http://schemas.microsoft.com/office/powerpoint/2010/main" val="2340477886"/>
+      </p:ext>
+    </p:extLst>
+  </p:cSld>
+  <p:clrMap bg1="lt1" tx1="dk1" bg2="lt2" tx2="dk2" accent1="accent1" accent2="accent2" accent3="accent3" accent4="accent4" accent5="accent5" accent6="accent6" hlink="hlink" folHlink="folHlink"/>
+  <p:notesStyle>
+    <a:lvl1pPr marL="0" algn="l" defTabSz="914400" rtl="0" eaLnBrk="1" latinLnBrk="0" hangingPunct="1">
+      <a:defRPr sz="1200" kern="1200">
+        <a:solidFill>
+          <a:schemeClr val="tx1"/>
+        </a:solidFill>
+        <a:latin typeface="+mn-lt"/>
+        <a:ea typeface="+mn-ea"/>
+        <a:cs typeface="+mn-cs"/>
+      </a:defRPr>
+    </a:lvl1pPr>
+    <a:lvl2pPr marL="457200" algn="l" defTabSz="914400" rtl="0" eaLnBrk="1" latinLnBrk="0" hangingPunct="1">
+      <a:defRPr sz="1200" kern="1200">
+        <a:solidFill>
+          <a:schemeClr val="tx1"/>
+        </a:solidFill>
+        <a:latin typeface="+mn-lt"/>
+        <a:ea typeface="+mn-ea"/>
+        <a:cs typeface="+mn-cs"/>
+      </a:defRPr>
+    </a:lvl2pPr>
+    <a:lvl3pPr marL="914400" algn="l" defTabSz="914400" rtl="0" eaLnBrk="1" latinLnBrk="0" hangingPunct="1">
+      <a:defRPr sz="1200" kern="1200">
+        <a:solidFill>
+          <a:schemeClr val="tx1"/>
+        </a:solidFill>
+        <a:latin typeface="+mn-lt"/>
+        <a:ea typeface="+mn-ea"/>
+        <a:cs typeface="+mn-cs"/>
+      </a:defRPr>
+    </a:lvl3pPr>
+    <a:lvl4pPr marL="1371600" algn="l" defTabSz="914400" rtl="0" eaLnBrk="1" latinLnBrk="0" hangingPunct="1">
+      <a:defRPr sz="1200" kern="1200">
+        <a:solidFill>
+          <a:schemeClr val="tx1"/>
+        </a:solidFill>
+        <a:latin typeface="+mn-lt"/>
+        <a:ea typeface="+mn-ea"/>
+        <a:cs typeface="+mn-cs"/>
+      </a:defRPr>
+    </a:lvl4pPr>
+    <a:lvl5pPr marL="1828800" algn="l" defTabSz="914400" rtl="0" eaLnBrk="1" latinLnBrk="0" hangingPunct="1">
+      <a:defRPr sz="1200" kern="1200">
+        <a:solidFill>
+          <a:schemeClr val="tx1"/>
+        </a:solidFill>
+        <a:latin typeface="+mn-lt"/>
+        <a:ea typeface="+mn-ea"/>
+        <a:cs typeface="+mn-cs"/>
+      </a:defRPr>
+    </a:lvl5pPr>
+    <a:lvl6pPr marL="2286000" algn="l" defTabSz="914400" rtl="0" eaLnBrk="1" latinLnBrk="0" hangingPunct="1">
+      <a:defRPr sz="1200" kern="1200">
+        <a:solidFill>
+          <a:schemeClr val="tx1"/>
+        </a:solidFill>
+        <a:latin typeface="+mn-lt"/>
+        <a:ea typeface="+mn-ea"/>
+        <a:cs typeface="+mn-cs"/>
+      </a:defRPr>
+    </a:lvl6pPr>
+    <a:lvl7pPr marL="2743200" algn="l" defTabSz="914400" rtl="0" eaLnBrk="1" latinLnBrk="0" hangingPunct="1">
+      <a:defRPr sz="1200" kern="1200">
+        <a:solidFill>
+          <a:schemeClr val="tx1"/>
+        </a:solidFill>
+        <a:latin typeface="+mn-lt"/>
+        <a:ea typeface="+mn-ea"/>
+        <a:cs typeface="+mn-cs"/>
+      </a:defRPr>
+    </a:lvl7pPr>
+    <a:lvl8pPr marL="3200400" algn="l" defTabSz="914400" rtl="0" eaLnBrk="1" latinLnBrk="0" hangingPunct="1">
+      <a:defRPr sz="1200" kern="1200">
+        <a:solidFill>
+          <a:schemeClr val="tx1"/>
+        </a:solidFill>
+        <a:latin typeface="+mn-lt"/>
+        <a:ea typeface="+mn-ea"/>
+        <a:cs typeface="+mn-cs"/>
+      </a:defRPr>
+    </a:lvl8pPr>
+    <a:lvl9pPr marL="3657600" algn="l" defTabSz="914400" rtl="0" eaLnBrk="1" latinLnBrk="0" hangingPunct="1">
+      <a:defRPr sz="1200" kern="1200">
+        <a:solidFill>
+          <a:schemeClr val="tx1"/>
+        </a:solidFill>
+        <a:latin typeface="+mn-lt"/>
+        <a:ea typeface="+mn-ea"/>
+        <a:cs typeface="+mn-cs"/>
+      </a:defRPr>
+    </a:lvl9pPr>
+  </p:notesStyle>
+</p:notesMaster>
+</file>
+
+<file path=ppt/notesSlides/notesSlide1.xml><?xml version="1.0" encoding="utf-8"?>
+<p:notes xmlns:a="http://schemas.openxmlformats.org/drawingml/2006/main" xmlns:r="http://schemas.openxmlformats.org/officeDocument/2006/relationships" xmlns:p="http://schemas.openxmlformats.org/presentationml/2006/main">
+  <p:cSld>
+    <p:spTree>
+      <p:nvGrpSpPr>
+        <p:cNvPr id="1" name=""/>
+        <p:cNvGrpSpPr/>
+        <p:nvPr/>
+      </p:nvGrpSpPr>
+      <p:grpSpPr>
+        <a:xfrm>
+          <a:off x="0" y="0"/>
+          <a:ext cx="0" cy="0"/>
+          <a:chOff x="0" y="0"/>
+          <a:chExt cx="0" cy="0"/>
+        </a:xfrm>
+      </p:grpSpPr>
+      <p:sp>
+        <p:nvSpPr>
+          <p:cNvPr id="2" name="Slide Image Placeholder 1"/>
+          <p:cNvSpPr>
+            <a:spLocks noGrp="1" noRot="1" noChangeAspect="1"/>
+          </p:cNvSpPr>
+          <p:nvPr>
+            <p:ph type="sldImg"/>
+          </p:nvPr>
+        </p:nvSpPr>
+        <p:spPr/>
+      </p:sp>
+      <p:sp>
+        <p:nvSpPr>
+          <p:cNvPr id="3" name="Notes Placeholder 2"/>
+          <p:cNvSpPr>
+            <a:spLocks noGrp="1"/>
+          </p:cNvSpPr>
+          <p:nvPr>
+            <p:ph type="body" idx="1"/>
+          </p:nvPr>
+        </p:nvSpPr>
+        <p:spPr/>
+        <p:txBody>
+          <a:bodyPr/>
+          <a:lstStyle/>
+          <a:p>
+            <a:endParaRPr lang="en-US" dirty="0"/>
+          </a:p>
+        </p:txBody>
+      </p:sp>
+      <p:sp>
+        <p:nvSpPr>
+          <p:cNvPr id="4" name="Slide Number Placeholder 3"/>
+          <p:cNvSpPr>
+            <a:spLocks noGrp="1"/>
+          </p:cNvSpPr>
+          <p:nvPr>
+            <p:ph type="sldNum" sz="quarter" idx="5"/>
+          </p:nvPr>
+        </p:nvSpPr>
+        <p:spPr/>
+        <p:txBody>
+          <a:bodyPr/>
+          <a:lstStyle/>
+          <a:p>
+            <a:fld id="{F924E102-7321-3542-9D52-7E16972019FD}" type="slidenum">
+              <a:rPr lang="en-US" smtClean="0"/>
+              <a:t>1</a:t>
+            </a:fld>
+            <a:endParaRPr lang="en-US"/>
+          </a:p>
+        </p:txBody>
+      </p:sp>
+    </p:spTree>
+    <p:extLst>
+      <p:ext uri="{BB962C8B-B14F-4D97-AF65-F5344CB8AC3E}">
+        <p14:creationId xmlns:p14="http://schemas.microsoft.com/office/powerpoint/2010/main" val="2794920449"/>
+      </p:ext>
+    </p:extLst>
+  </p:cSld>
+  <p:clrMapOvr>
+    <a:masterClrMapping/>
+  </p:clrMapOvr>
+</p:notes>
 </file>
 
 <file path=ppt/slideLayouts/slideLayout1.xml><?xml version="1.0" encoding="utf-8"?>
@@ -2974,10 +3409,10 @@
       </p:grpSpPr>
       <p:sp>
         <p:nvSpPr>
-          <p:cNvPr id="9" name="Rounded Rectangle 8">
+          <p:cNvPr id="4" name="Rectangle 3">
             <a:extLst>
               <a:ext uri="{FF2B5EF4-FFF2-40B4-BE49-F238E27FC236}">
-                <a16:creationId xmlns:a16="http://schemas.microsoft.com/office/drawing/2014/main" id="{619F6180-6158-3E18-F081-27BB5525437B}"/>
+                <a16:creationId xmlns:a16="http://schemas.microsoft.com/office/drawing/2014/main" id="{C80E36C1-43BE-CDA6-5527-EC0678DD824C}"/>
               </a:ext>
             </a:extLst>
           </p:cNvPr>
@@ -2986,12 +3421,16 @@
         </p:nvSpPr>
         <p:spPr>
           <a:xfrm>
-            <a:off x="874736" y="1038792"/>
-            <a:ext cx="1865376" cy="1848871"/>
-          </a:xfrm>
-          <a:prstGeom prst="roundRect">
+            <a:off x="226828" y="705914"/>
+            <a:ext cx="11738344" cy="7429017"/>
+          </a:xfrm>
+          <a:prstGeom prst="rect">
             <a:avLst/>
           </a:prstGeom>
+          <a:noFill/>
+          <a:ln w="38100">
+            <a:prstDash val="sysDot"/>
+          </a:ln>
         </p:spPr>
         <p:style>
           <a:lnRef idx="2">
@@ -3014,59 +3453,16 @@
           <a:lstStyle/>
           <a:p>
             <a:pPr algn="ctr"/>
-            <a:r>
-              <a:rPr lang="en-US" dirty="0"/>
-              <a:t>Teff = 3000</a:t>
-            </a:r>
-          </a:p>
-          <a:p>
-            <a:pPr algn="ctr"/>
-            <a:r>
-              <a:rPr lang="en-US" dirty="0" err="1"/>
-              <a:t>Rstar</a:t>
-            </a:r>
-            <a:r>
-              <a:rPr lang="en-US" dirty="0"/>
-              <a:t> = 0.2Rsun</a:t>
-            </a:r>
-          </a:p>
-          <a:p>
-            <a:pPr algn="ctr"/>
-            <a:r>
-              <a:rPr lang="en-US" dirty="0" err="1"/>
-              <a:t>Mstar</a:t>
-            </a:r>
-            <a:r>
-              <a:rPr lang="en-US" dirty="0"/>
-              <a:t> = 0.15Msun</a:t>
-            </a:r>
-          </a:p>
-          <a:p>
-            <a:pPr algn="ctr"/>
-            <a:r>
-              <a:rPr lang="en-US" dirty="0" err="1"/>
-              <a:t>FeH</a:t>
-            </a:r>
-            <a:r>
-              <a:rPr lang="en-US" dirty="0"/>
-              <a:t> = 1</a:t>
-            </a:r>
-          </a:p>
-          <a:p>
-            <a:pPr algn="ctr"/>
-            <a:r>
-              <a:rPr lang="en-US" dirty="0"/>
-              <a:t>Log(g) = 5</a:t>
-            </a:r>
-          </a:p>
-        </p:txBody>
-      </p:sp>
-      <p:sp>
-        <p:nvSpPr>
-          <p:cNvPr id="10" name="Rounded Rectangle 9">
+            <a:endParaRPr lang="en-US"/>
+          </a:p>
+        </p:txBody>
+      </p:sp>
+      <p:sp>
+        <p:nvSpPr>
+          <p:cNvPr id="7" name="Rounded Rectangle 6">
             <a:extLst>
               <a:ext uri="{FF2B5EF4-FFF2-40B4-BE49-F238E27FC236}">
-                <a16:creationId xmlns:a16="http://schemas.microsoft.com/office/drawing/2014/main" id="{BFE26AF5-5E88-1D95-8289-52035F6A663E}"/>
+                <a16:creationId xmlns:a16="http://schemas.microsoft.com/office/drawing/2014/main" id="{19C49A65-C2E1-F544-C25E-DBFDF5E4497A}"/>
               </a:ext>
             </a:extLst>
           </p:cNvPr>
@@ -3075,8 +3471,8 @@
         </p:nvSpPr>
         <p:spPr>
           <a:xfrm>
-            <a:off x="3054056" y="1038791"/>
-            <a:ext cx="1865376" cy="1848870"/>
+            <a:off x="590046" y="911739"/>
+            <a:ext cx="2492024" cy="1501166"/>
           </a:xfrm>
           <a:prstGeom prst="roundRect">
             <a:avLst/>
@@ -3099,63 +3495,37 @@
           </a:fontRef>
         </p:style>
         <p:txBody>
-          <a:bodyPr rtlCol="0" anchor="ctr"/>
+          <a:bodyPr rtlCol="0" anchor="t" anchorCtr="0"/>
           <a:lstStyle/>
           <a:p>
             <a:pPr algn="ctr"/>
             <a:r>
               <a:rPr lang="en-US" dirty="0"/>
-              <a:t>Teff = 5000</a:t>
+              <a:t>Water world:</a:t>
             </a:r>
           </a:p>
           <a:p>
             <a:pPr algn="ctr"/>
             <a:r>
-              <a:rPr lang="en-US" dirty="0" err="1"/>
-              <a:t>Rstar</a:t>
-            </a:r>
-            <a:r>
               <a:rPr lang="en-US" dirty="0"/>
-              <a:t> = 0.8Rsun</a:t>
+              <a:t>H2O-dominant</a:t>
             </a:r>
           </a:p>
           <a:p>
             <a:pPr algn="ctr"/>
             <a:r>
-              <a:rPr lang="en-US" dirty="0" err="1"/>
-              <a:t>Mstar</a:t>
-            </a:r>
-            <a:r>
               <a:rPr lang="en-US" dirty="0"/>
-              <a:t> = 0.8Msun</a:t>
-            </a:r>
-          </a:p>
-          <a:p>
-            <a:pPr algn="ctr"/>
-            <a:r>
-              <a:rPr lang="en-US" dirty="0" err="1"/>
-              <a:t>FeH</a:t>
-            </a:r>
-            <a:r>
-              <a:rPr lang="en-US" dirty="0"/>
-              <a:t> = 1</a:t>
-            </a:r>
-          </a:p>
-          <a:p>
-            <a:pPr algn="ctr"/>
-            <a:r>
-              <a:rPr lang="en-US" dirty="0"/>
-              <a:t>Log(g) = 4.5</a:t>
-            </a:r>
-          </a:p>
-        </p:txBody>
-      </p:sp>
-      <p:sp>
-        <p:nvSpPr>
-          <p:cNvPr id="11" name="Rounded Rectangle 10">
+              <a:t>Surface albedo: 0.06 (same as Earth’s open oceans)</a:t>
+            </a:r>
+          </a:p>
+        </p:txBody>
+      </p:sp>
+      <p:sp>
+        <p:nvSpPr>
+          <p:cNvPr id="8" name="Rounded Rectangle 7">
             <a:extLst>
               <a:ext uri="{FF2B5EF4-FFF2-40B4-BE49-F238E27FC236}">
-                <a16:creationId xmlns:a16="http://schemas.microsoft.com/office/drawing/2014/main" id="{711646A4-31F8-1A92-A37F-A06ECED7249B}"/>
+                <a16:creationId xmlns:a16="http://schemas.microsoft.com/office/drawing/2014/main" id="{4AE222D1-6D5E-FE8A-2CBA-D3316B05037E}"/>
               </a:ext>
             </a:extLst>
           </p:cNvPr>
@@ -3164,8 +3534,8 @@
         </p:nvSpPr>
         <p:spPr>
           <a:xfrm>
-            <a:off x="5233376" y="1038792"/>
-            <a:ext cx="1865376" cy="1848869"/>
+            <a:off x="3324072" y="897457"/>
+            <a:ext cx="2492024" cy="1278418"/>
           </a:xfrm>
           <a:prstGeom prst="roundRect">
             <a:avLst/>
@@ -3188,63 +3558,53 @@
           </a:fontRef>
         </p:style>
         <p:txBody>
-          <a:bodyPr rtlCol="0" anchor="ctr"/>
+          <a:bodyPr rtlCol="0" anchor="t" anchorCtr="0"/>
           <a:lstStyle/>
           <a:p>
             <a:pPr algn="ctr"/>
             <a:r>
               <a:rPr lang="en-US" dirty="0"/>
-              <a:t>Teff = 5000</a:t>
+              <a:t>Venus:</a:t>
             </a:r>
           </a:p>
           <a:p>
             <a:pPr algn="ctr"/>
             <a:r>
-              <a:rPr lang="en-US" dirty="0" err="1"/>
-              <a:t>Rstar</a:t>
-            </a:r>
-            <a:r>
               <a:rPr lang="en-US" dirty="0"/>
-              <a:t> = 10Rsun</a:t>
+              <a:t>CO2-dominant</a:t>
             </a:r>
           </a:p>
           <a:p>
             <a:pPr algn="ctr"/>
             <a:r>
-              <a:rPr lang="en-US" dirty="0" err="1"/>
-              <a:t>Mstar</a:t>
-            </a:r>
-            <a:r>
               <a:rPr lang="en-US" dirty="0"/>
-              <a:t> = 0.8Msun</a:t>
+              <a:t>Surface albedo: 0.1</a:t>
             </a:r>
           </a:p>
           <a:p>
             <a:pPr algn="ctr"/>
             <a:r>
-              <a:rPr lang="en-US" dirty="0" err="1"/>
-              <a:t>FeH</a:t>
-            </a:r>
-            <a:r>
-              <a:rPr lang="en-US" dirty="0"/>
-              <a:t> = 1</a:t>
-            </a:r>
-          </a:p>
-          <a:p>
-            <a:pPr algn="ctr"/>
-            <a:r>
-              <a:rPr lang="en-US" dirty="0"/>
-              <a:t>Log(g) = 2.3</a:t>
-            </a:r>
-          </a:p>
-        </p:txBody>
-      </p:sp>
-      <p:sp>
-        <p:nvSpPr>
-          <p:cNvPr id="12" name="Rounded Rectangle 11">
+              <a:rPr lang="en-US" sz="900" dirty="0"/>
+              <a:t>(https://</a:t>
+            </a:r>
+            <a:r>
+              <a:rPr lang="en-US" sz="900" dirty="0" err="1"/>
+              <a:t>iopscience.iop.org</a:t>
+            </a:r>
+            <a:r>
+              <a:rPr lang="en-US" sz="900" dirty="0"/>
+              <a:t>/article/10.3847/1538-4357/ab9cba)</a:t>
+            </a:r>
+            <a:endParaRPr lang="en-US" dirty="0"/>
+          </a:p>
+        </p:txBody>
+      </p:sp>
+      <p:sp>
+        <p:nvSpPr>
+          <p:cNvPr id="9" name="Rounded Rectangle 8">
             <a:extLst>
               <a:ext uri="{FF2B5EF4-FFF2-40B4-BE49-F238E27FC236}">
-                <a16:creationId xmlns:a16="http://schemas.microsoft.com/office/drawing/2014/main" id="{A7B997C3-672C-EC8B-25B2-D8DDD1A493C5}"/>
+                <a16:creationId xmlns:a16="http://schemas.microsoft.com/office/drawing/2014/main" id="{944B6167-C457-DEE1-4D21-A349687CABB0}"/>
               </a:ext>
             </a:extLst>
           </p:cNvPr>
@@ -3253,8 +3613,8 @@
         </p:nvSpPr>
         <p:spPr>
           <a:xfrm>
-            <a:off x="7348688" y="1038792"/>
-            <a:ext cx="1865376" cy="1848869"/>
+            <a:off x="6162388" y="898975"/>
+            <a:ext cx="2492024" cy="923330"/>
           </a:xfrm>
           <a:prstGeom prst="roundRect">
             <a:avLst/>
@@ -3277,63 +3637,37 @@
           </a:fontRef>
         </p:style>
         <p:txBody>
-          <a:bodyPr rtlCol="0" anchor="ctr"/>
+          <a:bodyPr rtlCol="0" anchor="t" anchorCtr="0"/>
           <a:lstStyle/>
           <a:p>
             <a:pPr algn="ctr"/>
             <a:r>
               <a:rPr lang="en-US" dirty="0"/>
-              <a:t>Teff = 7000</a:t>
+              <a:t>Earth:</a:t>
             </a:r>
           </a:p>
           <a:p>
             <a:pPr algn="ctr"/>
             <a:r>
-              <a:rPr lang="en-US" dirty="0" err="1"/>
-              <a:t>Rstar</a:t>
-            </a:r>
-            <a:r>
               <a:rPr lang="en-US" dirty="0"/>
-              <a:t> = 1.7Rsun</a:t>
+              <a:t>N2-dominant</a:t>
             </a:r>
           </a:p>
           <a:p>
             <a:pPr algn="ctr"/>
             <a:r>
-              <a:rPr lang="en-US" dirty="0" err="1"/>
-              <a:t>Mstar</a:t>
-            </a:r>
-            <a:r>
               <a:rPr lang="en-US" dirty="0"/>
-              <a:t> = 1.5Msun</a:t>
-            </a:r>
-          </a:p>
-          <a:p>
-            <a:pPr algn="ctr"/>
-            <a:r>
-              <a:rPr lang="en-US" dirty="0" err="1"/>
-              <a:t>FeH</a:t>
-            </a:r>
-            <a:r>
-              <a:rPr lang="en-US" dirty="0"/>
-              <a:t> = 1</a:t>
-            </a:r>
-          </a:p>
-          <a:p>
-            <a:pPr algn="ctr"/>
-            <a:r>
-              <a:rPr lang="en-US" dirty="0"/>
-              <a:t>Log(g) = 4.0</a:t>
-            </a:r>
-          </a:p>
-        </p:txBody>
-      </p:sp>
-      <p:sp>
-        <p:nvSpPr>
-          <p:cNvPr id="13" name="Rounded Rectangle 12">
+              <a:t>Surface albedo: 0.2</a:t>
+            </a:r>
+          </a:p>
+        </p:txBody>
+      </p:sp>
+      <p:sp>
+        <p:nvSpPr>
+          <p:cNvPr id="10" name="Rounded Rectangle 9">
             <a:extLst>
               <a:ext uri="{FF2B5EF4-FFF2-40B4-BE49-F238E27FC236}">
-                <a16:creationId xmlns:a16="http://schemas.microsoft.com/office/drawing/2014/main" id="{ED0DB658-0D3F-F950-98AC-21AFBE1F19F5}"/>
+                <a16:creationId xmlns:a16="http://schemas.microsoft.com/office/drawing/2014/main" id="{6A34AAC8-47BE-AE8E-989F-C1207167B2D6}"/>
               </a:ext>
             </a:extLst>
           </p:cNvPr>
@@ -3342,8 +3676,8 @@
         </p:nvSpPr>
         <p:spPr>
           <a:xfrm>
-            <a:off x="9464000" y="1038791"/>
-            <a:ext cx="1865376" cy="1848868"/>
+            <a:off x="8896414" y="898535"/>
+            <a:ext cx="2492024" cy="1277339"/>
           </a:xfrm>
           <a:prstGeom prst="roundRect">
             <a:avLst/>
@@ -3366,98 +3700,64 @@
           </a:fontRef>
         </p:style>
         <p:txBody>
-          <a:bodyPr rtlCol="0" anchor="ctr"/>
+          <a:bodyPr rtlCol="0" anchor="t" anchorCtr="0"/>
           <a:lstStyle/>
           <a:p>
             <a:pPr algn="ctr"/>
             <a:r>
               <a:rPr lang="en-US" dirty="0"/>
-              <a:t>Teff = 7000</a:t>
+              <a:t>Titan:</a:t>
             </a:r>
           </a:p>
           <a:p>
             <a:pPr algn="ctr"/>
             <a:r>
-              <a:rPr lang="en-US" dirty="0" err="1"/>
-              <a:t>Rstar</a:t>
-            </a:r>
-            <a:r>
               <a:rPr lang="en-US" dirty="0"/>
-              <a:t> = 10Rsun</a:t>
+              <a:t>CH4-dominant</a:t>
             </a:r>
           </a:p>
           <a:p>
             <a:pPr algn="ctr"/>
             <a:r>
-              <a:rPr lang="en-US" dirty="0" err="1"/>
-              <a:t>Mstar</a:t>
-            </a:r>
-            <a:r>
               <a:rPr lang="en-US" dirty="0"/>
-              <a:t> = 1.5Msun</a:t>
+              <a:t>Surface albedo: 0.2</a:t>
             </a:r>
           </a:p>
           <a:p>
             <a:pPr algn="ctr"/>
             <a:r>
-              <a:rPr lang="en-US" dirty="0" err="1"/>
-              <a:t>FeH</a:t>
-            </a:r>
-            <a:r>
-              <a:rPr lang="en-US" dirty="0"/>
-              <a:t> = 1</a:t>
+              <a:rPr lang="en-US" sz="800" dirty="0"/>
+              <a:t>(https://</a:t>
+            </a:r>
+            <a:r>
+              <a:rPr lang="en-US" sz="800" dirty="0" err="1"/>
+              <a:t>www.sciencedirect.com</a:t>
+            </a:r>
+            <a:r>
+              <a:rPr lang="en-US" sz="800" dirty="0"/>
+              <a:t>/science/article/</a:t>
+            </a:r>
+            <a:r>
+              <a:rPr lang="en-US" sz="800" dirty="0" err="1"/>
+              <a:t>pii</a:t>
+            </a:r>
+            <a:r>
+              <a:rPr lang="en-US" sz="800" dirty="0"/>
+              <a:t>/S003206330600136X)</a:t>
             </a:r>
           </a:p>
           <a:p>
             <a:pPr algn="ctr"/>
-            <a:r>
-              <a:rPr lang="en-US" dirty="0"/>
-              <a:t>Log(g) = 2.6</a:t>
-            </a:r>
-          </a:p>
-        </p:txBody>
-      </p:sp>
-      <p:sp>
-        <p:nvSpPr>
-          <p:cNvPr id="14" name="TextBox 13">
+            <a:endParaRPr lang="en-US" dirty="0"/>
+          </a:p>
+        </p:txBody>
+      </p:sp>
+      <p:sp>
+        <p:nvSpPr>
+          <p:cNvPr id="11" name="Rounded Rectangle 10">
             <a:extLst>
               <a:ext uri="{FF2B5EF4-FFF2-40B4-BE49-F238E27FC236}">
-                <a16:creationId xmlns:a16="http://schemas.microsoft.com/office/drawing/2014/main" id="{46C56C44-3568-4F14-4BBF-959EDEFCA62E}"/>
-              </a:ext>
-            </a:extLst>
-          </p:cNvPr>
-          <p:cNvSpPr txBox="1"/>
-          <p:nvPr/>
-        </p:nvSpPr>
-        <p:spPr>
-          <a:xfrm>
-            <a:off x="1380063" y="666272"/>
-            <a:ext cx="854721" cy="369332"/>
-          </a:xfrm>
-          <a:prstGeom prst="rect">
-            <a:avLst/>
-          </a:prstGeom>
-          <a:noFill/>
-        </p:spPr>
-        <p:txBody>
-          <a:bodyPr wrap="none" rtlCol="0">
-            <a:spAutoFit/>
-          </a:bodyPr>
-          <a:lstStyle/>
-          <a:p>
-            <a:r>
-              <a:rPr lang="en-US" dirty="0"/>
-              <a:t>M5 MS</a:t>
-            </a:r>
-          </a:p>
-        </p:txBody>
-      </p:sp>
-      <p:sp>
-        <p:nvSpPr>
-          <p:cNvPr id="79" name="Rectangle 78">
-            <a:extLst>
-              <a:ext uri="{FF2B5EF4-FFF2-40B4-BE49-F238E27FC236}">
-                <a16:creationId xmlns:a16="http://schemas.microsoft.com/office/drawing/2014/main" id="{4C498818-C02A-3EC4-2536-202B9DDD58D8}"/>
+                <a16:creationId xmlns:a16="http://schemas.microsoft.com/office/drawing/2014/main" id="{1B001B58-2F2A-CCC7-75F5-AAC76A1B1D4F}"/>
               </a:ext>
             </a:extLst>
           </p:cNvPr>
@@ -3466,16 +3766,12 @@
         </p:nvSpPr>
         <p:spPr>
           <a:xfrm>
-            <a:off x="240184" y="3683483"/>
-            <a:ext cx="11738344" cy="5511317"/>
-          </a:xfrm>
-          <a:prstGeom prst="rect">
+            <a:off x="8896414" y="5381727"/>
+            <a:ext cx="2492024" cy="923330"/>
+          </a:xfrm>
+          <a:prstGeom prst="roundRect">
             <a:avLst/>
           </a:prstGeom>
-          <a:noFill/>
-          <a:ln w="38100">
-            <a:prstDash val="sysDot"/>
-          </a:ln>
         </p:spPr>
         <p:style>
           <a:lnRef idx="2">
@@ -3494,160 +3790,23 @@
           </a:fontRef>
         </p:style>
         <p:txBody>
-          <a:bodyPr rtlCol="0" anchor="ctr"/>
+          <a:bodyPr rtlCol="0" anchor="t" anchorCtr="0"/>
           <a:lstStyle/>
           <a:p>
             <a:pPr algn="ctr"/>
-            <a:endParaRPr lang="en-US"/>
-          </a:p>
-        </p:txBody>
-      </p:sp>
-      <p:sp>
-        <p:nvSpPr>
-          <p:cNvPr id="88" name="TextBox 87">
+            <a:r>
+              <a:rPr lang="en-US" dirty="0"/>
+              <a:t>20% O2 (Earth Only)</a:t>
+            </a:r>
+          </a:p>
+        </p:txBody>
+      </p:sp>
+      <p:sp>
+        <p:nvSpPr>
+          <p:cNvPr id="12" name="Rounded Rectangle 11">
             <a:extLst>
               <a:ext uri="{FF2B5EF4-FFF2-40B4-BE49-F238E27FC236}">
-                <a16:creationId xmlns:a16="http://schemas.microsoft.com/office/drawing/2014/main" id="{078536C1-205C-842D-F86E-666C416A6A2B}"/>
-              </a:ext>
-            </a:extLst>
-          </p:cNvPr>
-          <p:cNvSpPr txBox="1"/>
-          <p:nvPr/>
-        </p:nvSpPr>
-        <p:spPr>
-          <a:xfrm>
-            <a:off x="3538491" y="699099"/>
-            <a:ext cx="1085554" cy="369332"/>
-          </a:xfrm>
-          <a:prstGeom prst="rect">
-            <a:avLst/>
-          </a:prstGeom>
-          <a:noFill/>
-        </p:spPr>
-        <p:txBody>
-          <a:bodyPr wrap="none" rtlCol="0">
-            <a:spAutoFit/>
-          </a:bodyPr>
-          <a:lstStyle/>
-          <a:p>
-            <a:r>
-              <a:rPr lang="en-US" dirty="0"/>
-              <a:t>K2-K3 MS</a:t>
-            </a:r>
-          </a:p>
-        </p:txBody>
-      </p:sp>
-      <p:sp>
-        <p:nvSpPr>
-          <p:cNvPr id="89" name="TextBox 88">
-            <a:extLst>
-              <a:ext uri="{FF2B5EF4-FFF2-40B4-BE49-F238E27FC236}">
-                <a16:creationId xmlns:a16="http://schemas.microsoft.com/office/drawing/2014/main" id="{3EF56641-07E1-2879-9873-CAA8521D740B}"/>
-              </a:ext>
-            </a:extLst>
-          </p:cNvPr>
-          <p:cNvSpPr txBox="1"/>
-          <p:nvPr/>
-        </p:nvSpPr>
-        <p:spPr>
-          <a:xfrm>
-            <a:off x="5563983" y="671976"/>
-            <a:ext cx="1176412" cy="369332"/>
-          </a:xfrm>
-          <a:prstGeom prst="rect">
-            <a:avLst/>
-          </a:prstGeom>
-          <a:noFill/>
-        </p:spPr>
-        <p:txBody>
-          <a:bodyPr wrap="none" rtlCol="0">
-            <a:spAutoFit/>
-          </a:bodyPr>
-          <a:lstStyle/>
-          <a:p>
-            <a:r>
-              <a:rPr lang="en-US" dirty="0"/>
-              <a:t>K2-K3 RGB</a:t>
-            </a:r>
-          </a:p>
-        </p:txBody>
-      </p:sp>
-      <p:sp>
-        <p:nvSpPr>
-          <p:cNvPr id="90" name="TextBox 89">
-            <a:extLst>
-              <a:ext uri="{FF2B5EF4-FFF2-40B4-BE49-F238E27FC236}">
-                <a16:creationId xmlns:a16="http://schemas.microsoft.com/office/drawing/2014/main" id="{22E4B520-100D-DFEC-D63E-996F56364699}"/>
-              </a:ext>
-            </a:extLst>
-          </p:cNvPr>
-          <p:cNvSpPr txBox="1"/>
-          <p:nvPr/>
-        </p:nvSpPr>
-        <p:spPr>
-          <a:xfrm>
-            <a:off x="7866648" y="663096"/>
-            <a:ext cx="763351" cy="369332"/>
-          </a:xfrm>
-          <a:prstGeom prst="rect">
-            <a:avLst/>
-          </a:prstGeom>
-          <a:noFill/>
-        </p:spPr>
-        <p:txBody>
-          <a:bodyPr wrap="none" rtlCol="0">
-            <a:spAutoFit/>
-          </a:bodyPr>
-          <a:lstStyle/>
-          <a:p>
-            <a:r>
-              <a:rPr lang="en-US" dirty="0"/>
-              <a:t>F1 MS</a:t>
-            </a:r>
-          </a:p>
-        </p:txBody>
-      </p:sp>
-      <p:sp>
-        <p:nvSpPr>
-          <p:cNvPr id="91" name="TextBox 90">
-            <a:extLst>
-              <a:ext uri="{FF2B5EF4-FFF2-40B4-BE49-F238E27FC236}">
-                <a16:creationId xmlns:a16="http://schemas.microsoft.com/office/drawing/2014/main" id="{A225028E-F1FA-B1E2-71CA-68ED7FF9F132}"/>
-              </a:ext>
-            </a:extLst>
-          </p:cNvPr>
-          <p:cNvSpPr txBox="1"/>
-          <p:nvPr/>
-        </p:nvSpPr>
-        <p:spPr>
-          <a:xfrm>
-            <a:off x="9964293" y="640839"/>
-            <a:ext cx="854208" cy="369332"/>
-          </a:xfrm>
-          <a:prstGeom prst="rect">
-            <a:avLst/>
-          </a:prstGeom>
-          <a:noFill/>
-        </p:spPr>
-        <p:txBody>
-          <a:bodyPr wrap="none" rtlCol="0">
-            <a:spAutoFit/>
-          </a:bodyPr>
-          <a:lstStyle/>
-          <a:p>
-            <a:r>
-              <a:rPr lang="en-US" dirty="0"/>
-              <a:t>F1 RGB</a:t>
-            </a:r>
-          </a:p>
-        </p:txBody>
-      </p:sp>
-      <p:sp>
-        <p:nvSpPr>
-          <p:cNvPr id="92" name="Rectangle 91">
-            <a:extLst>
-              <a:ext uri="{FF2B5EF4-FFF2-40B4-BE49-F238E27FC236}">
-                <a16:creationId xmlns:a16="http://schemas.microsoft.com/office/drawing/2014/main" id="{71043298-F502-71D0-5634-7D63DA0D0733}"/>
+                <a16:creationId xmlns:a16="http://schemas.microsoft.com/office/drawing/2014/main" id="{500405F3-9C44-0062-C440-99C77F467D27}"/>
               </a:ext>
             </a:extLst>
           </p:cNvPr>
@@ -3656,16 +3815,12 @@
         </p:nvSpPr>
         <p:spPr>
           <a:xfrm>
-            <a:off x="226828" y="491502"/>
-            <a:ext cx="11738344" cy="2478824"/>
-          </a:xfrm>
-          <a:prstGeom prst="rect">
+            <a:off x="633169" y="5345358"/>
+            <a:ext cx="2492024" cy="923330"/>
+          </a:xfrm>
+          <a:prstGeom prst="roundRect">
             <a:avLst/>
           </a:prstGeom>
-          <a:noFill/>
-          <a:ln w="38100">
-            <a:prstDash val="sysDot"/>
-          </a:ln>
         </p:spPr>
         <p:style>
           <a:lnRef idx="2">
@@ -3684,90 +3839,30 @@
           </a:fontRef>
         </p:style>
         <p:txBody>
-          <a:bodyPr rtlCol="0" anchor="ctr"/>
+          <a:bodyPr rtlCol="0" anchor="t" anchorCtr="0"/>
           <a:lstStyle/>
           <a:p>
             <a:pPr algn="ctr"/>
-            <a:endParaRPr lang="en-US"/>
-          </a:p>
-        </p:txBody>
-      </p:sp>
-      <p:sp>
-        <p:nvSpPr>
-          <p:cNvPr id="94" name="TextBox 93">
+            <a:r>
+              <a:rPr lang="en-US" dirty="0"/>
+              <a:t>1% of each:</a:t>
+            </a:r>
+          </a:p>
+          <a:p>
+            <a:pPr algn="ctr"/>
+            <a:r>
+              <a:rPr lang="en-US" dirty="0"/>
+              <a:t>H2O, CO2, CH4, O2, CO, O3</a:t>
+            </a:r>
+          </a:p>
+        </p:txBody>
+      </p:sp>
+      <p:sp>
+        <p:nvSpPr>
+          <p:cNvPr id="13" name="Rounded Rectangle 12">
             <a:extLst>
               <a:ext uri="{FF2B5EF4-FFF2-40B4-BE49-F238E27FC236}">
-                <a16:creationId xmlns:a16="http://schemas.microsoft.com/office/drawing/2014/main" id="{ACA2FFCD-32D6-5397-E8CE-292613D7B191}"/>
-              </a:ext>
-            </a:extLst>
-          </p:cNvPr>
-          <p:cNvSpPr txBox="1"/>
-          <p:nvPr/>
-        </p:nvSpPr>
-        <p:spPr>
-          <a:xfrm>
-            <a:off x="5397872" y="146567"/>
-            <a:ext cx="1336007" cy="369332"/>
-          </a:xfrm>
-          <a:prstGeom prst="rect">
-            <a:avLst/>
-          </a:prstGeom>
-          <a:noFill/>
-        </p:spPr>
-        <p:txBody>
-          <a:bodyPr wrap="none" rtlCol="0">
-            <a:spAutoFit/>
-          </a:bodyPr>
-          <a:lstStyle/>
-          <a:p>
-            <a:r>
-              <a:rPr lang="en-US" dirty="0"/>
-              <a:t>Select a Star</a:t>
-            </a:r>
-          </a:p>
-        </p:txBody>
-      </p:sp>
-      <p:sp>
-        <p:nvSpPr>
-          <p:cNvPr id="95" name="TextBox 94">
-            <a:extLst>
-              <a:ext uri="{FF2B5EF4-FFF2-40B4-BE49-F238E27FC236}">
-                <a16:creationId xmlns:a16="http://schemas.microsoft.com/office/drawing/2014/main" id="{C902B437-C184-E1AF-40CB-2A0E051DD00E}"/>
-              </a:ext>
-            </a:extLst>
-          </p:cNvPr>
-          <p:cNvSpPr txBox="1"/>
-          <p:nvPr/>
-        </p:nvSpPr>
-        <p:spPr>
-          <a:xfrm>
-            <a:off x="5371977" y="3373286"/>
-            <a:ext cx="1560427" cy="369332"/>
-          </a:xfrm>
-          <a:prstGeom prst="rect">
-            <a:avLst/>
-          </a:prstGeom>
-          <a:noFill/>
-        </p:spPr>
-        <p:txBody>
-          <a:bodyPr wrap="none" rtlCol="0">
-            <a:spAutoFit/>
-          </a:bodyPr>
-          <a:lstStyle/>
-          <a:p>
-            <a:r>
-              <a:rPr lang="en-US" dirty="0"/>
-              <a:t>Select a Planet</a:t>
-            </a:r>
-          </a:p>
-        </p:txBody>
-      </p:sp>
-      <p:sp>
-        <p:nvSpPr>
-          <p:cNvPr id="96" name="Down Arrow 95">
-            <a:extLst>
-              <a:ext uri="{FF2B5EF4-FFF2-40B4-BE49-F238E27FC236}">
-                <a16:creationId xmlns:a16="http://schemas.microsoft.com/office/drawing/2014/main" id="{D9859B19-8D56-0B5B-8E5C-AC8934A4E0E4}"/>
+                <a16:creationId xmlns:a16="http://schemas.microsoft.com/office/drawing/2014/main" id="{2813E14F-42CF-F117-542D-19EBFE2D46BD}"/>
               </a:ext>
             </a:extLst>
           </p:cNvPr>
@@ -3776,10 +3871,10 @@
         </p:nvSpPr>
         <p:spPr>
           <a:xfrm>
-            <a:off x="5352089" y="3068412"/>
-            <a:ext cx="1600200" cy="338542"/>
-          </a:xfrm>
-          <a:prstGeom prst="downArrow">
+            <a:off x="3471485" y="5357014"/>
+            <a:ext cx="2492024" cy="923330"/>
+          </a:xfrm>
+          <a:prstGeom prst="roundRect">
             <a:avLst/>
           </a:prstGeom>
         </p:spPr>
@@ -3800,55 +3895,30 @@
           </a:fontRef>
         </p:style>
         <p:txBody>
-          <a:bodyPr rtlCol="0" anchor="ctr"/>
+          <a:bodyPr rtlCol="0" anchor="t" anchorCtr="0"/>
           <a:lstStyle/>
           <a:p>
             <a:pPr algn="ctr"/>
-            <a:endParaRPr lang="en-US"/>
-          </a:p>
-        </p:txBody>
-      </p:sp>
-      <p:sp>
-        <p:nvSpPr>
-          <p:cNvPr id="97" name="TextBox 96">
+            <a:r>
+              <a:rPr lang="en-US" dirty="0"/>
+              <a:t>0.01% of each:</a:t>
+            </a:r>
+          </a:p>
+          <a:p>
+            <a:pPr algn="ctr"/>
+            <a:r>
+              <a:rPr lang="en-US" dirty="0"/>
+              <a:t>H2O, CO2, CH4, O2, CO, O3</a:t>
+            </a:r>
+          </a:p>
+        </p:txBody>
+      </p:sp>
+      <p:sp>
+        <p:nvSpPr>
+          <p:cNvPr id="14" name="Rounded Rectangle 13">
             <a:extLst>
               <a:ext uri="{FF2B5EF4-FFF2-40B4-BE49-F238E27FC236}">
-                <a16:creationId xmlns:a16="http://schemas.microsoft.com/office/drawing/2014/main" id="{1B5DB125-CF7A-4B8C-6629-FDC1E032E4EA}"/>
-              </a:ext>
-            </a:extLst>
-          </p:cNvPr>
-          <p:cNvSpPr txBox="1"/>
-          <p:nvPr/>
-        </p:nvSpPr>
-        <p:spPr>
-          <a:xfrm>
-            <a:off x="4427633" y="9896216"/>
-            <a:ext cx="3064942" cy="369332"/>
-          </a:xfrm>
-          <a:prstGeom prst="rect">
-            <a:avLst/>
-          </a:prstGeom>
-          <a:noFill/>
-        </p:spPr>
-        <p:txBody>
-          <a:bodyPr wrap="none" rtlCol="0">
-            <a:spAutoFit/>
-          </a:bodyPr>
-          <a:lstStyle/>
-          <a:p>
-            <a:r>
-              <a:rPr lang="en-US" dirty="0"/>
-              <a:t>Select a Separation -&gt; Eq Temp</a:t>
-            </a:r>
-          </a:p>
-        </p:txBody>
-      </p:sp>
-      <p:sp>
-        <p:nvSpPr>
-          <p:cNvPr id="98" name="Down Arrow 97">
-            <a:extLst>
-              <a:ext uri="{FF2B5EF4-FFF2-40B4-BE49-F238E27FC236}">
-                <a16:creationId xmlns:a16="http://schemas.microsoft.com/office/drawing/2014/main" id="{4AC83695-476A-D03E-FF26-F00459636314}"/>
+                <a16:creationId xmlns:a16="http://schemas.microsoft.com/office/drawing/2014/main" id="{E7B0EA5D-4CA3-61D2-BE09-0DAB39B54F22}"/>
               </a:ext>
             </a:extLst>
           </p:cNvPr>
@@ -3857,10 +3927,10 @@
         </p:nvSpPr>
         <p:spPr>
           <a:xfrm>
-            <a:off x="5160004" y="9594485"/>
-            <a:ext cx="1600200" cy="338542"/>
-          </a:xfrm>
-          <a:prstGeom prst="downArrow">
+            <a:off x="6162388" y="5359758"/>
+            <a:ext cx="2492024" cy="923330"/>
+          </a:xfrm>
+          <a:prstGeom prst="roundRect">
             <a:avLst/>
           </a:prstGeom>
         </p:spPr>
@@ -3881,20 +3951,73 @@
           </a:fontRef>
         </p:style>
         <p:txBody>
-          <a:bodyPr rtlCol="0" anchor="ctr"/>
+          <a:bodyPr rtlCol="0" anchor="t" anchorCtr="0"/>
           <a:lstStyle/>
           <a:p>
             <a:pPr algn="ctr"/>
-            <a:endParaRPr lang="en-US"/>
-          </a:p>
-        </p:txBody>
-      </p:sp>
-      <p:sp>
-        <p:nvSpPr>
-          <p:cNvPr id="99" name="Rounded Rectangle 98">
+            <a:r>
+              <a:rPr lang="en-US" dirty="0"/>
+              <a:t>0.0001% of each:</a:t>
+            </a:r>
+          </a:p>
+          <a:p>
+            <a:pPr algn="ctr"/>
+            <a:r>
+              <a:rPr lang="en-US" dirty="0"/>
+              <a:t>H2O, CO2, CH4, O2, CO, O3</a:t>
+            </a:r>
+          </a:p>
+        </p:txBody>
+      </p:sp>
+      <p:sp>
+        <p:nvSpPr>
+          <p:cNvPr id="15" name="TextBox 14">
             <a:extLst>
               <a:ext uri="{FF2B5EF4-FFF2-40B4-BE49-F238E27FC236}">
-                <a16:creationId xmlns:a16="http://schemas.microsoft.com/office/drawing/2014/main" id="{658A2053-722C-DEE9-C302-3339AB707055}"/>
+                <a16:creationId xmlns:a16="http://schemas.microsoft.com/office/drawing/2014/main" id="{3AC1FADB-2EF0-1DA2-BC71-41FE2F90CA90}"/>
+              </a:ext>
+            </a:extLst>
+          </p:cNvPr>
+          <p:cNvSpPr txBox="1"/>
+          <p:nvPr/>
+        </p:nvSpPr>
+        <p:spPr>
+          <a:xfrm>
+            <a:off x="5138183" y="2774185"/>
+            <a:ext cx="1852110" cy="369332"/>
+          </a:xfrm>
+          <a:prstGeom prst="rect">
+            <a:avLst/>
+          </a:prstGeom>
+          <a:noFill/>
+        </p:spPr>
+        <p:txBody>
+          <a:bodyPr wrap="none" rtlCol="0">
+            <a:spAutoFit/>
+          </a:bodyPr>
+          <a:lstStyle/>
+          <a:p>
+            <a:r>
+              <a:rPr lang="en-US" dirty="0"/>
+              <a:t>Select </a:t>
+            </a:r>
+            <a:r>
+              <a:rPr lang="en-US" dirty="0" err="1"/>
+              <a:t>Teq</a:t>
+            </a:r>
+            <a:r>
+              <a:rPr lang="en-US" dirty="0"/>
+              <a:t>/Clouds</a:t>
+            </a:r>
+          </a:p>
+        </p:txBody>
+      </p:sp>
+      <p:sp>
+        <p:nvSpPr>
+          <p:cNvPr id="16" name="Down Arrow 15">
+            <a:extLst>
+              <a:ext uri="{FF2B5EF4-FFF2-40B4-BE49-F238E27FC236}">
+                <a16:creationId xmlns:a16="http://schemas.microsoft.com/office/drawing/2014/main" id="{7242E0AD-B48E-4A4E-BC96-81D4BFC689CB}"/>
               </a:ext>
             </a:extLst>
           </p:cNvPr>
@@ -3903,10 +4026,10 @@
         </p:nvSpPr>
         <p:spPr>
           <a:xfrm>
-            <a:off x="1096004" y="10412904"/>
-            <a:ext cx="1865376" cy="453589"/>
-          </a:xfrm>
-          <a:prstGeom prst="roundRect">
+            <a:off x="5264138" y="2404563"/>
+            <a:ext cx="1600200" cy="338542"/>
+          </a:xfrm>
+          <a:prstGeom prst="downArrow">
             <a:avLst/>
           </a:prstGeom>
         </p:spPr>
@@ -3931,19 +4054,51 @@
           <a:lstStyle/>
           <a:p>
             <a:pPr algn="ctr"/>
-            <a:r>
-              <a:rPr lang="en-US" dirty="0"/>
-              <a:t>0.1 au</a:t>
-            </a:r>
-          </a:p>
-        </p:txBody>
-      </p:sp>
-      <p:sp>
-        <p:nvSpPr>
-          <p:cNvPr id="100" name="Rounded Rectangle 99">
+            <a:endParaRPr lang="en-US"/>
+          </a:p>
+        </p:txBody>
+      </p:sp>
+      <p:sp>
+        <p:nvSpPr>
+          <p:cNvPr id="17" name="TextBox 16">
             <a:extLst>
               <a:ext uri="{FF2B5EF4-FFF2-40B4-BE49-F238E27FC236}">
-                <a16:creationId xmlns:a16="http://schemas.microsoft.com/office/drawing/2014/main" id="{A6E2F1AF-9853-00DF-EDE4-C6EF3D5E4682}"/>
+                <a16:creationId xmlns:a16="http://schemas.microsoft.com/office/drawing/2014/main" id="{831B21E0-CD4F-A201-E9EC-9A676B0AA440}"/>
+              </a:ext>
+            </a:extLst>
+          </p:cNvPr>
+          <p:cNvSpPr txBox="1"/>
+          <p:nvPr/>
+        </p:nvSpPr>
+        <p:spPr>
+          <a:xfrm>
+            <a:off x="5267021" y="6811800"/>
+            <a:ext cx="1468094" cy="369332"/>
+          </a:xfrm>
+          <a:prstGeom prst="rect">
+            <a:avLst/>
+          </a:prstGeom>
+          <a:noFill/>
+        </p:spPr>
+        <p:txBody>
+          <a:bodyPr wrap="none" rtlCol="0">
+            <a:spAutoFit/>
+          </a:bodyPr>
+          <a:lstStyle/>
+          <a:p>
+            <a:r>
+              <a:rPr lang="en-US" dirty="0"/>
+              <a:t>Select Gravity</a:t>
+            </a:r>
+          </a:p>
+        </p:txBody>
+      </p:sp>
+      <p:sp>
+        <p:nvSpPr>
+          <p:cNvPr id="18" name="Down Arrow 17">
+            <a:extLst>
+              <a:ext uri="{FF2B5EF4-FFF2-40B4-BE49-F238E27FC236}">
+                <a16:creationId xmlns:a16="http://schemas.microsoft.com/office/drawing/2014/main" id="{618F48CF-A2F9-81D4-D983-03F306D7A37E}"/>
               </a:ext>
             </a:extLst>
           </p:cNvPr>
@@ -3952,10 +4107,10 @@
         </p:nvSpPr>
         <p:spPr>
           <a:xfrm>
-            <a:off x="3095426" y="10410017"/>
-            <a:ext cx="1865376" cy="453589"/>
-          </a:xfrm>
-          <a:prstGeom prst="roundRect">
+            <a:off x="5200968" y="6493351"/>
+            <a:ext cx="1600200" cy="338542"/>
+          </a:xfrm>
+          <a:prstGeom prst="downArrow">
             <a:avLst/>
           </a:prstGeom>
         </p:spPr>
@@ -3980,19 +4135,16 @@
           <a:lstStyle/>
           <a:p>
             <a:pPr algn="ctr"/>
-            <a:r>
-              <a:rPr lang="en-US" dirty="0"/>
-              <a:t>0.5 au</a:t>
-            </a:r>
-          </a:p>
-        </p:txBody>
-      </p:sp>
-      <p:sp>
-        <p:nvSpPr>
-          <p:cNvPr id="101" name="Rounded Rectangle 100">
+            <a:endParaRPr lang="en-US"/>
+          </a:p>
+        </p:txBody>
+      </p:sp>
+      <p:sp>
+        <p:nvSpPr>
+          <p:cNvPr id="19" name="Rounded Rectangle 18">
             <a:extLst>
               <a:ext uri="{FF2B5EF4-FFF2-40B4-BE49-F238E27FC236}">
-                <a16:creationId xmlns:a16="http://schemas.microsoft.com/office/drawing/2014/main" id="{C6BF9FE7-8271-28DE-9ED5-E36533163815}"/>
+                <a16:creationId xmlns:a16="http://schemas.microsoft.com/office/drawing/2014/main" id="{B4D97675-DC05-8F01-E493-2DB1DA18AFD9}"/>
               </a:ext>
             </a:extLst>
           </p:cNvPr>
@@ -4001,8 +4153,8 @@
         </p:nvSpPr>
         <p:spPr>
           <a:xfrm>
-            <a:off x="5096604" y="10410016"/>
-            <a:ext cx="1865376" cy="453589"/>
+            <a:off x="2818310" y="7315210"/>
+            <a:ext cx="1899187" cy="564749"/>
           </a:xfrm>
           <a:prstGeom prst="roundRect">
             <a:avLst/>
@@ -4025,23 +4177,23 @@
           </a:fontRef>
         </p:style>
         <p:txBody>
-          <a:bodyPr rtlCol="0" anchor="ctr"/>
+          <a:bodyPr rtlCol="0" anchor="t" anchorCtr="0"/>
           <a:lstStyle/>
           <a:p>
             <a:pPr algn="ctr"/>
             <a:r>
               <a:rPr lang="en-US" dirty="0"/>
-              <a:t>1 au</a:t>
-            </a:r>
-          </a:p>
-        </p:txBody>
-      </p:sp>
-      <p:sp>
-        <p:nvSpPr>
-          <p:cNvPr id="102" name="Rounded Rectangle 101">
+              <a:t>5 m/s^2</a:t>
+            </a:r>
+          </a:p>
+        </p:txBody>
+      </p:sp>
+      <p:sp>
+        <p:nvSpPr>
+          <p:cNvPr id="20" name="Rounded Rectangle 19">
             <a:extLst>
               <a:ext uri="{FF2B5EF4-FFF2-40B4-BE49-F238E27FC236}">
-                <a16:creationId xmlns:a16="http://schemas.microsoft.com/office/drawing/2014/main" id="{7BE61EB4-CA60-BDAE-3D97-EFC377468E44}"/>
+                <a16:creationId xmlns:a16="http://schemas.microsoft.com/office/drawing/2014/main" id="{612D925D-0383-955E-C011-683755C8DF0D}"/>
               </a:ext>
             </a:extLst>
           </p:cNvPr>
@@ -4050,8 +4202,8 @@
         </p:nvSpPr>
         <p:spPr>
           <a:xfrm>
-            <a:off x="7096026" y="10410015"/>
-            <a:ext cx="1865376" cy="453589"/>
+            <a:off x="5029766" y="7280706"/>
+            <a:ext cx="1899187" cy="564749"/>
           </a:xfrm>
           <a:prstGeom prst="roundRect">
             <a:avLst/>
@@ -4074,23 +4226,23 @@
           </a:fontRef>
         </p:style>
         <p:txBody>
-          <a:bodyPr rtlCol="0" anchor="ctr"/>
+          <a:bodyPr rtlCol="0" anchor="t" anchorCtr="0"/>
           <a:lstStyle/>
           <a:p>
             <a:pPr algn="ctr"/>
             <a:r>
               <a:rPr lang="en-US" dirty="0"/>
-              <a:t>3 au</a:t>
-            </a:r>
-          </a:p>
-        </p:txBody>
-      </p:sp>
-      <p:sp>
-        <p:nvSpPr>
-          <p:cNvPr id="103" name="Rounded Rectangle 102">
+              <a:t>10 m/s^2</a:t>
+            </a:r>
+          </a:p>
+        </p:txBody>
+      </p:sp>
+      <p:sp>
+        <p:nvSpPr>
+          <p:cNvPr id="21" name="Rounded Rectangle 20">
             <a:extLst>
               <a:ext uri="{FF2B5EF4-FFF2-40B4-BE49-F238E27FC236}">
-                <a16:creationId xmlns:a16="http://schemas.microsoft.com/office/drawing/2014/main" id="{2335F6E7-B33D-FA0C-4B80-A622F828D1D7}"/>
+                <a16:creationId xmlns:a16="http://schemas.microsoft.com/office/drawing/2014/main" id="{8B3C0DEF-1878-0FD0-0A05-0975A1863A22}"/>
               </a:ext>
             </a:extLst>
           </p:cNvPr>
@@ -4099,8 +4251,8 @@
         </p:nvSpPr>
         <p:spPr>
           <a:xfrm>
-            <a:off x="9095448" y="10410014"/>
-            <a:ext cx="1865376" cy="453589"/>
+            <a:off x="7237695" y="7315210"/>
+            <a:ext cx="1899187" cy="564749"/>
           </a:xfrm>
           <a:prstGeom prst="roundRect">
             <a:avLst/>
@@ -4123,23 +4275,23 @@
           </a:fontRef>
         </p:style>
         <p:txBody>
-          <a:bodyPr rtlCol="0" anchor="ctr"/>
+          <a:bodyPr rtlCol="0" anchor="t" anchorCtr="0"/>
           <a:lstStyle/>
           <a:p>
             <a:pPr algn="ctr"/>
             <a:r>
               <a:rPr lang="en-US" dirty="0"/>
-              <a:t>10 au</a:t>
-            </a:r>
-          </a:p>
-        </p:txBody>
-      </p:sp>
-      <p:sp>
-        <p:nvSpPr>
-          <p:cNvPr id="105" name="Down Arrow 104">
+              <a:t>15 m/s^2</a:t>
+            </a:r>
+          </a:p>
+        </p:txBody>
+      </p:sp>
+      <p:sp>
+        <p:nvSpPr>
+          <p:cNvPr id="22" name="Rounded Rectangle 21">
             <a:extLst>
               <a:ext uri="{FF2B5EF4-FFF2-40B4-BE49-F238E27FC236}">
-                <a16:creationId xmlns:a16="http://schemas.microsoft.com/office/drawing/2014/main" id="{7781C76D-9D80-1FAE-6D78-BE5F9E0E450D}"/>
+                <a16:creationId xmlns:a16="http://schemas.microsoft.com/office/drawing/2014/main" id="{EAE47294-26DC-024A-5462-0E6F30776602}"/>
               </a:ext>
             </a:extLst>
           </p:cNvPr>
@@ -4148,10 +4300,10 @@
         </p:nvSpPr>
         <p:spPr>
           <a:xfrm>
-            <a:off x="5160004" y="11045368"/>
-            <a:ext cx="1600200" cy="588005"/>
-          </a:xfrm>
-          <a:prstGeom prst="downArrow">
+            <a:off x="8845324" y="3359427"/>
+            <a:ext cx="2492024" cy="923330"/>
+          </a:xfrm>
+          <a:prstGeom prst="roundRect">
             <a:avLst/>
           </a:prstGeom>
         </p:spPr>
@@ -4172,20 +4324,35 @@
           </a:fontRef>
         </p:style>
         <p:txBody>
-          <a:bodyPr rtlCol="0" anchor="ctr"/>
+          <a:bodyPr rtlCol="0" anchor="t" anchorCtr="0"/>
           <a:lstStyle/>
           <a:p>
             <a:pPr algn="ctr"/>
-            <a:endParaRPr lang="en-US"/>
-          </a:p>
-        </p:txBody>
-      </p:sp>
-      <p:sp>
-        <p:nvSpPr>
-          <p:cNvPr id="115" name="Trapezoid 114">
+            <a:r>
+              <a:rPr lang="en-US" dirty="0" err="1"/>
+              <a:t>KCl</a:t>
+            </a:r>
+            <a:r>
+              <a:rPr lang="en-US" dirty="0"/>
+              <a:t>/ZnS (hot) condensation clouds: </a:t>
+            </a:r>
+            <a:r>
+              <a:rPr lang="en-US" dirty="0" err="1"/>
+              <a:t>Teq</a:t>
+            </a:r>
+            <a:r>
+              <a:rPr lang="en-US" dirty="0"/>
+              <a:t> = 810</a:t>
+            </a:r>
+          </a:p>
+        </p:txBody>
+      </p:sp>
+      <p:sp>
+        <p:nvSpPr>
+          <p:cNvPr id="23" name="Rounded Rectangle 22">
             <a:extLst>
               <a:ext uri="{FF2B5EF4-FFF2-40B4-BE49-F238E27FC236}">
-                <a16:creationId xmlns:a16="http://schemas.microsoft.com/office/drawing/2014/main" id="{4BE1F7F7-C595-4CF5-D5D3-3126EDE7E8EB}"/>
+                <a16:creationId xmlns:a16="http://schemas.microsoft.com/office/drawing/2014/main" id="{B6EF3EF1-C5D8-96D5-D941-66F2F0240A49}"/>
               </a:ext>
             </a:extLst>
           </p:cNvPr>
@@ -4194,10 +4361,10 @@
         </p:nvSpPr>
         <p:spPr>
           <a:xfrm>
-            <a:off x="1828298" y="12760704"/>
-            <a:ext cx="2516670" cy="1216152"/>
-          </a:xfrm>
-          <a:prstGeom prst="trapezoid">
+            <a:off x="582079" y="3323058"/>
+            <a:ext cx="2492024" cy="923330"/>
+          </a:xfrm>
+          <a:prstGeom prst="roundRect">
             <a:avLst/>
           </a:prstGeom>
         </p:spPr>
@@ -4218,58 +4385,31 @@
           </a:fontRef>
         </p:style>
         <p:txBody>
-          <a:bodyPr rtlCol="0" anchor="ctr"/>
+          <a:bodyPr rtlCol="0" anchor="t" anchorCtr="0"/>
           <a:lstStyle/>
           <a:p>
             <a:pPr algn="ctr"/>
             <a:r>
               <a:rPr lang="en-US" dirty="0"/>
-              <a:t>Base model</a:t>
-            </a:r>
-          </a:p>
-        </p:txBody>
-      </p:sp>
-      <p:sp>
-        <p:nvSpPr>
-          <p:cNvPr id="116" name="TextBox 115">
+              <a:t>NH3 condensation clouds: </a:t>
+            </a:r>
+            <a:r>
+              <a:rPr lang="en-US" dirty="0" err="1"/>
+              <a:t>Teq</a:t>
+            </a:r>
+            <a:r>
+              <a:rPr lang="en-US" dirty="0"/>
+              <a:t> = 130</a:t>
+            </a:r>
+          </a:p>
+        </p:txBody>
+      </p:sp>
+      <p:sp>
+        <p:nvSpPr>
+          <p:cNvPr id="24" name="Rounded Rectangle 23">
             <a:extLst>
               <a:ext uri="{FF2B5EF4-FFF2-40B4-BE49-F238E27FC236}">
-                <a16:creationId xmlns:a16="http://schemas.microsoft.com/office/drawing/2014/main" id="{6B3C5E12-1569-F942-C7F4-F496624FE29C}"/>
-              </a:ext>
-            </a:extLst>
-          </p:cNvPr>
-          <p:cNvSpPr txBox="1"/>
-          <p:nvPr/>
-        </p:nvSpPr>
-        <p:spPr>
-          <a:xfrm>
-            <a:off x="2144360" y="13963732"/>
-            <a:ext cx="1705788" cy="369332"/>
-          </a:xfrm>
-          <a:prstGeom prst="rect">
-            <a:avLst/>
-          </a:prstGeom>
-          <a:noFill/>
-        </p:spPr>
-        <p:txBody>
-          <a:bodyPr wrap="none" rtlCol="0">
-            <a:spAutoFit/>
-          </a:bodyPr>
-          <a:lstStyle/>
-          <a:p>
-            <a:r>
-              <a:rPr lang="en-US" dirty="0"/>
-              <a:t>xx permutations</a:t>
-            </a:r>
-          </a:p>
-        </p:txBody>
-      </p:sp>
-      <p:sp>
-        <p:nvSpPr>
-          <p:cNvPr id="117" name="Down Arrow 116">
-            <a:extLst>
-              <a:ext uri="{FF2B5EF4-FFF2-40B4-BE49-F238E27FC236}">
-                <a16:creationId xmlns:a16="http://schemas.microsoft.com/office/drawing/2014/main" id="{AA96D97D-6527-8671-8A9E-F07AB9AB114F}"/>
+                <a16:creationId xmlns:a16="http://schemas.microsoft.com/office/drawing/2014/main" id="{F9C1F397-9363-D04E-48ED-4CAA054A6D21}"/>
               </a:ext>
             </a:extLst>
           </p:cNvPr>
@@ -4277,11 +4417,11 @@
           <p:nvPr/>
         </p:nvSpPr>
         <p:spPr>
-          <a:xfrm rot="5400000">
-            <a:off x="3903292" y="13569645"/>
-            <a:ext cx="1600200" cy="338542"/>
-          </a:xfrm>
-          <a:prstGeom prst="downArrow">
+          <a:xfrm>
+            <a:off x="3420395" y="3334714"/>
+            <a:ext cx="2492024" cy="923330"/>
+          </a:xfrm>
+          <a:prstGeom prst="roundRect">
             <a:avLst/>
           </a:prstGeom>
         </p:spPr>
@@ -4302,20 +4442,31 @@
           </a:fontRef>
         </p:style>
         <p:txBody>
-          <a:bodyPr rtlCol="0" anchor="ctr"/>
+          <a:bodyPr rtlCol="0" anchor="t" anchorCtr="0"/>
           <a:lstStyle/>
           <a:p>
             <a:pPr algn="ctr"/>
-            <a:endParaRPr lang="en-US"/>
-          </a:p>
-        </p:txBody>
-      </p:sp>
-      <p:sp>
-        <p:nvSpPr>
-          <p:cNvPr id="120" name="Snip Same Side Corner Rectangle 119">
+            <a:r>
+              <a:rPr lang="en-US" dirty="0"/>
+              <a:t>H2O condensation clouds: </a:t>
+            </a:r>
+            <a:r>
+              <a:rPr lang="en-US" dirty="0" err="1"/>
+              <a:t>Teq</a:t>
+            </a:r>
+            <a:r>
+              <a:rPr lang="en-US" dirty="0"/>
+              <a:t> = 250</a:t>
+            </a:r>
+          </a:p>
+        </p:txBody>
+      </p:sp>
+      <p:sp>
+        <p:nvSpPr>
+          <p:cNvPr id="25" name="Rounded Rectangle 24">
             <a:extLst>
               <a:ext uri="{FF2B5EF4-FFF2-40B4-BE49-F238E27FC236}">
-                <a16:creationId xmlns:a16="http://schemas.microsoft.com/office/drawing/2014/main" id="{341D8273-BC76-71D3-A6AF-6D40C1766DC1}"/>
+                <a16:creationId xmlns:a16="http://schemas.microsoft.com/office/drawing/2014/main" id="{316BF7FB-2312-7FA2-C355-BCFA396D3C36}"/>
               </a:ext>
             </a:extLst>
           </p:cNvPr>
@@ -4324,10 +4475,10 @@
         </p:nvSpPr>
         <p:spPr>
           <a:xfrm>
-            <a:off x="438593" y="16971094"/>
-            <a:ext cx="1437966" cy="1347389"/>
-          </a:xfrm>
-          <a:prstGeom prst="snip2SameRect">
+            <a:off x="6111298" y="3337458"/>
+            <a:ext cx="2492024" cy="923330"/>
+          </a:xfrm>
+          <a:prstGeom prst="roundRect">
             <a:avLst/>
           </a:prstGeom>
         </p:spPr>
@@ -4348,23 +4499,23 @@
           </a:fontRef>
         </p:style>
         <p:txBody>
-          <a:bodyPr rtlCol="0" anchor="ctr"/>
+          <a:bodyPr rtlCol="0" anchor="t" anchorCtr="0"/>
           <a:lstStyle/>
           <a:p>
             <a:pPr algn="ctr"/>
             <a:r>
               <a:rPr lang="en-US" dirty="0"/>
-              <a:t>Cloud-free Spectrum</a:t>
-            </a:r>
-          </a:p>
-        </p:txBody>
-      </p:sp>
-      <p:sp>
-        <p:nvSpPr>
-          <p:cNvPr id="122" name="TextBox 121">
+              <a:t>Hazes</a:t>
+            </a:r>
+          </a:p>
+        </p:txBody>
+      </p:sp>
+      <p:sp>
+        <p:nvSpPr>
+          <p:cNvPr id="26" name="TextBox 25">
             <a:extLst>
               <a:ext uri="{FF2B5EF4-FFF2-40B4-BE49-F238E27FC236}">
-                <a16:creationId xmlns:a16="http://schemas.microsoft.com/office/drawing/2014/main" id="{31AC9E6A-1F01-B23B-3943-6ECB7460B046}"/>
+                <a16:creationId xmlns:a16="http://schemas.microsoft.com/office/drawing/2014/main" id="{457F15D5-5CB1-C84A-E3FF-4F13DF4A24C8}"/>
               </a:ext>
             </a:extLst>
           </p:cNvPr>
@@ -4373,8 +4524,8 @@
         </p:nvSpPr>
         <p:spPr>
           <a:xfrm>
-            <a:off x="7127296" y="2976068"/>
-            <a:ext cx="4897495" cy="430887"/>
+            <a:off x="5126373" y="4831445"/>
+            <a:ext cx="1749390" cy="369332"/>
           </a:xfrm>
           <a:prstGeom prst="rect">
             <a:avLst/>
@@ -4388,53 +4539,18 @@
           <a:lstStyle/>
           <a:p>
             <a:r>
-              <a:rPr lang="en-US" sz="1100" dirty="0"/>
-              <a:t>Typical masses/radii for given Teff from </a:t>
-            </a:r>
-            <a:r>
-              <a:rPr lang="en-US" sz="1100" dirty="0" err="1"/>
-              <a:t>Mamajek</a:t>
-            </a:r>
-            <a:r>
-              <a:rPr lang="en-US" sz="1100" dirty="0"/>
-              <a:t> table: </a:t>
-            </a:r>
-          </a:p>
-          <a:p>
-            <a:r>
-              <a:rPr lang="en-US" sz="1100" dirty="0"/>
-              <a:t>https://</a:t>
-            </a:r>
-            <a:r>
-              <a:rPr lang="en-US" sz="1100" dirty="0" err="1"/>
-              <a:t>www.pas.rochester.edu</a:t>
-            </a:r>
-            <a:r>
-              <a:rPr lang="en-US" sz="1100" dirty="0"/>
-              <a:t>/~</a:t>
-            </a:r>
-            <a:r>
-              <a:rPr lang="en-US" sz="1100" dirty="0" err="1"/>
-              <a:t>emamajek</a:t>
-            </a:r>
-            <a:r>
-              <a:rPr lang="en-US" sz="1100" dirty="0"/>
-              <a:t>/</a:t>
-            </a:r>
-            <a:r>
-              <a:rPr lang="en-US" sz="1100" dirty="0" err="1"/>
-              <a:t>EEM_dwarf_UBVIJHK_colors_Teff.txt</a:t>
-            </a:r>
-            <a:endParaRPr lang="en-US" sz="1100" dirty="0"/>
-          </a:p>
-        </p:txBody>
-      </p:sp>
-      <p:sp>
-        <p:nvSpPr>
-          <p:cNvPr id="127" name="Rectangle 126">
+              <a:rPr lang="en-US" dirty="0"/>
+              <a:t>Select Chemistry</a:t>
+            </a:r>
+          </a:p>
+        </p:txBody>
+      </p:sp>
+      <p:sp>
+        <p:nvSpPr>
+          <p:cNvPr id="27" name="Down Arrow 26">
             <a:extLst>
               <a:ext uri="{FF2B5EF4-FFF2-40B4-BE49-F238E27FC236}">
-                <a16:creationId xmlns:a16="http://schemas.microsoft.com/office/drawing/2014/main" id="{A6D6A859-AB04-B97A-8101-FA15268E32FD}"/>
+                <a16:creationId xmlns:a16="http://schemas.microsoft.com/office/drawing/2014/main" id="{1D3E93C6-C822-3160-9F27-22B0C8389B85}"/>
               </a:ext>
             </a:extLst>
           </p:cNvPr>
@@ -4443,10 +4559,10 @@
         </p:nvSpPr>
         <p:spPr>
           <a:xfrm>
-            <a:off x="8448771" y="13012995"/>
-            <a:ext cx="2417742" cy="979017"/>
-          </a:xfrm>
-          <a:prstGeom prst="rect">
+            <a:off x="5264138" y="4502949"/>
+            <a:ext cx="1600200" cy="338542"/>
+          </a:xfrm>
+          <a:prstGeom prst="downArrow">
             <a:avLst/>
           </a:prstGeom>
         </p:spPr>
@@ -4467,46 +4583,20 @@
           </a:fontRef>
         </p:style>
         <p:txBody>
-          <a:bodyPr rtlCol="0" anchor="t" anchorCtr="0"/>
-          <a:lstStyle/>
-          <a:p>
-            <a:r>
-              <a:rPr lang="en-US" dirty="0" err="1"/>
-              <a:t>T_int</a:t>
-            </a:r>
-            <a:r>
-              <a:rPr lang="en-US" dirty="0"/>
-              <a:t> = 100K</a:t>
-            </a:r>
-          </a:p>
-          <a:p>
-            <a:r>
-              <a:rPr lang="en-US" dirty="0" err="1"/>
-              <a:t>noTiVO</a:t>
-            </a:r>
-            <a:r>
-              <a:rPr lang="en-US" dirty="0"/>
-              <a:t> = True</a:t>
-            </a:r>
-          </a:p>
-          <a:p>
-            <a:r>
-              <a:rPr lang="en-US" dirty="0" err="1"/>
-              <a:t>Rfacv</a:t>
-            </a:r>
-            <a:r>
-              <a:rPr lang="en-US" dirty="0"/>
-              <a:t> = 0.5</a:t>
-            </a:r>
-          </a:p>
-        </p:txBody>
-      </p:sp>
-      <p:sp>
-        <p:nvSpPr>
-          <p:cNvPr id="128" name="TextBox 127">
+          <a:bodyPr rtlCol="0" anchor="ctr"/>
+          <a:lstStyle/>
+          <a:p>
+            <a:pPr algn="ctr"/>
+            <a:endParaRPr lang="en-US"/>
+          </a:p>
+        </p:txBody>
+      </p:sp>
+      <p:sp>
+        <p:nvSpPr>
+          <p:cNvPr id="28" name="TextBox 27">
             <a:extLst>
               <a:ext uri="{FF2B5EF4-FFF2-40B4-BE49-F238E27FC236}">
-                <a16:creationId xmlns:a16="http://schemas.microsoft.com/office/drawing/2014/main" id="{F3198248-717D-DF5C-D447-CCB878DC3F1A}"/>
+                <a16:creationId xmlns:a16="http://schemas.microsoft.com/office/drawing/2014/main" id="{47B03BC0-CD3A-B44D-EED8-4C267A7CB56A}"/>
               </a:ext>
             </a:extLst>
           </p:cNvPr>
@@ -4515,8 +4605,8 @@
         </p:nvSpPr>
         <p:spPr>
           <a:xfrm>
-            <a:off x="8442709" y="12651928"/>
-            <a:ext cx="2423805" cy="369332"/>
+            <a:off x="7031091" y="2735128"/>
+            <a:ext cx="2578398" cy="369332"/>
           </a:xfrm>
           <a:prstGeom prst="rect">
             <a:avLst/>
@@ -4531,17 +4621,87 @@
           <a:p>
             <a:r>
               <a:rPr lang="en-US" dirty="0"/>
-              <a:t>Variables kept constant:</a:t>
-            </a:r>
-          </a:p>
-        </p:txBody>
-      </p:sp>
-      <p:sp>
-        <p:nvSpPr>
-          <p:cNvPr id="129" name="Down Arrow 128">
+              <a:t>Which drives P(T) profiles</a:t>
+            </a:r>
+          </a:p>
+        </p:txBody>
+      </p:sp>
+      <p:sp>
+        <p:nvSpPr>
+          <p:cNvPr id="29" name="TextBox 28">
             <a:extLst>
               <a:ext uri="{FF2B5EF4-FFF2-40B4-BE49-F238E27FC236}">
-                <a16:creationId xmlns:a16="http://schemas.microsoft.com/office/drawing/2014/main" id="{0B886324-1FE6-0060-4945-AD04CFA870D0}"/>
+                <a16:creationId xmlns:a16="http://schemas.microsoft.com/office/drawing/2014/main" id="{5E955CD2-DB04-70C9-BEF4-7E225F42C809}"/>
+              </a:ext>
+            </a:extLst>
+          </p:cNvPr>
+          <p:cNvSpPr txBox="1"/>
+          <p:nvPr/>
+        </p:nvSpPr>
+        <p:spPr>
+          <a:xfrm>
+            <a:off x="5020528" y="28503"/>
+            <a:ext cx="2283720" cy="461665"/>
+          </a:xfrm>
+          <a:prstGeom prst="rect">
+            <a:avLst/>
+          </a:prstGeom>
+          <a:noFill/>
+        </p:spPr>
+        <p:txBody>
+          <a:bodyPr wrap="square" rtlCol="0">
+            <a:spAutoFit/>
+          </a:bodyPr>
+          <a:lstStyle/>
+          <a:p>
+            <a:r>
+              <a:rPr lang="en-US" sz="2400" dirty="0"/>
+              <a:t>Make a grid of:</a:t>
+            </a:r>
+          </a:p>
+        </p:txBody>
+      </p:sp>
+      <p:sp>
+        <p:nvSpPr>
+          <p:cNvPr id="30" name="TextBox 29">
+            <a:extLst>
+              <a:ext uri="{FF2B5EF4-FFF2-40B4-BE49-F238E27FC236}">
+                <a16:creationId xmlns:a16="http://schemas.microsoft.com/office/drawing/2014/main" id="{CA2AC961-539C-C2AB-E374-FF1208540244}"/>
+              </a:ext>
+            </a:extLst>
+          </p:cNvPr>
+          <p:cNvSpPr txBox="1"/>
+          <p:nvPr/>
+        </p:nvSpPr>
+        <p:spPr>
+          <a:xfrm>
+            <a:off x="5315336" y="389692"/>
+            <a:ext cx="1560427" cy="369332"/>
+          </a:xfrm>
+          <a:prstGeom prst="rect">
+            <a:avLst/>
+          </a:prstGeom>
+          <a:noFill/>
+        </p:spPr>
+        <p:txBody>
+          <a:bodyPr wrap="none" rtlCol="0">
+            <a:spAutoFit/>
+          </a:bodyPr>
+          <a:lstStyle/>
+          <a:p>
+            <a:r>
+              <a:rPr lang="en-US" dirty="0"/>
+              <a:t>Select a Planet</a:t>
+            </a:r>
+          </a:p>
+        </p:txBody>
+      </p:sp>
+      <p:sp>
+        <p:nvSpPr>
+          <p:cNvPr id="34" name="5-Point Star 33">
+            <a:extLst>
+              <a:ext uri="{FF2B5EF4-FFF2-40B4-BE49-F238E27FC236}">
+                <a16:creationId xmlns:a16="http://schemas.microsoft.com/office/drawing/2014/main" id="{94200C25-E232-F3E5-30E8-5602481C194E}"/>
               </a:ext>
             </a:extLst>
           </p:cNvPr>
@@ -4549,1453 +4709,8 @@
           <p:nvPr/>
         </p:nvSpPr>
         <p:spPr>
-          <a:xfrm rot="5400000">
-            <a:off x="7055908" y="13101837"/>
-            <a:ext cx="1600200" cy="737154"/>
-          </a:xfrm>
-          <a:prstGeom prst="downArrow">
-            <a:avLst/>
-          </a:prstGeom>
-        </p:spPr>
-        <p:style>
-          <a:lnRef idx="2">
-            <a:schemeClr val="accent1">
-              <a:shade val="15000"/>
-            </a:schemeClr>
-          </a:lnRef>
-          <a:fillRef idx="1">
-            <a:schemeClr val="accent1"/>
-          </a:fillRef>
-          <a:effectRef idx="0">
-            <a:schemeClr val="accent1"/>
-          </a:effectRef>
-          <a:fontRef idx="minor">
-            <a:schemeClr val="lt1"/>
-          </a:fontRef>
-        </p:style>
-        <p:txBody>
-          <a:bodyPr rtlCol="0" anchor="ctr"/>
-          <a:lstStyle/>
-          <a:p>
-            <a:pPr algn="ctr"/>
-            <a:endParaRPr lang="en-US"/>
-          </a:p>
-        </p:txBody>
-      </p:sp>
-      <p:sp>
-        <p:nvSpPr>
-          <p:cNvPr id="130" name="Rounded Rectangle 129">
-            <a:extLst>
-              <a:ext uri="{FF2B5EF4-FFF2-40B4-BE49-F238E27FC236}">
-                <a16:creationId xmlns:a16="http://schemas.microsoft.com/office/drawing/2014/main" id="{6D1EB8EF-018C-2BA2-82BF-8224386632F8}"/>
-              </a:ext>
-            </a:extLst>
-          </p:cNvPr>
-          <p:cNvSpPr/>
-          <p:nvPr/>
-        </p:nvSpPr>
-        <p:spPr>
-          <a:xfrm>
-            <a:off x="5123809" y="14130646"/>
-            <a:ext cx="1865376" cy="453589"/>
-          </a:xfrm>
-          <a:prstGeom prst="roundRect">
-            <a:avLst/>
-          </a:prstGeom>
-        </p:spPr>
-        <p:style>
-          <a:lnRef idx="2">
-            <a:schemeClr val="accent1">
-              <a:shade val="15000"/>
-            </a:schemeClr>
-          </a:lnRef>
-          <a:fillRef idx="1">
-            <a:schemeClr val="accent1"/>
-          </a:fillRef>
-          <a:effectRef idx="0">
-            <a:schemeClr val="accent1"/>
-          </a:effectRef>
-          <a:fontRef idx="minor">
-            <a:schemeClr val="lt1"/>
-          </a:fontRef>
-        </p:style>
-        <p:txBody>
-          <a:bodyPr rtlCol="0" anchor="ctr"/>
-          <a:lstStyle/>
-          <a:p>
-            <a:pPr algn="ctr"/>
-            <a:r>
-              <a:rPr lang="en-US" dirty="0"/>
-              <a:t>45 deg</a:t>
-            </a:r>
-          </a:p>
-        </p:txBody>
-      </p:sp>
-      <p:sp>
-        <p:nvSpPr>
-          <p:cNvPr id="131" name="Rounded Rectangle 130">
-            <a:extLst>
-              <a:ext uri="{FF2B5EF4-FFF2-40B4-BE49-F238E27FC236}">
-                <a16:creationId xmlns:a16="http://schemas.microsoft.com/office/drawing/2014/main" id="{C80B7B3E-F495-2833-F662-CB167D602316}"/>
-              </a:ext>
-            </a:extLst>
-          </p:cNvPr>
-          <p:cNvSpPr/>
-          <p:nvPr/>
-        </p:nvSpPr>
-        <p:spPr>
-          <a:xfrm>
-            <a:off x="5128336" y="14644306"/>
-            <a:ext cx="1865376" cy="453589"/>
-          </a:xfrm>
-          <a:prstGeom prst="roundRect">
-            <a:avLst/>
-          </a:prstGeom>
-        </p:spPr>
-        <p:style>
-          <a:lnRef idx="2">
-            <a:schemeClr val="accent1">
-              <a:shade val="15000"/>
-            </a:schemeClr>
-          </a:lnRef>
-          <a:fillRef idx="1">
-            <a:schemeClr val="accent1"/>
-          </a:fillRef>
-          <a:effectRef idx="0">
-            <a:schemeClr val="accent1"/>
-          </a:effectRef>
-          <a:fontRef idx="minor">
-            <a:schemeClr val="lt1"/>
-          </a:fontRef>
-        </p:style>
-        <p:txBody>
-          <a:bodyPr rtlCol="0" anchor="ctr"/>
-          <a:lstStyle/>
-          <a:p>
-            <a:pPr algn="ctr"/>
-            <a:r>
-              <a:rPr lang="en-US" dirty="0"/>
-              <a:t>0 deg</a:t>
-            </a:r>
-          </a:p>
-        </p:txBody>
-      </p:sp>
-      <p:sp>
-        <p:nvSpPr>
-          <p:cNvPr id="132" name="Rounded Rectangle 131">
-            <a:extLst>
-              <a:ext uri="{FF2B5EF4-FFF2-40B4-BE49-F238E27FC236}">
-                <a16:creationId xmlns:a16="http://schemas.microsoft.com/office/drawing/2014/main" id="{90F43AAA-5358-8CC0-16B5-34D01AB3883A}"/>
-              </a:ext>
-            </a:extLst>
-          </p:cNvPr>
-          <p:cNvSpPr/>
-          <p:nvPr/>
-        </p:nvSpPr>
-        <p:spPr>
-          <a:xfrm>
-            <a:off x="5129750" y="13600084"/>
-            <a:ext cx="1865376" cy="453589"/>
-          </a:xfrm>
-          <a:prstGeom prst="roundRect">
-            <a:avLst/>
-          </a:prstGeom>
-        </p:spPr>
-        <p:style>
-          <a:lnRef idx="2">
-            <a:schemeClr val="accent1">
-              <a:shade val="15000"/>
-            </a:schemeClr>
-          </a:lnRef>
-          <a:fillRef idx="1">
-            <a:schemeClr val="accent1"/>
-          </a:fillRef>
-          <a:effectRef idx="0">
-            <a:schemeClr val="accent1"/>
-          </a:effectRef>
-          <a:fontRef idx="minor">
-            <a:schemeClr val="lt1"/>
-          </a:fontRef>
-        </p:style>
-        <p:txBody>
-          <a:bodyPr rtlCol="0" anchor="ctr"/>
-          <a:lstStyle/>
-          <a:p>
-            <a:pPr algn="ctr"/>
-            <a:r>
-              <a:rPr lang="en-US" dirty="0"/>
-              <a:t>90 deg</a:t>
-            </a:r>
-          </a:p>
-        </p:txBody>
-      </p:sp>
-      <p:sp>
-        <p:nvSpPr>
-          <p:cNvPr id="133" name="Rounded Rectangle 132">
-            <a:extLst>
-              <a:ext uri="{FF2B5EF4-FFF2-40B4-BE49-F238E27FC236}">
-                <a16:creationId xmlns:a16="http://schemas.microsoft.com/office/drawing/2014/main" id="{852AF2F4-2823-228A-98C8-D4EF1BC1D34E}"/>
-              </a:ext>
-            </a:extLst>
-          </p:cNvPr>
-          <p:cNvSpPr/>
-          <p:nvPr/>
-        </p:nvSpPr>
-        <p:spPr>
-          <a:xfrm>
-            <a:off x="5134821" y="13079777"/>
-            <a:ext cx="1865376" cy="453589"/>
-          </a:xfrm>
-          <a:prstGeom prst="roundRect">
-            <a:avLst/>
-          </a:prstGeom>
-        </p:spPr>
-        <p:style>
-          <a:lnRef idx="2">
-            <a:schemeClr val="accent1">
-              <a:shade val="15000"/>
-            </a:schemeClr>
-          </a:lnRef>
-          <a:fillRef idx="1">
-            <a:schemeClr val="accent1"/>
-          </a:fillRef>
-          <a:effectRef idx="0">
-            <a:schemeClr val="accent1"/>
-          </a:effectRef>
-          <a:fontRef idx="minor">
-            <a:schemeClr val="lt1"/>
-          </a:fontRef>
-        </p:style>
-        <p:txBody>
-          <a:bodyPr rtlCol="0" anchor="ctr"/>
-          <a:lstStyle/>
-          <a:p>
-            <a:pPr algn="ctr"/>
-            <a:r>
-              <a:rPr lang="en-US" dirty="0"/>
-              <a:t>120 deg</a:t>
-            </a:r>
-          </a:p>
-        </p:txBody>
-      </p:sp>
-      <p:sp>
-        <p:nvSpPr>
-          <p:cNvPr id="134" name="TextBox 133">
-            <a:extLst>
-              <a:ext uri="{FF2B5EF4-FFF2-40B4-BE49-F238E27FC236}">
-                <a16:creationId xmlns:a16="http://schemas.microsoft.com/office/drawing/2014/main" id="{31355072-7D74-C9E2-56D4-0795C78409EF}"/>
-              </a:ext>
-            </a:extLst>
-          </p:cNvPr>
-          <p:cNvSpPr txBox="1"/>
-          <p:nvPr/>
-        </p:nvSpPr>
-        <p:spPr>
-          <a:xfrm>
-            <a:off x="5423362" y="12057852"/>
-            <a:ext cx="1358064" cy="369332"/>
-          </a:xfrm>
-          <a:prstGeom prst="rect">
-            <a:avLst/>
-          </a:prstGeom>
-          <a:noFill/>
-        </p:spPr>
-        <p:txBody>
-          <a:bodyPr wrap="none" rtlCol="0">
-            <a:spAutoFit/>
-          </a:bodyPr>
-          <a:lstStyle/>
-          <a:p>
-            <a:r>
-              <a:rPr lang="en-US" dirty="0"/>
-              <a:t>Select Phase</a:t>
-            </a:r>
-          </a:p>
-        </p:txBody>
-      </p:sp>
-      <p:sp>
-        <p:nvSpPr>
-          <p:cNvPr id="135" name="Rounded Rectangle 134">
-            <a:extLst>
-              <a:ext uri="{FF2B5EF4-FFF2-40B4-BE49-F238E27FC236}">
-                <a16:creationId xmlns:a16="http://schemas.microsoft.com/office/drawing/2014/main" id="{FDA0B341-17D8-BD9A-72EA-AA340AE12B76}"/>
-              </a:ext>
-            </a:extLst>
-          </p:cNvPr>
-          <p:cNvSpPr/>
-          <p:nvPr/>
-        </p:nvSpPr>
-        <p:spPr>
-          <a:xfrm>
-            <a:off x="5123720" y="12567671"/>
-            <a:ext cx="1865376" cy="453589"/>
-          </a:xfrm>
-          <a:prstGeom prst="roundRect">
-            <a:avLst/>
-          </a:prstGeom>
-        </p:spPr>
-        <p:style>
-          <a:lnRef idx="2">
-            <a:schemeClr val="accent1">
-              <a:shade val="15000"/>
-            </a:schemeClr>
-          </a:lnRef>
-          <a:fillRef idx="1">
-            <a:schemeClr val="accent1"/>
-          </a:fillRef>
-          <a:effectRef idx="0">
-            <a:schemeClr val="accent1"/>
-          </a:effectRef>
-          <a:fontRef idx="minor">
-            <a:schemeClr val="lt1"/>
-          </a:fontRef>
-        </p:style>
-        <p:txBody>
-          <a:bodyPr rtlCol="0" anchor="ctr"/>
-          <a:lstStyle/>
-          <a:p>
-            <a:pPr algn="ctr"/>
-            <a:r>
-              <a:rPr lang="en-US" dirty="0"/>
-              <a:t>140 deg</a:t>
-            </a:r>
-          </a:p>
-        </p:txBody>
-      </p:sp>
-      <p:sp>
-        <p:nvSpPr>
-          <p:cNvPr id="136" name="Down Arrow 135">
-            <a:extLst>
-              <a:ext uri="{FF2B5EF4-FFF2-40B4-BE49-F238E27FC236}">
-                <a16:creationId xmlns:a16="http://schemas.microsoft.com/office/drawing/2014/main" id="{4DEB96AD-C349-C813-ABF6-431C9763B43F}"/>
-              </a:ext>
-            </a:extLst>
-          </p:cNvPr>
-          <p:cNvSpPr/>
-          <p:nvPr/>
-        </p:nvSpPr>
-        <p:spPr>
-          <a:xfrm>
-            <a:off x="357476" y="16449330"/>
-            <a:ext cx="1600200" cy="338542"/>
-          </a:xfrm>
-          <a:prstGeom prst="downArrow">
-            <a:avLst/>
-          </a:prstGeom>
-        </p:spPr>
-        <p:style>
-          <a:lnRef idx="2">
-            <a:schemeClr val="accent1">
-              <a:shade val="15000"/>
-            </a:schemeClr>
-          </a:lnRef>
-          <a:fillRef idx="1">
-            <a:schemeClr val="accent1"/>
-          </a:fillRef>
-          <a:effectRef idx="0">
-            <a:schemeClr val="accent1"/>
-          </a:effectRef>
-          <a:fontRef idx="minor">
-            <a:schemeClr val="lt1"/>
-          </a:fontRef>
-        </p:style>
-        <p:txBody>
-          <a:bodyPr rtlCol="0" anchor="ctr"/>
-          <a:lstStyle/>
-          <a:p>
-            <a:pPr algn="ctr"/>
-            <a:endParaRPr lang="en-US"/>
-          </a:p>
-        </p:txBody>
-      </p:sp>
-      <p:sp>
-        <p:nvSpPr>
-          <p:cNvPr id="2" name="Rounded Rectangle 1">
-            <a:extLst>
-              <a:ext uri="{FF2B5EF4-FFF2-40B4-BE49-F238E27FC236}">
-                <a16:creationId xmlns:a16="http://schemas.microsoft.com/office/drawing/2014/main" id="{E1543DCD-CF20-4BF4-2CD2-817886407DB9}"/>
-              </a:ext>
-            </a:extLst>
-          </p:cNvPr>
-          <p:cNvSpPr/>
-          <p:nvPr/>
-        </p:nvSpPr>
-        <p:spPr>
-          <a:xfrm>
-            <a:off x="603402" y="3889308"/>
-            <a:ext cx="2492024" cy="923330"/>
-          </a:xfrm>
-          <a:prstGeom prst="roundRect">
-            <a:avLst/>
-          </a:prstGeom>
-        </p:spPr>
-        <p:style>
-          <a:lnRef idx="2">
-            <a:schemeClr val="accent1">
-              <a:shade val="15000"/>
-            </a:schemeClr>
-          </a:lnRef>
-          <a:fillRef idx="1">
-            <a:schemeClr val="accent1"/>
-          </a:fillRef>
-          <a:effectRef idx="0">
-            <a:schemeClr val="accent1"/>
-          </a:effectRef>
-          <a:fontRef idx="minor">
-            <a:schemeClr val="lt1"/>
-          </a:fontRef>
-        </p:style>
-        <p:txBody>
-          <a:bodyPr rtlCol="0" anchor="t" anchorCtr="0"/>
-          <a:lstStyle/>
-          <a:p>
-            <a:pPr algn="ctr"/>
-            <a:r>
-              <a:rPr lang="en-US" dirty="0"/>
-              <a:t>Water world:</a:t>
-            </a:r>
-          </a:p>
-          <a:p>
-            <a:pPr algn="ctr"/>
-            <a:r>
-              <a:rPr lang="en-US" dirty="0"/>
-              <a:t>H2O-dominant</a:t>
-            </a:r>
-          </a:p>
-        </p:txBody>
-      </p:sp>
-      <p:sp>
-        <p:nvSpPr>
-          <p:cNvPr id="3" name="Rounded Rectangle 2">
-            <a:extLst>
-              <a:ext uri="{FF2B5EF4-FFF2-40B4-BE49-F238E27FC236}">
-                <a16:creationId xmlns:a16="http://schemas.microsoft.com/office/drawing/2014/main" id="{CF9CB3E8-1457-CE2F-A74B-05D972E33156}"/>
-              </a:ext>
-            </a:extLst>
-          </p:cNvPr>
-          <p:cNvSpPr/>
-          <p:nvPr/>
-        </p:nvSpPr>
-        <p:spPr>
-          <a:xfrm>
-            <a:off x="3337428" y="3875026"/>
-            <a:ext cx="2492024" cy="923330"/>
-          </a:xfrm>
-          <a:prstGeom prst="roundRect">
-            <a:avLst/>
-          </a:prstGeom>
-        </p:spPr>
-        <p:style>
-          <a:lnRef idx="2">
-            <a:schemeClr val="accent1">
-              <a:shade val="15000"/>
-            </a:schemeClr>
-          </a:lnRef>
-          <a:fillRef idx="1">
-            <a:schemeClr val="accent1"/>
-          </a:fillRef>
-          <a:effectRef idx="0">
-            <a:schemeClr val="accent1"/>
-          </a:effectRef>
-          <a:fontRef idx="minor">
-            <a:schemeClr val="lt1"/>
-          </a:fontRef>
-        </p:style>
-        <p:txBody>
-          <a:bodyPr rtlCol="0" anchor="t" anchorCtr="0"/>
-          <a:lstStyle/>
-          <a:p>
-            <a:pPr algn="ctr"/>
-            <a:r>
-              <a:rPr lang="en-US" dirty="0"/>
-              <a:t>Venus:</a:t>
-            </a:r>
-          </a:p>
-          <a:p>
-            <a:pPr algn="ctr"/>
-            <a:r>
-              <a:rPr lang="en-US" dirty="0"/>
-              <a:t>CO2-dominant</a:t>
-            </a:r>
-          </a:p>
-        </p:txBody>
-      </p:sp>
-      <p:sp>
-        <p:nvSpPr>
-          <p:cNvPr id="16" name="Rounded Rectangle 15">
-            <a:extLst>
-              <a:ext uri="{FF2B5EF4-FFF2-40B4-BE49-F238E27FC236}">
-                <a16:creationId xmlns:a16="http://schemas.microsoft.com/office/drawing/2014/main" id="{3293317B-9ACE-E514-5292-84BDF8B6FCA5}"/>
-              </a:ext>
-            </a:extLst>
-          </p:cNvPr>
-          <p:cNvSpPr/>
-          <p:nvPr/>
-        </p:nvSpPr>
-        <p:spPr>
-          <a:xfrm>
-            <a:off x="6175744" y="3876544"/>
-            <a:ext cx="2492024" cy="923330"/>
-          </a:xfrm>
-          <a:prstGeom prst="roundRect">
-            <a:avLst/>
-          </a:prstGeom>
-        </p:spPr>
-        <p:style>
-          <a:lnRef idx="2">
-            <a:schemeClr val="accent1">
-              <a:shade val="15000"/>
-            </a:schemeClr>
-          </a:lnRef>
-          <a:fillRef idx="1">
-            <a:schemeClr val="accent1"/>
-          </a:fillRef>
-          <a:effectRef idx="0">
-            <a:schemeClr val="accent1"/>
-          </a:effectRef>
-          <a:fontRef idx="minor">
-            <a:schemeClr val="lt1"/>
-          </a:fontRef>
-        </p:style>
-        <p:txBody>
-          <a:bodyPr rtlCol="0" anchor="t" anchorCtr="0"/>
-          <a:lstStyle/>
-          <a:p>
-            <a:pPr algn="ctr"/>
-            <a:r>
-              <a:rPr lang="en-US" dirty="0"/>
-              <a:t>Earth:</a:t>
-            </a:r>
-          </a:p>
-          <a:p>
-            <a:pPr algn="ctr"/>
-            <a:r>
-              <a:rPr lang="en-US" dirty="0"/>
-              <a:t>N2-dominant</a:t>
-            </a:r>
-          </a:p>
-        </p:txBody>
-      </p:sp>
-      <p:sp>
-        <p:nvSpPr>
-          <p:cNvPr id="21" name="Rounded Rectangle 20">
-            <a:extLst>
-              <a:ext uri="{FF2B5EF4-FFF2-40B4-BE49-F238E27FC236}">
-                <a16:creationId xmlns:a16="http://schemas.microsoft.com/office/drawing/2014/main" id="{085CEC4F-5B99-5751-AC75-FFC51807EE7A}"/>
-              </a:ext>
-            </a:extLst>
-          </p:cNvPr>
-          <p:cNvSpPr/>
-          <p:nvPr/>
-        </p:nvSpPr>
-        <p:spPr>
-          <a:xfrm>
-            <a:off x="8909770" y="3876105"/>
-            <a:ext cx="2492024" cy="923330"/>
-          </a:xfrm>
-          <a:prstGeom prst="roundRect">
-            <a:avLst/>
-          </a:prstGeom>
-        </p:spPr>
-        <p:style>
-          <a:lnRef idx="2">
-            <a:schemeClr val="accent1">
-              <a:shade val="15000"/>
-            </a:schemeClr>
-          </a:lnRef>
-          <a:fillRef idx="1">
-            <a:schemeClr val="accent1"/>
-          </a:fillRef>
-          <a:effectRef idx="0">
-            <a:schemeClr val="accent1"/>
-          </a:effectRef>
-          <a:fontRef idx="minor">
-            <a:schemeClr val="lt1"/>
-          </a:fontRef>
-        </p:style>
-        <p:txBody>
-          <a:bodyPr rtlCol="0" anchor="t" anchorCtr="0"/>
-          <a:lstStyle/>
-          <a:p>
-            <a:pPr algn="ctr"/>
-            <a:r>
-              <a:rPr lang="en-US" dirty="0"/>
-              <a:t>Titan:</a:t>
-            </a:r>
-          </a:p>
-          <a:p>
-            <a:pPr algn="ctr"/>
-            <a:r>
-              <a:rPr lang="en-US" dirty="0"/>
-              <a:t>CH4-dominant</a:t>
-            </a:r>
-          </a:p>
-        </p:txBody>
-      </p:sp>
-      <p:sp>
-        <p:nvSpPr>
-          <p:cNvPr id="23" name="Rounded Rectangle 22">
-            <a:extLst>
-              <a:ext uri="{FF2B5EF4-FFF2-40B4-BE49-F238E27FC236}">
-                <a16:creationId xmlns:a16="http://schemas.microsoft.com/office/drawing/2014/main" id="{61C8CD76-0E7A-A05E-260A-52F0ABEB7C19}"/>
-              </a:ext>
-            </a:extLst>
-          </p:cNvPr>
-          <p:cNvSpPr/>
-          <p:nvPr/>
-        </p:nvSpPr>
-        <p:spPr>
-          <a:xfrm>
-            <a:off x="8909770" y="6060596"/>
-            <a:ext cx="2492024" cy="923330"/>
-          </a:xfrm>
-          <a:prstGeom prst="roundRect">
-            <a:avLst/>
-          </a:prstGeom>
-        </p:spPr>
-        <p:style>
-          <a:lnRef idx="2">
-            <a:schemeClr val="accent1">
-              <a:shade val="15000"/>
-            </a:schemeClr>
-          </a:lnRef>
-          <a:fillRef idx="1">
-            <a:schemeClr val="accent1"/>
-          </a:fillRef>
-          <a:effectRef idx="0">
-            <a:schemeClr val="accent1"/>
-          </a:effectRef>
-          <a:fontRef idx="minor">
-            <a:schemeClr val="lt1"/>
-          </a:fontRef>
-        </p:style>
-        <p:txBody>
-          <a:bodyPr rtlCol="0" anchor="t" anchorCtr="0"/>
-          <a:lstStyle/>
-          <a:p>
-            <a:pPr algn="ctr"/>
-            <a:r>
-              <a:rPr lang="en-US" dirty="0"/>
-              <a:t>20% O2 (Earth Only)</a:t>
-            </a:r>
-          </a:p>
-        </p:txBody>
-      </p:sp>
-      <p:sp>
-        <p:nvSpPr>
-          <p:cNvPr id="25" name="Rounded Rectangle 24">
-            <a:extLst>
-              <a:ext uri="{FF2B5EF4-FFF2-40B4-BE49-F238E27FC236}">
-                <a16:creationId xmlns:a16="http://schemas.microsoft.com/office/drawing/2014/main" id="{09ABDCB4-30D0-B72E-8773-D7D23C41DFC4}"/>
-              </a:ext>
-            </a:extLst>
-          </p:cNvPr>
-          <p:cNvSpPr/>
-          <p:nvPr/>
-        </p:nvSpPr>
-        <p:spPr>
-          <a:xfrm>
-            <a:off x="3337428" y="6048940"/>
-            <a:ext cx="2492024" cy="923330"/>
-          </a:xfrm>
-          <a:prstGeom prst="roundRect">
-            <a:avLst/>
-          </a:prstGeom>
-        </p:spPr>
-        <p:style>
-          <a:lnRef idx="2">
-            <a:schemeClr val="accent1">
-              <a:shade val="15000"/>
-            </a:schemeClr>
-          </a:lnRef>
-          <a:fillRef idx="1">
-            <a:schemeClr val="accent1"/>
-          </a:fillRef>
-          <a:effectRef idx="0">
-            <a:schemeClr val="accent1"/>
-          </a:effectRef>
-          <a:fontRef idx="minor">
-            <a:schemeClr val="lt1"/>
-          </a:fontRef>
-        </p:style>
-        <p:txBody>
-          <a:bodyPr rtlCol="0" anchor="t" anchorCtr="0"/>
-          <a:lstStyle/>
-          <a:p>
-            <a:pPr algn="ctr"/>
-            <a:r>
-              <a:rPr lang="en-US" dirty="0"/>
-              <a:t>1% of each:</a:t>
-            </a:r>
-          </a:p>
-          <a:p>
-            <a:pPr algn="ctr"/>
-            <a:r>
-              <a:rPr lang="en-US" dirty="0"/>
-              <a:t>H2O, CO2, CH4, O2, CO, O3</a:t>
-            </a:r>
-          </a:p>
-        </p:txBody>
-      </p:sp>
-      <p:sp>
-        <p:nvSpPr>
-          <p:cNvPr id="27" name="Rounded Rectangle 26">
-            <a:extLst>
-              <a:ext uri="{FF2B5EF4-FFF2-40B4-BE49-F238E27FC236}">
-                <a16:creationId xmlns:a16="http://schemas.microsoft.com/office/drawing/2014/main" id="{EFA42549-6ACC-BA21-B987-5F2DA9E9D8A9}"/>
-              </a:ext>
-            </a:extLst>
-          </p:cNvPr>
-          <p:cNvSpPr/>
-          <p:nvPr/>
-        </p:nvSpPr>
-        <p:spPr>
-          <a:xfrm>
-            <a:off x="6175744" y="6060596"/>
-            <a:ext cx="2492024" cy="923330"/>
-          </a:xfrm>
-          <a:prstGeom prst="roundRect">
-            <a:avLst/>
-          </a:prstGeom>
-        </p:spPr>
-        <p:style>
-          <a:lnRef idx="2">
-            <a:schemeClr val="accent1">
-              <a:shade val="15000"/>
-            </a:schemeClr>
-          </a:lnRef>
-          <a:fillRef idx="1">
-            <a:schemeClr val="accent1"/>
-          </a:fillRef>
-          <a:effectRef idx="0">
-            <a:schemeClr val="accent1"/>
-          </a:effectRef>
-          <a:fontRef idx="minor">
-            <a:schemeClr val="lt1"/>
-          </a:fontRef>
-        </p:style>
-        <p:txBody>
-          <a:bodyPr rtlCol="0" anchor="t" anchorCtr="0"/>
-          <a:lstStyle/>
-          <a:p>
-            <a:pPr algn="ctr"/>
-            <a:r>
-              <a:rPr lang="en-US" dirty="0"/>
-              <a:t>0.01% of each:</a:t>
-            </a:r>
-          </a:p>
-          <a:p>
-            <a:pPr algn="ctr"/>
-            <a:r>
-              <a:rPr lang="en-US" dirty="0"/>
-              <a:t>H2O, CO2, CH4, O2, CO, O3</a:t>
-            </a:r>
-          </a:p>
-        </p:txBody>
-      </p:sp>
-      <p:sp>
-        <p:nvSpPr>
-          <p:cNvPr id="29" name="Rounded Rectangle 28">
-            <a:extLst>
-              <a:ext uri="{FF2B5EF4-FFF2-40B4-BE49-F238E27FC236}">
-                <a16:creationId xmlns:a16="http://schemas.microsoft.com/office/drawing/2014/main" id="{675D6CF0-681A-1E98-90BC-48B23BA0B579}"/>
-              </a:ext>
-            </a:extLst>
-          </p:cNvPr>
-          <p:cNvSpPr/>
-          <p:nvPr/>
-        </p:nvSpPr>
-        <p:spPr>
-          <a:xfrm>
-            <a:off x="603402" y="6061973"/>
-            <a:ext cx="2492024" cy="923330"/>
-          </a:xfrm>
-          <a:prstGeom prst="roundRect">
-            <a:avLst/>
-          </a:prstGeom>
-        </p:spPr>
-        <p:style>
-          <a:lnRef idx="2">
-            <a:schemeClr val="accent1">
-              <a:shade val="15000"/>
-            </a:schemeClr>
-          </a:lnRef>
-          <a:fillRef idx="1">
-            <a:schemeClr val="accent1"/>
-          </a:fillRef>
-          <a:effectRef idx="0">
-            <a:schemeClr val="accent1"/>
-          </a:effectRef>
-          <a:fontRef idx="minor">
-            <a:schemeClr val="lt1"/>
-          </a:fontRef>
-        </p:style>
-        <p:txBody>
-          <a:bodyPr rtlCol="0" anchor="t" anchorCtr="0"/>
-          <a:lstStyle/>
-          <a:p>
-            <a:pPr algn="ctr"/>
-            <a:r>
-              <a:rPr lang="en-US" dirty="0"/>
-              <a:t>0.0001% of each:</a:t>
-            </a:r>
-          </a:p>
-          <a:p>
-            <a:pPr algn="ctr"/>
-            <a:r>
-              <a:rPr lang="en-US" dirty="0"/>
-              <a:t>H2O, CO2, CH4, O2, CO, O3</a:t>
-            </a:r>
-          </a:p>
-        </p:txBody>
-      </p:sp>
-      <p:sp>
-        <p:nvSpPr>
-          <p:cNvPr id="31" name="TextBox 30">
-            <a:extLst>
-              <a:ext uri="{FF2B5EF4-FFF2-40B4-BE49-F238E27FC236}">
-                <a16:creationId xmlns:a16="http://schemas.microsoft.com/office/drawing/2014/main" id="{5E62AFD4-476B-7FA8-400A-871FBE2D83F9}"/>
-              </a:ext>
-            </a:extLst>
-          </p:cNvPr>
-          <p:cNvSpPr txBox="1"/>
-          <p:nvPr/>
-        </p:nvSpPr>
-        <p:spPr>
-          <a:xfrm>
-            <a:off x="5177262" y="5328365"/>
-            <a:ext cx="1749390" cy="369332"/>
-          </a:xfrm>
-          <a:prstGeom prst="rect">
-            <a:avLst/>
-          </a:prstGeom>
-          <a:noFill/>
-        </p:spPr>
-        <p:txBody>
-          <a:bodyPr wrap="none" rtlCol="0">
-            <a:spAutoFit/>
-          </a:bodyPr>
-          <a:lstStyle/>
-          <a:p>
-            <a:r>
-              <a:rPr lang="en-US" dirty="0"/>
-              <a:t>Select Chemistry</a:t>
-            </a:r>
-          </a:p>
-        </p:txBody>
-      </p:sp>
-      <p:sp>
-        <p:nvSpPr>
-          <p:cNvPr id="32" name="Down Arrow 31">
-            <a:extLst>
-              <a:ext uri="{FF2B5EF4-FFF2-40B4-BE49-F238E27FC236}">
-                <a16:creationId xmlns:a16="http://schemas.microsoft.com/office/drawing/2014/main" id="{F111C776-AF85-BB43-13D7-CFDAE5958859}"/>
-              </a:ext>
-            </a:extLst>
-          </p:cNvPr>
-          <p:cNvSpPr/>
-          <p:nvPr/>
-        </p:nvSpPr>
-        <p:spPr>
-          <a:xfrm>
-            <a:off x="5251857" y="5021973"/>
-            <a:ext cx="1600200" cy="338542"/>
-          </a:xfrm>
-          <a:prstGeom prst="downArrow">
-            <a:avLst/>
-          </a:prstGeom>
-        </p:spPr>
-        <p:style>
-          <a:lnRef idx="2">
-            <a:schemeClr val="accent1">
-              <a:shade val="15000"/>
-            </a:schemeClr>
-          </a:lnRef>
-          <a:fillRef idx="1">
-            <a:schemeClr val="accent1"/>
-          </a:fillRef>
-          <a:effectRef idx="0">
-            <a:schemeClr val="accent1"/>
-          </a:effectRef>
-          <a:fontRef idx="minor">
-            <a:schemeClr val="lt1"/>
-          </a:fontRef>
-        </p:style>
-        <p:txBody>
-          <a:bodyPr rtlCol="0" anchor="ctr"/>
-          <a:lstStyle/>
-          <a:p>
-            <a:pPr algn="ctr"/>
-            <a:endParaRPr lang="en-US"/>
-          </a:p>
-        </p:txBody>
-      </p:sp>
-      <p:sp>
-        <p:nvSpPr>
-          <p:cNvPr id="33" name="TextBox 32">
-            <a:extLst>
-              <a:ext uri="{FF2B5EF4-FFF2-40B4-BE49-F238E27FC236}">
-                <a16:creationId xmlns:a16="http://schemas.microsoft.com/office/drawing/2014/main" id="{6C05D1DE-6348-82DE-5836-5FA8483B1491}"/>
-              </a:ext>
-            </a:extLst>
-          </p:cNvPr>
-          <p:cNvSpPr txBox="1"/>
-          <p:nvPr/>
-        </p:nvSpPr>
-        <p:spPr>
-          <a:xfrm>
-            <a:off x="5280377" y="7630369"/>
-            <a:ext cx="1468094" cy="369332"/>
-          </a:xfrm>
-          <a:prstGeom prst="rect">
-            <a:avLst/>
-          </a:prstGeom>
-          <a:noFill/>
-        </p:spPr>
-        <p:txBody>
-          <a:bodyPr wrap="none" rtlCol="0">
-            <a:spAutoFit/>
-          </a:bodyPr>
-          <a:lstStyle/>
-          <a:p>
-            <a:r>
-              <a:rPr lang="en-US" dirty="0"/>
-              <a:t>Select Gravity</a:t>
-            </a:r>
-          </a:p>
-        </p:txBody>
-      </p:sp>
-      <p:sp>
-        <p:nvSpPr>
-          <p:cNvPr id="34" name="Down Arrow 33">
-            <a:extLst>
-              <a:ext uri="{FF2B5EF4-FFF2-40B4-BE49-F238E27FC236}">
-                <a16:creationId xmlns:a16="http://schemas.microsoft.com/office/drawing/2014/main" id="{EC67C214-6434-0097-97A9-3AF2F6C752DB}"/>
-              </a:ext>
-            </a:extLst>
-          </p:cNvPr>
-          <p:cNvSpPr/>
-          <p:nvPr/>
-        </p:nvSpPr>
-        <p:spPr>
-          <a:xfrm>
-            <a:off x="5214324" y="7311920"/>
-            <a:ext cx="1600200" cy="338542"/>
-          </a:xfrm>
-          <a:prstGeom prst="downArrow">
-            <a:avLst/>
-          </a:prstGeom>
-        </p:spPr>
-        <p:style>
-          <a:lnRef idx="2">
-            <a:schemeClr val="accent1">
-              <a:shade val="15000"/>
-            </a:schemeClr>
-          </a:lnRef>
-          <a:fillRef idx="1">
-            <a:schemeClr val="accent1"/>
-          </a:fillRef>
-          <a:effectRef idx="0">
-            <a:schemeClr val="accent1"/>
-          </a:effectRef>
-          <a:fontRef idx="minor">
-            <a:schemeClr val="lt1"/>
-          </a:fontRef>
-        </p:style>
-        <p:txBody>
-          <a:bodyPr rtlCol="0" anchor="ctr"/>
-          <a:lstStyle/>
-          <a:p>
-            <a:pPr algn="ctr"/>
-            <a:endParaRPr lang="en-US"/>
-          </a:p>
-        </p:txBody>
-      </p:sp>
-      <p:sp>
-        <p:nvSpPr>
-          <p:cNvPr id="35" name="Rounded Rectangle 34">
-            <a:extLst>
-              <a:ext uri="{FF2B5EF4-FFF2-40B4-BE49-F238E27FC236}">
-                <a16:creationId xmlns:a16="http://schemas.microsoft.com/office/drawing/2014/main" id="{D0909041-61AE-FD4E-6533-40266C5AA43A}"/>
-              </a:ext>
-            </a:extLst>
-          </p:cNvPr>
-          <p:cNvSpPr/>
-          <p:nvPr/>
-        </p:nvSpPr>
-        <p:spPr>
-          <a:xfrm>
-            <a:off x="2831666" y="8222679"/>
-            <a:ext cx="1899187" cy="564749"/>
-          </a:xfrm>
-          <a:prstGeom prst="roundRect">
-            <a:avLst/>
-          </a:prstGeom>
-        </p:spPr>
-        <p:style>
-          <a:lnRef idx="2">
-            <a:schemeClr val="accent1">
-              <a:shade val="15000"/>
-            </a:schemeClr>
-          </a:lnRef>
-          <a:fillRef idx="1">
-            <a:schemeClr val="accent1"/>
-          </a:fillRef>
-          <a:effectRef idx="0">
-            <a:schemeClr val="accent1"/>
-          </a:effectRef>
-          <a:fontRef idx="minor">
-            <a:schemeClr val="lt1"/>
-          </a:fontRef>
-        </p:style>
-        <p:txBody>
-          <a:bodyPr rtlCol="0" anchor="t" anchorCtr="0"/>
-          <a:lstStyle/>
-          <a:p>
-            <a:pPr algn="ctr"/>
-            <a:r>
-              <a:rPr lang="en-US" dirty="0"/>
-              <a:t>5 m/s^2</a:t>
-            </a:r>
-          </a:p>
-        </p:txBody>
-      </p:sp>
-      <p:sp>
-        <p:nvSpPr>
-          <p:cNvPr id="36" name="Rounded Rectangle 35">
-            <a:extLst>
-              <a:ext uri="{FF2B5EF4-FFF2-40B4-BE49-F238E27FC236}">
-                <a16:creationId xmlns:a16="http://schemas.microsoft.com/office/drawing/2014/main" id="{B4D14C29-6973-C731-E6FF-A1E2D74ADD42}"/>
-              </a:ext>
-            </a:extLst>
-          </p:cNvPr>
-          <p:cNvSpPr/>
-          <p:nvPr/>
-        </p:nvSpPr>
-        <p:spPr>
-          <a:xfrm>
-            <a:off x="5043122" y="8188175"/>
-            <a:ext cx="1899187" cy="564749"/>
-          </a:xfrm>
-          <a:prstGeom prst="roundRect">
-            <a:avLst/>
-          </a:prstGeom>
-        </p:spPr>
-        <p:style>
-          <a:lnRef idx="2">
-            <a:schemeClr val="accent1">
-              <a:shade val="15000"/>
-            </a:schemeClr>
-          </a:lnRef>
-          <a:fillRef idx="1">
-            <a:schemeClr val="accent1"/>
-          </a:fillRef>
-          <a:effectRef idx="0">
-            <a:schemeClr val="accent1"/>
-          </a:effectRef>
-          <a:fontRef idx="minor">
-            <a:schemeClr val="lt1"/>
-          </a:fontRef>
-        </p:style>
-        <p:txBody>
-          <a:bodyPr rtlCol="0" anchor="t" anchorCtr="0"/>
-          <a:lstStyle/>
-          <a:p>
-            <a:pPr algn="ctr"/>
-            <a:r>
-              <a:rPr lang="en-US" dirty="0"/>
-              <a:t>10 m/s^2</a:t>
-            </a:r>
-          </a:p>
-        </p:txBody>
-      </p:sp>
-      <p:sp>
-        <p:nvSpPr>
-          <p:cNvPr id="37" name="Rounded Rectangle 36">
-            <a:extLst>
-              <a:ext uri="{FF2B5EF4-FFF2-40B4-BE49-F238E27FC236}">
-                <a16:creationId xmlns:a16="http://schemas.microsoft.com/office/drawing/2014/main" id="{FC68841F-EE1D-9E22-6C61-EF08D8AA55DA}"/>
-              </a:ext>
-            </a:extLst>
-          </p:cNvPr>
-          <p:cNvSpPr/>
-          <p:nvPr/>
-        </p:nvSpPr>
-        <p:spPr>
-          <a:xfrm>
-            <a:off x="7251051" y="8222679"/>
-            <a:ext cx="1899187" cy="564749"/>
-          </a:xfrm>
-          <a:prstGeom prst="roundRect">
-            <a:avLst/>
-          </a:prstGeom>
-        </p:spPr>
-        <p:style>
-          <a:lnRef idx="2">
-            <a:schemeClr val="accent1">
-              <a:shade val="15000"/>
-            </a:schemeClr>
-          </a:lnRef>
-          <a:fillRef idx="1">
-            <a:schemeClr val="accent1"/>
-          </a:fillRef>
-          <a:effectRef idx="0">
-            <a:schemeClr val="accent1"/>
-          </a:effectRef>
-          <a:fontRef idx="minor">
-            <a:schemeClr val="lt1"/>
-          </a:fontRef>
-        </p:style>
-        <p:txBody>
-          <a:bodyPr rtlCol="0" anchor="t" anchorCtr="0"/>
-          <a:lstStyle/>
-          <a:p>
-            <a:pPr algn="ctr"/>
-            <a:r>
-              <a:rPr lang="en-US" dirty="0"/>
-              <a:t>15 m/s^2</a:t>
-            </a:r>
-          </a:p>
-        </p:txBody>
-      </p:sp>
-      <p:sp>
-        <p:nvSpPr>
-          <p:cNvPr id="39" name="Down Arrow 38">
-            <a:extLst>
-              <a:ext uri="{FF2B5EF4-FFF2-40B4-BE49-F238E27FC236}">
-                <a16:creationId xmlns:a16="http://schemas.microsoft.com/office/drawing/2014/main" id="{3DC372D6-B22C-961B-42C7-487CAF0F9D31}"/>
-              </a:ext>
-            </a:extLst>
-          </p:cNvPr>
-          <p:cNvSpPr/>
-          <p:nvPr/>
-        </p:nvSpPr>
-        <p:spPr>
-          <a:xfrm>
-            <a:off x="2206010" y="14475035"/>
-            <a:ext cx="1600200" cy="338542"/>
-          </a:xfrm>
-          <a:prstGeom prst="downArrow">
-            <a:avLst/>
-          </a:prstGeom>
-        </p:spPr>
-        <p:style>
-          <a:lnRef idx="2">
-            <a:schemeClr val="accent1">
-              <a:shade val="15000"/>
-            </a:schemeClr>
-          </a:lnRef>
-          <a:fillRef idx="1">
-            <a:schemeClr val="accent1"/>
-          </a:fillRef>
-          <a:effectRef idx="0">
-            <a:schemeClr val="accent1"/>
-          </a:effectRef>
-          <a:fontRef idx="minor">
-            <a:schemeClr val="lt1"/>
-          </a:fontRef>
-        </p:style>
-        <p:txBody>
-          <a:bodyPr rtlCol="0" anchor="ctr"/>
-          <a:lstStyle/>
-          <a:p>
-            <a:pPr algn="ctr"/>
-            <a:endParaRPr lang="en-US"/>
-          </a:p>
-        </p:txBody>
-      </p:sp>
-      <p:sp>
-        <p:nvSpPr>
-          <p:cNvPr id="41" name="TextBox 40">
-            <a:extLst>
-              <a:ext uri="{FF2B5EF4-FFF2-40B4-BE49-F238E27FC236}">
-                <a16:creationId xmlns:a16="http://schemas.microsoft.com/office/drawing/2014/main" id="{F258AFAB-1029-6D32-40CC-B1F7E78F959B}"/>
-              </a:ext>
-            </a:extLst>
-          </p:cNvPr>
-          <p:cNvSpPr txBox="1"/>
-          <p:nvPr/>
-        </p:nvSpPr>
-        <p:spPr>
-          <a:xfrm>
-            <a:off x="2266965" y="14901335"/>
-            <a:ext cx="1407758" cy="369332"/>
-          </a:xfrm>
-          <a:prstGeom prst="rect">
-            <a:avLst/>
-          </a:prstGeom>
-          <a:noFill/>
-        </p:spPr>
-        <p:txBody>
-          <a:bodyPr wrap="none" rtlCol="0">
-            <a:spAutoFit/>
-          </a:bodyPr>
-          <a:lstStyle/>
-          <a:p>
-            <a:r>
-              <a:rPr lang="en-US" dirty="0"/>
-              <a:t>Select clouds</a:t>
-            </a:r>
-          </a:p>
-        </p:txBody>
-      </p:sp>
-      <p:sp>
-        <p:nvSpPr>
-          <p:cNvPr id="42" name="Rounded Rectangle 41">
-            <a:extLst>
-              <a:ext uri="{FF2B5EF4-FFF2-40B4-BE49-F238E27FC236}">
-                <a16:creationId xmlns:a16="http://schemas.microsoft.com/office/drawing/2014/main" id="{2BBDA01F-1FC1-1633-5EF6-A645234F0E6D}"/>
-              </a:ext>
-            </a:extLst>
-          </p:cNvPr>
-          <p:cNvSpPr/>
-          <p:nvPr/>
-        </p:nvSpPr>
-        <p:spPr>
-          <a:xfrm>
-            <a:off x="224888" y="15655509"/>
-            <a:ext cx="1865376" cy="453589"/>
-          </a:xfrm>
-          <a:prstGeom prst="roundRect">
-            <a:avLst/>
-          </a:prstGeom>
-        </p:spPr>
-        <p:style>
-          <a:lnRef idx="2">
-            <a:schemeClr val="accent1">
-              <a:shade val="15000"/>
-            </a:schemeClr>
-          </a:lnRef>
-          <a:fillRef idx="1">
-            <a:schemeClr val="accent1"/>
-          </a:fillRef>
-          <a:effectRef idx="0">
-            <a:schemeClr val="accent1"/>
-          </a:effectRef>
-          <a:fontRef idx="minor">
-            <a:schemeClr val="lt1"/>
-          </a:fontRef>
-        </p:style>
-        <p:txBody>
-          <a:bodyPr rtlCol="0" anchor="ctr"/>
-          <a:lstStyle/>
-          <a:p>
-            <a:pPr algn="ctr"/>
-            <a:r>
-              <a:rPr lang="en-US" dirty="0"/>
-              <a:t>Cloud free</a:t>
-            </a:r>
-          </a:p>
-        </p:txBody>
-      </p:sp>
-      <p:sp>
-        <p:nvSpPr>
-          <p:cNvPr id="43" name="Rounded Rectangle 42">
-            <a:extLst>
-              <a:ext uri="{FF2B5EF4-FFF2-40B4-BE49-F238E27FC236}">
-                <a16:creationId xmlns:a16="http://schemas.microsoft.com/office/drawing/2014/main" id="{0FA246D6-9D9C-5A05-D8A1-EA4C082F3973}"/>
-              </a:ext>
-            </a:extLst>
-          </p:cNvPr>
-          <p:cNvSpPr/>
-          <p:nvPr/>
-        </p:nvSpPr>
-        <p:spPr>
-          <a:xfrm>
-            <a:off x="2234784" y="15491497"/>
-            <a:ext cx="1865376" cy="781612"/>
-          </a:xfrm>
-          <a:prstGeom prst="roundRect">
-            <a:avLst/>
-          </a:prstGeom>
-        </p:spPr>
-        <p:style>
-          <a:lnRef idx="2">
-            <a:schemeClr val="accent1">
-              <a:shade val="15000"/>
-            </a:schemeClr>
-          </a:lnRef>
-          <a:fillRef idx="1">
-            <a:schemeClr val="accent1"/>
-          </a:fillRef>
-          <a:effectRef idx="0">
-            <a:schemeClr val="accent1"/>
-          </a:effectRef>
-          <a:fontRef idx="minor">
-            <a:schemeClr val="lt1"/>
-          </a:fontRef>
-        </p:style>
-        <p:txBody>
-          <a:bodyPr rtlCol="0" anchor="ctr"/>
-          <a:lstStyle/>
-          <a:p>
-            <a:pPr algn="ctr"/>
-            <a:r>
-              <a:rPr lang="en-US" dirty="0"/>
-              <a:t>Grey opacity source at 0.1 bar</a:t>
-            </a:r>
-          </a:p>
-        </p:txBody>
-      </p:sp>
-      <p:sp>
-        <p:nvSpPr>
-          <p:cNvPr id="45" name="Rounded Rectangle 44">
-            <a:extLst>
-              <a:ext uri="{FF2B5EF4-FFF2-40B4-BE49-F238E27FC236}">
-                <a16:creationId xmlns:a16="http://schemas.microsoft.com/office/drawing/2014/main" id="{F3B74C7D-5693-2968-1427-D9D9E63AEFCE}"/>
-              </a:ext>
-            </a:extLst>
-          </p:cNvPr>
-          <p:cNvSpPr/>
-          <p:nvPr/>
-        </p:nvSpPr>
-        <p:spPr>
-          <a:xfrm>
-            <a:off x="4271463" y="15491497"/>
-            <a:ext cx="2025396" cy="781612"/>
-          </a:xfrm>
-          <a:prstGeom prst="roundRect">
-            <a:avLst/>
-          </a:prstGeom>
-        </p:spPr>
-        <p:style>
-          <a:lnRef idx="2">
-            <a:schemeClr val="accent1">
-              <a:shade val="15000"/>
-            </a:schemeClr>
-          </a:lnRef>
-          <a:fillRef idx="1">
-            <a:schemeClr val="accent1"/>
-          </a:fillRef>
-          <a:effectRef idx="0">
-            <a:schemeClr val="accent1"/>
-          </a:effectRef>
-          <a:fontRef idx="minor">
-            <a:schemeClr val="lt1"/>
-          </a:fontRef>
-        </p:style>
-        <p:txBody>
-          <a:bodyPr rtlCol="0" anchor="ctr"/>
-          <a:lstStyle/>
-          <a:p>
-            <a:pPr algn="ctr"/>
-            <a:r>
-              <a:rPr lang="en-US" dirty="0"/>
-              <a:t>Grey opacity source at 0.01 bar</a:t>
-            </a:r>
-          </a:p>
-        </p:txBody>
-      </p:sp>
-      <p:sp>
-        <p:nvSpPr>
-          <p:cNvPr id="46" name="Snip Same Side Corner Rectangle 45">
-            <a:extLst>
-              <a:ext uri="{FF2B5EF4-FFF2-40B4-BE49-F238E27FC236}">
-                <a16:creationId xmlns:a16="http://schemas.microsoft.com/office/drawing/2014/main" id="{E0AFF4A4-27C7-8DE8-22EE-554D240B21B6}"/>
-              </a:ext>
-            </a:extLst>
-          </p:cNvPr>
-          <p:cNvSpPr/>
-          <p:nvPr/>
-        </p:nvSpPr>
-        <p:spPr>
-          <a:xfrm>
-            <a:off x="3381177" y="16971093"/>
-            <a:ext cx="1437966" cy="1347389"/>
-          </a:xfrm>
-          <a:prstGeom prst="snip2SameRect">
-            <a:avLst/>
-          </a:prstGeom>
-        </p:spPr>
-        <p:style>
-          <a:lnRef idx="2">
-            <a:schemeClr val="accent1">
-              <a:shade val="15000"/>
-            </a:schemeClr>
-          </a:lnRef>
-          <a:fillRef idx="1">
-            <a:schemeClr val="accent1"/>
-          </a:fillRef>
-          <a:effectRef idx="0">
-            <a:schemeClr val="accent1"/>
-          </a:effectRef>
-          <a:fontRef idx="minor">
-            <a:schemeClr val="lt1"/>
-          </a:fontRef>
-        </p:style>
-        <p:txBody>
-          <a:bodyPr rtlCol="0" anchor="ctr"/>
-          <a:lstStyle/>
-          <a:p>
-            <a:pPr algn="ctr"/>
-            <a:r>
-              <a:rPr lang="en-US" dirty="0"/>
-              <a:t>Cloudy Spectrum</a:t>
-            </a:r>
-          </a:p>
-        </p:txBody>
-      </p:sp>
-      <p:sp>
-        <p:nvSpPr>
-          <p:cNvPr id="47" name="Down Arrow 46">
-            <a:extLst>
-              <a:ext uri="{FF2B5EF4-FFF2-40B4-BE49-F238E27FC236}">
-                <a16:creationId xmlns:a16="http://schemas.microsoft.com/office/drawing/2014/main" id="{80E118FE-FDB9-5213-3923-845FE4F743D5}"/>
-              </a:ext>
-            </a:extLst>
-          </p:cNvPr>
-          <p:cNvSpPr/>
-          <p:nvPr/>
-        </p:nvSpPr>
-        <p:spPr>
-          <a:xfrm>
-            <a:off x="3336904" y="16383420"/>
-            <a:ext cx="1600200" cy="338542"/>
-          </a:xfrm>
-          <a:prstGeom prst="downArrow">
-            <a:avLst/>
-          </a:prstGeom>
-        </p:spPr>
-        <p:style>
-          <a:lnRef idx="2">
-            <a:schemeClr val="accent1">
-              <a:shade val="15000"/>
-            </a:schemeClr>
-          </a:lnRef>
-          <a:fillRef idx="1">
-            <a:schemeClr val="accent1"/>
-          </a:fillRef>
-          <a:effectRef idx="0">
-            <a:schemeClr val="accent1"/>
-          </a:effectRef>
-          <a:fontRef idx="minor">
-            <a:schemeClr val="lt1"/>
-          </a:fontRef>
-        </p:style>
-        <p:txBody>
-          <a:bodyPr rtlCol="0" anchor="ctr"/>
-          <a:lstStyle/>
-          <a:p>
-            <a:pPr algn="ctr"/>
-            <a:endParaRPr lang="en-US"/>
-          </a:p>
-        </p:txBody>
-      </p:sp>
-      <p:sp>
-        <p:nvSpPr>
-          <p:cNvPr id="49" name="5-Point Star 48">
-            <a:extLst>
-              <a:ext uri="{FF2B5EF4-FFF2-40B4-BE49-F238E27FC236}">
-                <a16:creationId xmlns:a16="http://schemas.microsoft.com/office/drawing/2014/main" id="{014223F8-AEFA-1781-478A-33E840502191}"/>
-              </a:ext>
-            </a:extLst>
-          </p:cNvPr>
-          <p:cNvSpPr/>
-          <p:nvPr/>
-        </p:nvSpPr>
-        <p:spPr>
-          <a:xfrm>
-            <a:off x="8424937" y="16013848"/>
+          <a:xfrm>
+            <a:off x="5752977" y="12299318"/>
             <a:ext cx="1993310" cy="1993310"/>
           </a:xfrm>
           <a:prstGeom prst="star5">
@@ -6040,10 +4755,10 @@
       </p:sp>
       <p:sp>
         <p:nvSpPr>
-          <p:cNvPr id="50" name="TextBox 49">
+          <p:cNvPr id="35" name="TextBox 34">
             <a:extLst>
               <a:ext uri="{FF2B5EF4-FFF2-40B4-BE49-F238E27FC236}">
-                <a16:creationId xmlns:a16="http://schemas.microsoft.com/office/drawing/2014/main" id="{1C2889C4-C9D5-BFB0-22DD-31D94E260FD1}"/>
+                <a16:creationId xmlns:a16="http://schemas.microsoft.com/office/drawing/2014/main" id="{CFD09707-53CF-233B-D2B5-50D3E133F3EA}"/>
               </a:ext>
             </a:extLst>
           </p:cNvPr>
@@ -6052,7 +4767,7 @@
         </p:nvSpPr>
         <p:spPr>
           <a:xfrm>
-            <a:off x="8440038" y="16797648"/>
+            <a:off x="5768078" y="13083118"/>
             <a:ext cx="2008150" cy="646331"/>
           </a:xfrm>
           <a:prstGeom prst="rect">
@@ -6069,17 +4784,17 @@
             <a:pPr algn="ctr"/>
             <a:r>
               <a:rPr lang="en-US" dirty="0"/>
-              <a:t>13,516 total permutations</a:t>
-            </a:r>
-          </a:p>
-        </p:txBody>
-      </p:sp>
-      <p:sp>
-        <p:nvSpPr>
-          <p:cNvPr id="51" name="Rectangle 50">
+              <a:t>1470 total permutations</a:t>
+            </a:r>
+          </a:p>
+        </p:txBody>
+      </p:sp>
+      <p:sp>
+        <p:nvSpPr>
+          <p:cNvPr id="37" name="Trapezoid 36">
             <a:extLst>
               <a:ext uri="{FF2B5EF4-FFF2-40B4-BE49-F238E27FC236}">
-                <a16:creationId xmlns:a16="http://schemas.microsoft.com/office/drawing/2014/main" id="{6183ACD7-4EF5-2B38-74E5-FC1EEC887EAD}"/>
+                <a16:creationId xmlns:a16="http://schemas.microsoft.com/office/drawing/2014/main" id="{CAC9F81B-88BA-0500-5D3E-652323F9EA5E}"/>
               </a:ext>
             </a:extLst>
           </p:cNvPr>
@@ -6088,10 +4803,10 @@
         </p:nvSpPr>
         <p:spPr>
           <a:xfrm>
-            <a:off x="8424937" y="14345045"/>
-            <a:ext cx="2674548" cy="979017"/>
-          </a:xfrm>
-          <a:prstGeom prst="rect">
+            <a:off x="1866858" y="9701916"/>
+            <a:ext cx="2516670" cy="1216152"/>
+          </a:xfrm>
+          <a:prstGeom prst="trapezoid">
             <a:avLst/>
           </a:prstGeom>
         </p:spPr>
@@ -6112,28 +4827,23 @@
           </a:fontRef>
         </p:style>
         <p:txBody>
-          <a:bodyPr rtlCol="0" anchor="t" anchorCtr="0"/>
-          <a:lstStyle/>
-          <a:p>
+          <a:bodyPr rtlCol="0" anchor="ctr"/>
+          <a:lstStyle/>
+          <a:p>
+            <a:pPr algn="ctr"/>
             <a:r>
               <a:rPr lang="en-US" dirty="0"/>
-              <a:t>T(P) = [0.75 x  Teq^4(P+2/3)]^1/4</a:t>
-            </a:r>
-          </a:p>
-          <a:p>
-            <a:r>
-              <a:rPr lang="en-US" dirty="0"/>
-              <a:t>(Guillot 2010, Line 2013)</a:t>
-            </a:r>
-          </a:p>
-        </p:txBody>
-      </p:sp>
-      <p:sp>
-        <p:nvSpPr>
-          <p:cNvPr id="52" name="TextBox 51">
+              <a:t>Base model</a:t>
+            </a:r>
+          </a:p>
+        </p:txBody>
+      </p:sp>
+      <p:sp>
+        <p:nvSpPr>
+          <p:cNvPr id="38" name="TextBox 37">
             <a:extLst>
               <a:ext uri="{FF2B5EF4-FFF2-40B4-BE49-F238E27FC236}">
-                <a16:creationId xmlns:a16="http://schemas.microsoft.com/office/drawing/2014/main" id="{5157F047-F97B-AC66-FDC9-604BC29941F3}"/>
+                <a16:creationId xmlns:a16="http://schemas.microsoft.com/office/drawing/2014/main" id="{408752DE-8420-126E-D977-1040F14F399A}"/>
               </a:ext>
             </a:extLst>
           </p:cNvPr>
@@ -6142,8 +4852,8 @@
         </p:nvSpPr>
         <p:spPr>
           <a:xfrm>
-            <a:off x="8424937" y="13951399"/>
-            <a:ext cx="1138517" cy="369332"/>
+            <a:off x="2182920" y="10904944"/>
+            <a:ext cx="1858073" cy="369332"/>
           </a:xfrm>
           <a:prstGeom prst="rect">
             <a:avLst/>
@@ -6158,41 +4868,1351 @@
           <a:p>
             <a:r>
               <a:rPr lang="en-US" dirty="0"/>
-              <a:t>PT Profile:</a:t>
-            </a:r>
-          </a:p>
-        </p:txBody>
-      </p:sp>
-    </p:spTree>
-    <p:extLst>
-      <p:ext uri="{BB962C8B-B14F-4D97-AF65-F5344CB8AC3E}">
-        <p14:creationId xmlns:p14="http://schemas.microsoft.com/office/powerpoint/2010/main" val="1532891133"/>
-      </p:ext>
-    </p:extLst>
-  </p:cSld>
-  <p:clrMapOvr>
-    <a:masterClrMapping/>
-  </p:clrMapOvr>
-</p:sld>
-</file>
-
-<file path=ppt/slides/slide2.xml><?xml version="1.0" encoding="utf-8"?>
-<p:sld xmlns:a="http://schemas.openxmlformats.org/drawingml/2006/main" xmlns:r="http://schemas.openxmlformats.org/officeDocument/2006/relationships" xmlns:p="http://schemas.openxmlformats.org/presentationml/2006/main">
-  <p:cSld>
-    <p:spTree>
-      <p:nvGrpSpPr>
-        <p:cNvPr id="1" name=""/>
-        <p:cNvGrpSpPr/>
-        <p:nvPr/>
-      </p:nvGrpSpPr>
-      <p:grpSpPr>
-        <a:xfrm>
-          <a:off x="0" y="0"/>
-          <a:ext cx="0" cy="0"/>
-          <a:chOff x="0" y="0"/>
-          <a:chExt cx="0" cy="0"/>
-        </a:xfrm>
-      </p:grpSpPr>
+              <a:t>735 permutations</a:t>
+            </a:r>
+          </a:p>
+        </p:txBody>
+      </p:sp>
+      <p:sp>
+        <p:nvSpPr>
+          <p:cNvPr id="39" name="Down Arrow 38">
+            <a:extLst>
+              <a:ext uri="{FF2B5EF4-FFF2-40B4-BE49-F238E27FC236}">
+                <a16:creationId xmlns:a16="http://schemas.microsoft.com/office/drawing/2014/main" id="{34ACCE41-BAF2-4A82-9642-60FF844DA538}"/>
+              </a:ext>
+            </a:extLst>
+          </p:cNvPr>
+          <p:cNvSpPr/>
+          <p:nvPr/>
+        </p:nvSpPr>
+        <p:spPr>
+          <a:xfrm rot="5400000">
+            <a:off x="3871498" y="10228031"/>
+            <a:ext cx="1600200" cy="338542"/>
+          </a:xfrm>
+          <a:prstGeom prst="downArrow">
+            <a:avLst/>
+          </a:prstGeom>
+        </p:spPr>
+        <p:style>
+          <a:lnRef idx="2">
+            <a:schemeClr val="accent1">
+              <a:shade val="15000"/>
+            </a:schemeClr>
+          </a:lnRef>
+          <a:fillRef idx="1">
+            <a:schemeClr val="accent1"/>
+          </a:fillRef>
+          <a:effectRef idx="0">
+            <a:schemeClr val="accent1"/>
+          </a:effectRef>
+          <a:fontRef idx="minor">
+            <a:schemeClr val="lt1"/>
+          </a:fontRef>
+        </p:style>
+        <p:txBody>
+          <a:bodyPr rtlCol="0" anchor="ctr"/>
+          <a:lstStyle/>
+          <a:p>
+            <a:pPr algn="ctr"/>
+            <a:endParaRPr lang="en-US"/>
+          </a:p>
+        </p:txBody>
+      </p:sp>
+      <p:sp>
+        <p:nvSpPr>
+          <p:cNvPr id="40" name="Rounded Rectangle 39">
+            <a:extLst>
+              <a:ext uri="{FF2B5EF4-FFF2-40B4-BE49-F238E27FC236}">
+                <a16:creationId xmlns:a16="http://schemas.microsoft.com/office/drawing/2014/main" id="{7CF5D933-9A80-0023-47B8-90493C99D438}"/>
+              </a:ext>
+            </a:extLst>
+          </p:cNvPr>
+          <p:cNvSpPr/>
+          <p:nvPr/>
+        </p:nvSpPr>
+        <p:spPr>
+          <a:xfrm>
+            <a:off x="5092015" y="10789032"/>
+            <a:ext cx="1865376" cy="453589"/>
+          </a:xfrm>
+          <a:prstGeom prst="roundRect">
+            <a:avLst/>
+          </a:prstGeom>
+        </p:spPr>
+        <p:style>
+          <a:lnRef idx="2">
+            <a:schemeClr val="accent1">
+              <a:shade val="15000"/>
+            </a:schemeClr>
+          </a:lnRef>
+          <a:fillRef idx="1">
+            <a:schemeClr val="accent1"/>
+          </a:fillRef>
+          <a:effectRef idx="0">
+            <a:schemeClr val="accent1"/>
+          </a:effectRef>
+          <a:fontRef idx="minor">
+            <a:schemeClr val="lt1"/>
+          </a:fontRef>
+        </p:style>
+        <p:txBody>
+          <a:bodyPr rtlCol="0" anchor="ctr"/>
+          <a:lstStyle/>
+          <a:p>
+            <a:pPr algn="ctr"/>
+            <a:r>
+              <a:rPr lang="en-US" dirty="0"/>
+              <a:t>45 deg</a:t>
+            </a:r>
+          </a:p>
+        </p:txBody>
+      </p:sp>
+      <p:sp>
+        <p:nvSpPr>
+          <p:cNvPr id="41" name="Rounded Rectangle 40">
+            <a:extLst>
+              <a:ext uri="{FF2B5EF4-FFF2-40B4-BE49-F238E27FC236}">
+                <a16:creationId xmlns:a16="http://schemas.microsoft.com/office/drawing/2014/main" id="{1BEDE5AE-1184-42C4-70AC-F9034BEEBF89}"/>
+              </a:ext>
+            </a:extLst>
+          </p:cNvPr>
+          <p:cNvSpPr/>
+          <p:nvPr/>
+        </p:nvSpPr>
+        <p:spPr>
+          <a:xfrm>
+            <a:off x="5096542" y="11302692"/>
+            <a:ext cx="1865376" cy="453589"/>
+          </a:xfrm>
+          <a:prstGeom prst="roundRect">
+            <a:avLst/>
+          </a:prstGeom>
+        </p:spPr>
+        <p:style>
+          <a:lnRef idx="2">
+            <a:schemeClr val="accent1">
+              <a:shade val="15000"/>
+            </a:schemeClr>
+          </a:lnRef>
+          <a:fillRef idx="1">
+            <a:schemeClr val="accent1"/>
+          </a:fillRef>
+          <a:effectRef idx="0">
+            <a:schemeClr val="accent1"/>
+          </a:effectRef>
+          <a:fontRef idx="minor">
+            <a:schemeClr val="lt1"/>
+          </a:fontRef>
+        </p:style>
+        <p:txBody>
+          <a:bodyPr rtlCol="0" anchor="ctr"/>
+          <a:lstStyle/>
+          <a:p>
+            <a:pPr algn="ctr"/>
+            <a:r>
+              <a:rPr lang="en-US" dirty="0"/>
+              <a:t>0 deg</a:t>
+            </a:r>
+          </a:p>
+        </p:txBody>
+      </p:sp>
+      <p:sp>
+        <p:nvSpPr>
+          <p:cNvPr id="42" name="Rounded Rectangle 41">
+            <a:extLst>
+              <a:ext uri="{FF2B5EF4-FFF2-40B4-BE49-F238E27FC236}">
+                <a16:creationId xmlns:a16="http://schemas.microsoft.com/office/drawing/2014/main" id="{980C906B-B875-9E2B-B60E-347019E27ED4}"/>
+              </a:ext>
+            </a:extLst>
+          </p:cNvPr>
+          <p:cNvSpPr/>
+          <p:nvPr/>
+        </p:nvSpPr>
+        <p:spPr>
+          <a:xfrm>
+            <a:off x="5097956" y="10258470"/>
+            <a:ext cx="1865376" cy="453589"/>
+          </a:xfrm>
+          <a:prstGeom prst="roundRect">
+            <a:avLst/>
+          </a:prstGeom>
+        </p:spPr>
+        <p:style>
+          <a:lnRef idx="2">
+            <a:schemeClr val="accent1">
+              <a:shade val="15000"/>
+            </a:schemeClr>
+          </a:lnRef>
+          <a:fillRef idx="1">
+            <a:schemeClr val="accent1"/>
+          </a:fillRef>
+          <a:effectRef idx="0">
+            <a:schemeClr val="accent1"/>
+          </a:effectRef>
+          <a:fontRef idx="minor">
+            <a:schemeClr val="lt1"/>
+          </a:fontRef>
+        </p:style>
+        <p:txBody>
+          <a:bodyPr rtlCol="0" anchor="ctr"/>
+          <a:lstStyle/>
+          <a:p>
+            <a:pPr algn="ctr"/>
+            <a:r>
+              <a:rPr lang="en-US" dirty="0"/>
+              <a:t>90 deg</a:t>
+            </a:r>
+          </a:p>
+        </p:txBody>
+      </p:sp>
+      <p:sp>
+        <p:nvSpPr>
+          <p:cNvPr id="43" name="Rounded Rectangle 42">
+            <a:extLst>
+              <a:ext uri="{FF2B5EF4-FFF2-40B4-BE49-F238E27FC236}">
+                <a16:creationId xmlns:a16="http://schemas.microsoft.com/office/drawing/2014/main" id="{E1849572-FC50-A698-BF90-853017306A82}"/>
+              </a:ext>
+            </a:extLst>
+          </p:cNvPr>
+          <p:cNvSpPr/>
+          <p:nvPr/>
+        </p:nvSpPr>
+        <p:spPr>
+          <a:xfrm>
+            <a:off x="5103027" y="9738163"/>
+            <a:ext cx="1865376" cy="453589"/>
+          </a:xfrm>
+          <a:prstGeom prst="roundRect">
+            <a:avLst/>
+          </a:prstGeom>
+        </p:spPr>
+        <p:style>
+          <a:lnRef idx="2">
+            <a:schemeClr val="accent1">
+              <a:shade val="15000"/>
+            </a:schemeClr>
+          </a:lnRef>
+          <a:fillRef idx="1">
+            <a:schemeClr val="accent1"/>
+          </a:fillRef>
+          <a:effectRef idx="0">
+            <a:schemeClr val="accent1"/>
+          </a:effectRef>
+          <a:fontRef idx="minor">
+            <a:schemeClr val="lt1"/>
+          </a:fontRef>
+        </p:style>
+        <p:txBody>
+          <a:bodyPr rtlCol="0" anchor="ctr"/>
+          <a:lstStyle/>
+          <a:p>
+            <a:pPr algn="ctr"/>
+            <a:r>
+              <a:rPr lang="en-US" dirty="0"/>
+              <a:t>120 deg</a:t>
+            </a:r>
+          </a:p>
+        </p:txBody>
+      </p:sp>
+      <p:sp>
+        <p:nvSpPr>
+          <p:cNvPr id="44" name="TextBox 43">
+            <a:extLst>
+              <a:ext uri="{FF2B5EF4-FFF2-40B4-BE49-F238E27FC236}">
+                <a16:creationId xmlns:a16="http://schemas.microsoft.com/office/drawing/2014/main" id="{7D219B48-32A7-3D60-C072-20D740A1C3F9}"/>
+              </a:ext>
+            </a:extLst>
+          </p:cNvPr>
+          <p:cNvSpPr txBox="1"/>
+          <p:nvPr/>
+        </p:nvSpPr>
+        <p:spPr>
+          <a:xfrm>
+            <a:off x="5391568" y="8716238"/>
+            <a:ext cx="1358064" cy="369332"/>
+          </a:xfrm>
+          <a:prstGeom prst="rect">
+            <a:avLst/>
+          </a:prstGeom>
+          <a:noFill/>
+        </p:spPr>
+        <p:txBody>
+          <a:bodyPr wrap="none" rtlCol="0">
+            <a:spAutoFit/>
+          </a:bodyPr>
+          <a:lstStyle/>
+          <a:p>
+            <a:r>
+              <a:rPr lang="en-US" dirty="0"/>
+              <a:t>Select Phase</a:t>
+            </a:r>
+          </a:p>
+        </p:txBody>
+      </p:sp>
+      <p:sp>
+        <p:nvSpPr>
+          <p:cNvPr id="45" name="Rounded Rectangle 44">
+            <a:extLst>
+              <a:ext uri="{FF2B5EF4-FFF2-40B4-BE49-F238E27FC236}">
+                <a16:creationId xmlns:a16="http://schemas.microsoft.com/office/drawing/2014/main" id="{C3CBB135-13EE-A335-BDC5-C289B8098583}"/>
+              </a:ext>
+            </a:extLst>
+          </p:cNvPr>
+          <p:cNvSpPr/>
+          <p:nvPr/>
+        </p:nvSpPr>
+        <p:spPr>
+          <a:xfrm>
+            <a:off x="5091926" y="9226057"/>
+            <a:ext cx="1865376" cy="453589"/>
+          </a:xfrm>
+          <a:prstGeom prst="roundRect">
+            <a:avLst/>
+          </a:prstGeom>
+        </p:spPr>
+        <p:style>
+          <a:lnRef idx="2">
+            <a:schemeClr val="accent1">
+              <a:shade val="15000"/>
+            </a:schemeClr>
+          </a:lnRef>
+          <a:fillRef idx="1">
+            <a:schemeClr val="accent1"/>
+          </a:fillRef>
+          <a:effectRef idx="0">
+            <a:schemeClr val="accent1"/>
+          </a:effectRef>
+          <a:fontRef idx="minor">
+            <a:schemeClr val="lt1"/>
+          </a:fontRef>
+        </p:style>
+        <p:txBody>
+          <a:bodyPr rtlCol="0" anchor="ctr"/>
+          <a:lstStyle/>
+          <a:p>
+            <a:pPr algn="ctr"/>
+            <a:r>
+              <a:rPr lang="en-US" dirty="0"/>
+              <a:t>140 deg</a:t>
+            </a:r>
+          </a:p>
+        </p:txBody>
+      </p:sp>
+      <p:sp>
+        <p:nvSpPr>
+          <p:cNvPr id="46" name="Down Arrow 45">
+            <a:extLst>
+              <a:ext uri="{FF2B5EF4-FFF2-40B4-BE49-F238E27FC236}">
+                <a16:creationId xmlns:a16="http://schemas.microsoft.com/office/drawing/2014/main" id="{4F76007C-2E20-36D3-D32A-33E758698431}"/>
+              </a:ext>
+            </a:extLst>
+          </p:cNvPr>
+          <p:cNvSpPr/>
+          <p:nvPr/>
+        </p:nvSpPr>
+        <p:spPr>
+          <a:xfrm>
+            <a:off x="5235615" y="8273464"/>
+            <a:ext cx="1600200" cy="338542"/>
+          </a:xfrm>
+          <a:prstGeom prst="downArrow">
+            <a:avLst/>
+          </a:prstGeom>
+        </p:spPr>
+        <p:style>
+          <a:lnRef idx="2">
+            <a:schemeClr val="accent1">
+              <a:shade val="15000"/>
+            </a:schemeClr>
+          </a:lnRef>
+          <a:fillRef idx="1">
+            <a:schemeClr val="accent1"/>
+          </a:fillRef>
+          <a:effectRef idx="0">
+            <a:schemeClr val="accent1"/>
+          </a:effectRef>
+          <a:fontRef idx="minor">
+            <a:schemeClr val="lt1"/>
+          </a:fontRef>
+        </p:style>
+        <p:txBody>
+          <a:bodyPr rtlCol="0" anchor="ctr"/>
+          <a:lstStyle/>
+          <a:p>
+            <a:pPr algn="ctr"/>
+            <a:endParaRPr lang="en-US"/>
+          </a:p>
+        </p:txBody>
+      </p:sp>
+      <p:sp>
+        <p:nvSpPr>
+          <p:cNvPr id="47" name="Snip Same Side Corner Rectangle 46">
+            <a:extLst>
+              <a:ext uri="{FF2B5EF4-FFF2-40B4-BE49-F238E27FC236}">
+                <a16:creationId xmlns:a16="http://schemas.microsoft.com/office/drawing/2014/main" id="{4579BA76-93E5-CE1B-66C6-D93FE2880BA8}"/>
+              </a:ext>
+            </a:extLst>
+          </p:cNvPr>
+          <p:cNvSpPr/>
+          <p:nvPr/>
+        </p:nvSpPr>
+        <p:spPr>
+          <a:xfrm>
+            <a:off x="1798793" y="13778915"/>
+            <a:ext cx="1437966" cy="1347389"/>
+          </a:xfrm>
+          <a:prstGeom prst="snip2SameRect">
+            <a:avLst/>
+          </a:prstGeom>
+        </p:spPr>
+        <p:style>
+          <a:lnRef idx="2">
+            <a:schemeClr val="accent1">
+              <a:shade val="15000"/>
+            </a:schemeClr>
+          </a:lnRef>
+          <a:fillRef idx="1">
+            <a:schemeClr val="accent1"/>
+          </a:fillRef>
+          <a:effectRef idx="0">
+            <a:schemeClr val="accent1"/>
+          </a:effectRef>
+          <a:fontRef idx="minor">
+            <a:schemeClr val="lt1"/>
+          </a:fontRef>
+        </p:style>
+        <p:txBody>
+          <a:bodyPr rtlCol="0" anchor="ctr"/>
+          <a:lstStyle/>
+          <a:p>
+            <a:pPr algn="ctr"/>
+            <a:r>
+              <a:rPr lang="en-US" dirty="0"/>
+              <a:t>Cloud-free albedo Spectrum</a:t>
+            </a:r>
+          </a:p>
+        </p:txBody>
+      </p:sp>
+      <p:sp>
+        <p:nvSpPr>
+          <p:cNvPr id="48" name="Down Arrow 47">
+            <a:extLst>
+              <a:ext uri="{FF2B5EF4-FFF2-40B4-BE49-F238E27FC236}">
+                <a16:creationId xmlns:a16="http://schemas.microsoft.com/office/drawing/2014/main" id="{A28EA609-7C55-2624-010E-C193EB284F55}"/>
+              </a:ext>
+            </a:extLst>
+          </p:cNvPr>
+          <p:cNvSpPr/>
+          <p:nvPr/>
+        </p:nvSpPr>
+        <p:spPr>
+          <a:xfrm>
+            <a:off x="1717676" y="13257151"/>
+            <a:ext cx="1600200" cy="338542"/>
+          </a:xfrm>
+          <a:prstGeom prst="downArrow">
+            <a:avLst/>
+          </a:prstGeom>
+        </p:spPr>
+        <p:style>
+          <a:lnRef idx="2">
+            <a:schemeClr val="accent1">
+              <a:shade val="15000"/>
+            </a:schemeClr>
+          </a:lnRef>
+          <a:fillRef idx="1">
+            <a:schemeClr val="accent1"/>
+          </a:fillRef>
+          <a:effectRef idx="0">
+            <a:schemeClr val="accent1"/>
+          </a:effectRef>
+          <a:fontRef idx="minor">
+            <a:schemeClr val="lt1"/>
+          </a:fontRef>
+        </p:style>
+        <p:txBody>
+          <a:bodyPr rtlCol="0" anchor="ctr"/>
+          <a:lstStyle/>
+          <a:p>
+            <a:pPr algn="ctr"/>
+            <a:endParaRPr lang="en-US"/>
+          </a:p>
+        </p:txBody>
+      </p:sp>
+      <p:sp>
+        <p:nvSpPr>
+          <p:cNvPr id="49" name="Down Arrow 48">
+            <a:extLst>
+              <a:ext uri="{FF2B5EF4-FFF2-40B4-BE49-F238E27FC236}">
+                <a16:creationId xmlns:a16="http://schemas.microsoft.com/office/drawing/2014/main" id="{E307EB85-2427-6D3A-6891-BF278CB8F6FA}"/>
+              </a:ext>
+            </a:extLst>
+          </p:cNvPr>
+          <p:cNvSpPr/>
+          <p:nvPr/>
+        </p:nvSpPr>
+        <p:spPr>
+          <a:xfrm>
+            <a:off x="2696469" y="11394780"/>
+            <a:ext cx="1600200" cy="338542"/>
+          </a:xfrm>
+          <a:prstGeom prst="downArrow">
+            <a:avLst/>
+          </a:prstGeom>
+        </p:spPr>
+        <p:style>
+          <a:lnRef idx="2">
+            <a:schemeClr val="accent1">
+              <a:shade val="15000"/>
+            </a:schemeClr>
+          </a:lnRef>
+          <a:fillRef idx="1">
+            <a:schemeClr val="accent1"/>
+          </a:fillRef>
+          <a:effectRef idx="0">
+            <a:schemeClr val="accent1"/>
+          </a:effectRef>
+          <a:fontRef idx="minor">
+            <a:schemeClr val="lt1"/>
+          </a:fontRef>
+        </p:style>
+        <p:txBody>
+          <a:bodyPr rtlCol="0" anchor="ctr"/>
+          <a:lstStyle/>
+          <a:p>
+            <a:pPr algn="ctr"/>
+            <a:endParaRPr lang="en-US"/>
+          </a:p>
+        </p:txBody>
+      </p:sp>
+      <p:sp>
+        <p:nvSpPr>
+          <p:cNvPr id="50" name="TextBox 49">
+            <a:extLst>
+              <a:ext uri="{FF2B5EF4-FFF2-40B4-BE49-F238E27FC236}">
+                <a16:creationId xmlns:a16="http://schemas.microsoft.com/office/drawing/2014/main" id="{6D26F6F0-BC73-FCB6-4319-F860A67C0CD5}"/>
+              </a:ext>
+            </a:extLst>
+          </p:cNvPr>
+          <p:cNvSpPr txBox="1"/>
+          <p:nvPr/>
+        </p:nvSpPr>
+        <p:spPr>
+          <a:xfrm>
+            <a:off x="2757424" y="11821080"/>
+            <a:ext cx="1407758" cy="369332"/>
+          </a:xfrm>
+          <a:prstGeom prst="rect">
+            <a:avLst/>
+          </a:prstGeom>
+          <a:noFill/>
+        </p:spPr>
+        <p:txBody>
+          <a:bodyPr wrap="none" rtlCol="0">
+            <a:spAutoFit/>
+          </a:bodyPr>
+          <a:lstStyle/>
+          <a:p>
+            <a:r>
+              <a:rPr lang="en-US" dirty="0"/>
+              <a:t>Select clouds</a:t>
+            </a:r>
+          </a:p>
+        </p:txBody>
+      </p:sp>
+      <p:sp>
+        <p:nvSpPr>
+          <p:cNvPr id="51" name="Rounded Rectangle 50">
+            <a:extLst>
+              <a:ext uri="{FF2B5EF4-FFF2-40B4-BE49-F238E27FC236}">
+                <a16:creationId xmlns:a16="http://schemas.microsoft.com/office/drawing/2014/main" id="{BB12A848-5CF7-ECA6-5DF9-4FCA2F39F6DE}"/>
+              </a:ext>
+            </a:extLst>
+          </p:cNvPr>
+          <p:cNvSpPr/>
+          <p:nvPr/>
+        </p:nvSpPr>
+        <p:spPr>
+          <a:xfrm>
+            <a:off x="1585088" y="12463330"/>
+            <a:ext cx="1865376" cy="453589"/>
+          </a:xfrm>
+          <a:prstGeom prst="roundRect">
+            <a:avLst/>
+          </a:prstGeom>
+        </p:spPr>
+        <p:style>
+          <a:lnRef idx="2">
+            <a:schemeClr val="accent1">
+              <a:shade val="15000"/>
+            </a:schemeClr>
+          </a:lnRef>
+          <a:fillRef idx="1">
+            <a:schemeClr val="accent1"/>
+          </a:fillRef>
+          <a:effectRef idx="0">
+            <a:schemeClr val="accent1"/>
+          </a:effectRef>
+          <a:fontRef idx="minor">
+            <a:schemeClr val="lt1"/>
+          </a:fontRef>
+        </p:style>
+        <p:txBody>
+          <a:bodyPr rtlCol="0" anchor="ctr"/>
+          <a:lstStyle/>
+          <a:p>
+            <a:pPr algn="ctr"/>
+            <a:r>
+              <a:rPr lang="en-US" dirty="0"/>
+              <a:t>Cloud free</a:t>
+            </a:r>
+          </a:p>
+        </p:txBody>
+      </p:sp>
+      <p:sp>
+        <p:nvSpPr>
+          <p:cNvPr id="52" name="Rounded Rectangle 51">
+            <a:extLst>
+              <a:ext uri="{FF2B5EF4-FFF2-40B4-BE49-F238E27FC236}">
+                <a16:creationId xmlns:a16="http://schemas.microsoft.com/office/drawing/2014/main" id="{4D306C43-536C-8759-4044-6E6E9B7077BF}"/>
+              </a:ext>
+            </a:extLst>
+          </p:cNvPr>
+          <p:cNvSpPr/>
+          <p:nvPr/>
+        </p:nvSpPr>
+        <p:spPr>
+          <a:xfrm>
+            <a:off x="3594984" y="12299318"/>
+            <a:ext cx="1865376" cy="781612"/>
+          </a:xfrm>
+          <a:prstGeom prst="roundRect">
+            <a:avLst/>
+          </a:prstGeom>
+        </p:spPr>
+        <p:style>
+          <a:lnRef idx="2">
+            <a:schemeClr val="accent1">
+              <a:shade val="15000"/>
+            </a:schemeClr>
+          </a:lnRef>
+          <a:fillRef idx="1">
+            <a:schemeClr val="accent1"/>
+          </a:fillRef>
+          <a:effectRef idx="0">
+            <a:schemeClr val="accent1"/>
+          </a:effectRef>
+          <a:fontRef idx="minor">
+            <a:schemeClr val="lt1"/>
+          </a:fontRef>
+        </p:style>
+        <p:txBody>
+          <a:bodyPr rtlCol="0" anchor="ctr"/>
+          <a:lstStyle/>
+          <a:p>
+            <a:pPr algn="ctr"/>
+            <a:r>
+              <a:rPr lang="en-US" dirty="0"/>
+              <a:t>Grey opacity source at 0.1 bar</a:t>
+            </a:r>
+          </a:p>
+        </p:txBody>
+      </p:sp>
+      <p:sp>
+        <p:nvSpPr>
+          <p:cNvPr id="53" name="Snip Same Side Corner Rectangle 52">
+            <a:extLst>
+              <a:ext uri="{FF2B5EF4-FFF2-40B4-BE49-F238E27FC236}">
+                <a16:creationId xmlns:a16="http://schemas.microsoft.com/office/drawing/2014/main" id="{9E9BF6F1-E920-A392-2BA0-0C39F4B0D1AF}"/>
+              </a:ext>
+            </a:extLst>
+          </p:cNvPr>
+          <p:cNvSpPr/>
+          <p:nvPr/>
+        </p:nvSpPr>
+        <p:spPr>
+          <a:xfrm>
+            <a:off x="3808400" y="13778914"/>
+            <a:ext cx="1437966" cy="1347389"/>
+          </a:xfrm>
+          <a:prstGeom prst="snip2SameRect">
+            <a:avLst/>
+          </a:prstGeom>
+        </p:spPr>
+        <p:style>
+          <a:lnRef idx="2">
+            <a:schemeClr val="accent1">
+              <a:shade val="15000"/>
+            </a:schemeClr>
+          </a:lnRef>
+          <a:fillRef idx="1">
+            <a:schemeClr val="accent1"/>
+          </a:fillRef>
+          <a:effectRef idx="0">
+            <a:schemeClr val="accent1"/>
+          </a:effectRef>
+          <a:fontRef idx="minor">
+            <a:schemeClr val="lt1"/>
+          </a:fontRef>
+        </p:style>
+        <p:txBody>
+          <a:bodyPr rtlCol="0" anchor="ctr"/>
+          <a:lstStyle/>
+          <a:p>
+            <a:pPr algn="ctr"/>
+            <a:r>
+              <a:rPr lang="en-US" dirty="0"/>
+              <a:t>Cloudy</a:t>
+            </a:r>
+          </a:p>
+          <a:p>
+            <a:pPr algn="ctr"/>
+            <a:r>
+              <a:rPr lang="en-US" dirty="0"/>
+              <a:t>albedo Spectrum</a:t>
+            </a:r>
+          </a:p>
+        </p:txBody>
+      </p:sp>
+      <p:sp>
+        <p:nvSpPr>
+          <p:cNvPr id="54" name="Down Arrow 53">
+            <a:extLst>
+              <a:ext uri="{FF2B5EF4-FFF2-40B4-BE49-F238E27FC236}">
+                <a16:creationId xmlns:a16="http://schemas.microsoft.com/office/drawing/2014/main" id="{8E2B65B4-11A3-7BF1-8DD2-BAB651BBB7EF}"/>
+              </a:ext>
+            </a:extLst>
+          </p:cNvPr>
+          <p:cNvSpPr/>
+          <p:nvPr/>
+        </p:nvSpPr>
+        <p:spPr>
+          <a:xfrm>
+            <a:off x="3727572" y="13203695"/>
+            <a:ext cx="1600200" cy="338542"/>
+          </a:xfrm>
+          <a:prstGeom prst="downArrow">
+            <a:avLst/>
+          </a:prstGeom>
+        </p:spPr>
+        <p:style>
+          <a:lnRef idx="2">
+            <a:schemeClr val="accent1">
+              <a:shade val="15000"/>
+            </a:schemeClr>
+          </a:lnRef>
+          <a:fillRef idx="1">
+            <a:schemeClr val="accent1"/>
+          </a:fillRef>
+          <a:effectRef idx="0">
+            <a:schemeClr val="accent1"/>
+          </a:effectRef>
+          <a:fontRef idx="minor">
+            <a:schemeClr val="lt1"/>
+          </a:fontRef>
+        </p:style>
+        <p:txBody>
+          <a:bodyPr rtlCol="0" anchor="ctr"/>
+          <a:lstStyle/>
+          <a:p>
+            <a:pPr algn="ctr"/>
+            <a:endParaRPr lang="en-US"/>
+          </a:p>
+        </p:txBody>
+      </p:sp>
+      <p:sp>
+        <p:nvSpPr>
+          <p:cNvPr id="55" name="Rectangle 54">
+            <a:extLst>
+              <a:ext uri="{FF2B5EF4-FFF2-40B4-BE49-F238E27FC236}">
+                <a16:creationId xmlns:a16="http://schemas.microsoft.com/office/drawing/2014/main" id="{487167C3-ABE0-1AE8-C2C8-864E5A694168}"/>
+              </a:ext>
+            </a:extLst>
+          </p:cNvPr>
+          <p:cNvSpPr/>
+          <p:nvPr/>
+        </p:nvSpPr>
+        <p:spPr>
+          <a:xfrm>
+            <a:off x="1844056" y="15950510"/>
+            <a:ext cx="7710731" cy="4938156"/>
+          </a:xfrm>
+          <a:prstGeom prst="rect">
+            <a:avLst/>
+          </a:prstGeom>
+          <a:noFill/>
+          <a:ln w="38100">
+            <a:prstDash val="sysDot"/>
+          </a:ln>
+        </p:spPr>
+        <p:style>
+          <a:lnRef idx="2">
+            <a:schemeClr val="accent1">
+              <a:shade val="15000"/>
+            </a:schemeClr>
+          </a:lnRef>
+          <a:fillRef idx="1">
+            <a:schemeClr val="accent1"/>
+          </a:fillRef>
+          <a:effectRef idx="0">
+            <a:schemeClr val="accent1"/>
+          </a:effectRef>
+          <a:fontRef idx="minor">
+            <a:schemeClr val="lt1"/>
+          </a:fontRef>
+        </p:style>
+        <p:txBody>
+          <a:bodyPr rtlCol="0" anchor="ctr"/>
+          <a:lstStyle/>
+          <a:p>
+            <a:pPr algn="ctr"/>
+            <a:endParaRPr lang="en-US"/>
+          </a:p>
+        </p:txBody>
+      </p:sp>
+      <p:sp>
+        <p:nvSpPr>
+          <p:cNvPr id="56" name="Down Arrow 55">
+            <a:extLst>
+              <a:ext uri="{FF2B5EF4-FFF2-40B4-BE49-F238E27FC236}">
+                <a16:creationId xmlns:a16="http://schemas.microsoft.com/office/drawing/2014/main" id="{B044CD15-A999-DFF2-B32E-2722EDBBBC0B}"/>
+              </a:ext>
+            </a:extLst>
+          </p:cNvPr>
+          <p:cNvSpPr/>
+          <p:nvPr/>
+        </p:nvSpPr>
+        <p:spPr>
+          <a:xfrm>
+            <a:off x="2817220" y="15224003"/>
+            <a:ext cx="1437966" cy="600254"/>
+          </a:xfrm>
+          <a:prstGeom prst="downArrow">
+            <a:avLst/>
+          </a:prstGeom>
+        </p:spPr>
+        <p:style>
+          <a:lnRef idx="2">
+            <a:schemeClr val="accent1">
+              <a:shade val="15000"/>
+            </a:schemeClr>
+          </a:lnRef>
+          <a:fillRef idx="1">
+            <a:schemeClr val="accent1"/>
+          </a:fillRef>
+          <a:effectRef idx="0">
+            <a:schemeClr val="accent1"/>
+          </a:effectRef>
+          <a:fontRef idx="minor">
+            <a:schemeClr val="lt1"/>
+          </a:fontRef>
+        </p:style>
+        <p:txBody>
+          <a:bodyPr rtlCol="0" anchor="ctr"/>
+          <a:lstStyle/>
+          <a:p>
+            <a:pPr algn="ctr"/>
+            <a:endParaRPr lang="en-US"/>
+          </a:p>
+        </p:txBody>
+      </p:sp>
+      <p:sp>
+        <p:nvSpPr>
+          <p:cNvPr id="57" name="TextBox 56">
+            <a:extLst>
+              <a:ext uri="{FF2B5EF4-FFF2-40B4-BE49-F238E27FC236}">
+                <a16:creationId xmlns:a16="http://schemas.microsoft.com/office/drawing/2014/main" id="{B36E61BA-84C4-63FD-ADF2-BC4C6CB913D6}"/>
+              </a:ext>
+            </a:extLst>
+          </p:cNvPr>
+          <p:cNvSpPr txBox="1"/>
+          <p:nvPr/>
+        </p:nvSpPr>
+        <p:spPr>
+          <a:xfrm>
+            <a:off x="4313610" y="15366666"/>
+            <a:ext cx="4578592" cy="461665"/>
+          </a:xfrm>
+          <a:prstGeom prst="rect">
+            <a:avLst/>
+          </a:prstGeom>
+          <a:noFill/>
+        </p:spPr>
+        <p:txBody>
+          <a:bodyPr wrap="square" rtlCol="0">
+            <a:spAutoFit/>
+          </a:bodyPr>
+          <a:lstStyle/>
+          <a:p>
+            <a:r>
+              <a:rPr lang="en-US" sz="2400" dirty="0"/>
+              <a:t>To generate Planet Flux spectrum:</a:t>
+            </a:r>
+          </a:p>
+        </p:txBody>
+      </p:sp>
+      <p:sp>
+        <p:nvSpPr>
+          <p:cNvPr id="58" name="Rounded Rectangle 57">
+            <a:extLst>
+              <a:ext uri="{FF2B5EF4-FFF2-40B4-BE49-F238E27FC236}">
+                <a16:creationId xmlns:a16="http://schemas.microsoft.com/office/drawing/2014/main" id="{57D62966-328D-37B5-C359-0D049E92D81F}"/>
+              </a:ext>
+            </a:extLst>
+          </p:cNvPr>
+          <p:cNvSpPr/>
+          <p:nvPr/>
+        </p:nvSpPr>
+        <p:spPr>
+          <a:xfrm>
+            <a:off x="2562145" y="16466936"/>
+            <a:ext cx="2055490" cy="681984"/>
+          </a:xfrm>
+          <a:prstGeom prst="roundRect">
+            <a:avLst/>
+          </a:prstGeom>
+        </p:spPr>
+        <p:style>
+          <a:lnRef idx="2">
+            <a:schemeClr val="accent1">
+              <a:shade val="15000"/>
+            </a:schemeClr>
+          </a:lnRef>
+          <a:fillRef idx="1">
+            <a:schemeClr val="accent1"/>
+          </a:fillRef>
+          <a:effectRef idx="0">
+            <a:schemeClr val="accent1"/>
+          </a:effectRef>
+          <a:fontRef idx="minor">
+            <a:schemeClr val="lt1"/>
+          </a:fontRef>
+        </p:style>
+        <p:txBody>
+          <a:bodyPr rtlCol="0" anchor="ctr"/>
+          <a:lstStyle/>
+          <a:p>
+            <a:pPr algn="ctr"/>
+            <a:r>
+              <a:rPr lang="en-US" dirty="0"/>
+              <a:t>Select stellar type (Teff, R*)</a:t>
+            </a:r>
+          </a:p>
+        </p:txBody>
+      </p:sp>
+      <p:sp>
+        <p:nvSpPr>
+          <p:cNvPr id="59" name="Rounded Rectangle 58">
+            <a:extLst>
+              <a:ext uri="{FF2B5EF4-FFF2-40B4-BE49-F238E27FC236}">
+                <a16:creationId xmlns:a16="http://schemas.microsoft.com/office/drawing/2014/main" id="{A3910CD4-8A0F-DA18-720D-3B4A5C496C26}"/>
+              </a:ext>
+            </a:extLst>
+          </p:cNvPr>
+          <p:cNvSpPr/>
+          <p:nvPr/>
+        </p:nvSpPr>
+        <p:spPr>
+          <a:xfrm>
+            <a:off x="2562145" y="17338294"/>
+            <a:ext cx="2055490" cy="521111"/>
+          </a:xfrm>
+          <a:prstGeom prst="roundRect">
+            <a:avLst/>
+          </a:prstGeom>
+        </p:spPr>
+        <p:style>
+          <a:lnRef idx="2">
+            <a:schemeClr val="accent1">
+              <a:shade val="15000"/>
+            </a:schemeClr>
+          </a:lnRef>
+          <a:fillRef idx="1">
+            <a:schemeClr val="accent1"/>
+          </a:fillRef>
+          <a:effectRef idx="0">
+            <a:schemeClr val="accent1"/>
+          </a:effectRef>
+          <a:fontRef idx="minor">
+            <a:schemeClr val="lt1"/>
+          </a:fontRef>
+        </p:style>
+        <p:txBody>
+          <a:bodyPr rtlCol="0" anchor="ctr"/>
+          <a:lstStyle/>
+          <a:p>
+            <a:pPr algn="ctr"/>
+            <a:r>
+              <a:rPr lang="en-US" dirty="0"/>
+              <a:t>Select Planet </a:t>
+            </a:r>
+            <a:r>
+              <a:rPr lang="en-US" dirty="0" err="1"/>
+              <a:t>Teq</a:t>
+            </a:r>
+            <a:endParaRPr lang="en-US" dirty="0"/>
+          </a:p>
+        </p:txBody>
+      </p:sp>
+      <p:sp>
+        <p:nvSpPr>
+          <p:cNvPr id="60" name="TextBox 59">
+            <a:extLst>
+              <a:ext uri="{FF2B5EF4-FFF2-40B4-BE49-F238E27FC236}">
+                <a16:creationId xmlns:a16="http://schemas.microsoft.com/office/drawing/2014/main" id="{72ABE5A7-F4B0-DF4B-4ADD-B32731D3822B}"/>
+              </a:ext>
+            </a:extLst>
+          </p:cNvPr>
+          <p:cNvSpPr txBox="1"/>
+          <p:nvPr/>
+        </p:nvSpPr>
+        <p:spPr>
+          <a:xfrm>
+            <a:off x="2270623" y="16049932"/>
+            <a:ext cx="2525243" cy="369332"/>
+          </a:xfrm>
+          <a:prstGeom prst="rect">
+            <a:avLst/>
+          </a:prstGeom>
+          <a:noFill/>
+        </p:spPr>
+        <p:txBody>
+          <a:bodyPr wrap="none" rtlCol="0">
+            <a:spAutoFit/>
+          </a:bodyPr>
+          <a:lstStyle/>
+          <a:p>
+            <a:r>
+              <a:rPr lang="en-US" dirty="0"/>
+              <a:t>Take an albedo spectrum</a:t>
+            </a:r>
+          </a:p>
+        </p:txBody>
+      </p:sp>
+      <p:sp>
+        <p:nvSpPr>
+          <p:cNvPr id="61" name="Down Arrow 60">
+            <a:extLst>
+              <a:ext uri="{FF2B5EF4-FFF2-40B4-BE49-F238E27FC236}">
+                <a16:creationId xmlns:a16="http://schemas.microsoft.com/office/drawing/2014/main" id="{52557044-AFD6-2404-F80D-2BA814AB3DE0}"/>
+              </a:ext>
+            </a:extLst>
+          </p:cNvPr>
+          <p:cNvSpPr/>
+          <p:nvPr/>
+        </p:nvSpPr>
+        <p:spPr>
+          <a:xfrm>
+            <a:off x="2789790" y="17981584"/>
+            <a:ext cx="1600200" cy="338542"/>
+          </a:xfrm>
+          <a:prstGeom prst="downArrow">
+            <a:avLst/>
+          </a:prstGeom>
+        </p:spPr>
+        <p:style>
+          <a:lnRef idx="2">
+            <a:schemeClr val="accent1">
+              <a:shade val="15000"/>
+            </a:schemeClr>
+          </a:lnRef>
+          <a:fillRef idx="1">
+            <a:schemeClr val="accent1"/>
+          </a:fillRef>
+          <a:effectRef idx="0">
+            <a:schemeClr val="accent1"/>
+          </a:effectRef>
+          <a:fontRef idx="minor">
+            <a:schemeClr val="lt1"/>
+          </a:fontRef>
+        </p:style>
+        <p:txBody>
+          <a:bodyPr rtlCol="0" anchor="ctr"/>
+          <a:lstStyle/>
+          <a:p>
+            <a:pPr algn="ctr"/>
+            <a:endParaRPr lang="en-US"/>
+          </a:p>
+        </p:txBody>
+      </p:sp>
+      <p:sp>
+        <p:nvSpPr>
+          <p:cNvPr id="62" name="TextBox 61">
+            <a:extLst>
+              <a:ext uri="{FF2B5EF4-FFF2-40B4-BE49-F238E27FC236}">
+                <a16:creationId xmlns:a16="http://schemas.microsoft.com/office/drawing/2014/main" id="{89D2E4F3-4EF7-BE47-B3C4-C08EDD658178}"/>
+              </a:ext>
+            </a:extLst>
+          </p:cNvPr>
+          <p:cNvSpPr txBox="1"/>
+          <p:nvPr/>
+        </p:nvSpPr>
+        <p:spPr>
+          <a:xfrm>
+            <a:off x="2535183" y="18364315"/>
+            <a:ext cx="2131224" cy="369332"/>
+          </a:xfrm>
+          <a:prstGeom prst="rect">
+            <a:avLst/>
+          </a:prstGeom>
+          <a:noFill/>
+        </p:spPr>
+        <p:txBody>
+          <a:bodyPr wrap="none" rtlCol="0">
+            <a:spAutoFit/>
+          </a:bodyPr>
+          <a:lstStyle/>
+          <a:p>
+            <a:r>
+              <a:rPr lang="en-US" dirty="0"/>
+              <a:t>This gives separation</a:t>
+            </a:r>
+          </a:p>
+        </p:txBody>
+      </p:sp>
+      <p:sp>
+        <p:nvSpPr>
+          <p:cNvPr id="63" name="Rounded Rectangle 62">
+            <a:extLst>
+              <a:ext uri="{FF2B5EF4-FFF2-40B4-BE49-F238E27FC236}">
+                <a16:creationId xmlns:a16="http://schemas.microsoft.com/office/drawing/2014/main" id="{02879A01-FCEC-6F1B-C463-00D4B56DB8B3}"/>
+              </a:ext>
+            </a:extLst>
+          </p:cNvPr>
+          <p:cNvSpPr/>
+          <p:nvPr/>
+        </p:nvSpPr>
+        <p:spPr>
+          <a:xfrm>
+            <a:off x="2488741" y="19174086"/>
+            <a:ext cx="2260683" cy="521111"/>
+          </a:xfrm>
+          <a:prstGeom prst="roundRect">
+            <a:avLst/>
+          </a:prstGeom>
+        </p:spPr>
+        <p:style>
+          <a:lnRef idx="2">
+            <a:schemeClr val="accent1">
+              <a:shade val="15000"/>
+            </a:schemeClr>
+          </a:lnRef>
+          <a:fillRef idx="1">
+            <a:schemeClr val="accent1"/>
+          </a:fillRef>
+          <a:effectRef idx="0">
+            <a:schemeClr val="accent1"/>
+          </a:effectRef>
+          <a:fontRef idx="minor">
+            <a:schemeClr val="lt1"/>
+          </a:fontRef>
+        </p:style>
+        <p:txBody>
+          <a:bodyPr rtlCol="0" anchor="ctr"/>
+          <a:lstStyle/>
+          <a:p>
+            <a:pPr algn="ctr"/>
+            <a:r>
+              <a:rPr lang="en-US" dirty="0"/>
+              <a:t>Select Planet Radius</a:t>
+            </a:r>
+          </a:p>
+        </p:txBody>
+      </p:sp>
+      <p:sp>
+        <p:nvSpPr>
+          <p:cNvPr id="64" name="Down Arrow 63">
+            <a:extLst>
+              <a:ext uri="{FF2B5EF4-FFF2-40B4-BE49-F238E27FC236}">
+                <a16:creationId xmlns:a16="http://schemas.microsoft.com/office/drawing/2014/main" id="{42AE6AE1-2278-C014-1371-60C8B762A8AF}"/>
+              </a:ext>
+            </a:extLst>
+          </p:cNvPr>
+          <p:cNvSpPr/>
+          <p:nvPr/>
+        </p:nvSpPr>
+        <p:spPr>
+          <a:xfrm>
+            <a:off x="2800695" y="18745339"/>
+            <a:ext cx="1600200" cy="338542"/>
+          </a:xfrm>
+          <a:prstGeom prst="downArrow">
+            <a:avLst/>
+          </a:prstGeom>
+        </p:spPr>
+        <p:style>
+          <a:lnRef idx="2">
+            <a:schemeClr val="accent1">
+              <a:shade val="15000"/>
+            </a:schemeClr>
+          </a:lnRef>
+          <a:fillRef idx="1">
+            <a:schemeClr val="accent1"/>
+          </a:fillRef>
+          <a:effectRef idx="0">
+            <a:schemeClr val="accent1"/>
+          </a:effectRef>
+          <a:fontRef idx="minor">
+            <a:schemeClr val="lt1"/>
+          </a:fontRef>
+        </p:style>
+        <p:txBody>
+          <a:bodyPr rtlCol="0" anchor="ctr"/>
+          <a:lstStyle/>
+          <a:p>
+            <a:pPr algn="ctr"/>
+            <a:endParaRPr lang="en-US"/>
+          </a:p>
+        </p:txBody>
+      </p:sp>
+      <p:sp>
+        <p:nvSpPr>
+          <p:cNvPr id="65" name="TextBox 64">
+            <a:extLst>
+              <a:ext uri="{FF2B5EF4-FFF2-40B4-BE49-F238E27FC236}">
+                <a16:creationId xmlns:a16="http://schemas.microsoft.com/office/drawing/2014/main" id="{C76E71B1-67D6-71B0-4743-6AC0AC24053F}"/>
+              </a:ext>
+            </a:extLst>
+          </p:cNvPr>
+          <p:cNvSpPr txBox="1"/>
+          <p:nvPr/>
+        </p:nvSpPr>
+        <p:spPr>
+          <a:xfrm>
+            <a:off x="4777741" y="18914610"/>
+            <a:ext cx="1384647" cy="923330"/>
+          </a:xfrm>
+          <a:prstGeom prst="rect">
+            <a:avLst/>
+          </a:prstGeom>
+          <a:noFill/>
+        </p:spPr>
+        <p:txBody>
+          <a:bodyPr wrap="square" rtlCol="0">
+            <a:spAutoFit/>
+          </a:bodyPr>
+          <a:lstStyle/>
+          <a:p>
+            <a:r>
+              <a:rPr lang="en-US" dirty="0"/>
+              <a:t>This also gives planet mass</a:t>
+            </a:r>
+          </a:p>
+        </p:txBody>
+      </p:sp>
+      <p:sp>
+        <p:nvSpPr>
+          <p:cNvPr id="66" name="Bent Arrow 65">
+            <a:extLst>
+              <a:ext uri="{FF2B5EF4-FFF2-40B4-BE49-F238E27FC236}">
+                <a16:creationId xmlns:a16="http://schemas.microsoft.com/office/drawing/2014/main" id="{5664CB76-2B55-6351-12ED-77CB3495834A}"/>
+              </a:ext>
+            </a:extLst>
+          </p:cNvPr>
+          <p:cNvSpPr/>
+          <p:nvPr/>
+        </p:nvSpPr>
+        <p:spPr>
+          <a:xfrm flipV="1">
+            <a:off x="3441543" y="19785402"/>
+            <a:ext cx="1256736" cy="933026"/>
+          </a:xfrm>
+          <a:prstGeom prst="bentArrow">
+            <a:avLst>
+              <a:gd name="adj1" fmla="val 38612"/>
+              <a:gd name="adj2" fmla="val 37250"/>
+              <a:gd name="adj3" fmla="val 25000"/>
+              <a:gd name="adj4" fmla="val 43750"/>
+            </a:avLst>
+          </a:prstGeom>
+        </p:spPr>
+        <p:style>
+          <a:lnRef idx="2">
+            <a:schemeClr val="accent1">
+              <a:shade val="15000"/>
+            </a:schemeClr>
+          </a:lnRef>
+          <a:fillRef idx="1">
+            <a:schemeClr val="accent1"/>
+          </a:fillRef>
+          <a:effectRef idx="0">
+            <a:schemeClr val="accent1"/>
+          </a:effectRef>
+          <a:fontRef idx="minor">
+            <a:schemeClr val="lt1"/>
+          </a:fontRef>
+        </p:style>
+        <p:txBody>
+          <a:bodyPr rtlCol="0" anchor="ctr"/>
+          <a:lstStyle/>
+          <a:p>
+            <a:pPr algn="ctr"/>
+            <a:endParaRPr lang="en-US">
+              <a:solidFill>
+                <a:schemeClr val="tx1"/>
+              </a:solidFill>
+            </a:endParaRPr>
+          </a:p>
+        </p:txBody>
+      </p:sp>
+      <p:sp>
+        <p:nvSpPr>
+          <p:cNvPr id="67" name="Trapezoid 66">
+            <a:extLst>
+              <a:ext uri="{FF2B5EF4-FFF2-40B4-BE49-F238E27FC236}">
+                <a16:creationId xmlns:a16="http://schemas.microsoft.com/office/drawing/2014/main" id="{0B730AC4-8BF7-9BD8-7100-1448AE29E8B6}"/>
+              </a:ext>
+            </a:extLst>
+          </p:cNvPr>
+          <p:cNvSpPr/>
+          <p:nvPr/>
+        </p:nvSpPr>
+        <p:spPr>
+          <a:xfrm>
+            <a:off x="6120631" y="19390539"/>
+            <a:ext cx="2516670" cy="1216152"/>
+          </a:xfrm>
+          <a:prstGeom prst="trapezoid">
+            <a:avLst/>
+          </a:prstGeom>
+        </p:spPr>
+        <p:style>
+          <a:lnRef idx="2">
+            <a:schemeClr val="accent1">
+              <a:shade val="15000"/>
+            </a:schemeClr>
+          </a:lnRef>
+          <a:fillRef idx="1">
+            <a:schemeClr val="accent1"/>
+          </a:fillRef>
+          <a:effectRef idx="0">
+            <a:schemeClr val="accent1"/>
+          </a:effectRef>
+          <a:fontRef idx="minor">
+            <a:schemeClr val="lt1"/>
+          </a:fontRef>
+        </p:style>
+        <p:txBody>
+          <a:bodyPr rtlCol="0" anchor="ctr"/>
+          <a:lstStyle/>
+          <a:p>
+            <a:pPr algn="ctr"/>
+            <a:r>
+              <a:rPr lang="en-US" dirty="0"/>
+              <a:t>Compute </a:t>
+            </a:r>
+            <a:r>
+              <a:rPr lang="en-US" dirty="0" err="1"/>
+              <a:t>Fp</a:t>
+            </a:r>
+            <a:r>
+              <a:rPr lang="en-US" dirty="0"/>
+              <a:t>/Fs spectrum</a:t>
+            </a:r>
+          </a:p>
+        </p:txBody>
+      </p:sp>
     </p:spTree>
     <p:extLst>
       <p:ext uri="{BB962C8B-B14F-4D97-AF65-F5344CB8AC3E}">
@@ -6465,4 +6485,299 @@
     </a:ext>
   </a:extLst>
 </a:theme>
+</file>
+
+<file path=ppt/theme/theme2.xml><?xml version="1.0" encoding="utf-8"?>
+<a:theme xmlns:a="http://schemas.openxmlformats.org/drawingml/2006/main" name="Office Theme">
+  <a:themeElements>
+    <a:clrScheme name="Office">
+      <a:dk1>
+        <a:sysClr val="windowText" lastClr="000000"/>
+      </a:dk1>
+      <a:lt1>
+        <a:sysClr val="window" lastClr="FFFFFF"/>
+      </a:lt1>
+      <a:dk2>
+        <a:srgbClr val="44546A"/>
+      </a:dk2>
+      <a:lt2>
+        <a:srgbClr val="E7E6E6"/>
+      </a:lt2>
+      <a:accent1>
+        <a:srgbClr val="4472C4"/>
+      </a:accent1>
+      <a:accent2>
+        <a:srgbClr val="ED7D31"/>
+      </a:accent2>
+      <a:accent3>
+        <a:srgbClr val="A5A5A5"/>
+      </a:accent3>
+      <a:accent4>
+        <a:srgbClr val="FFC000"/>
+      </a:accent4>
+      <a:accent5>
+        <a:srgbClr val="5B9BD5"/>
+      </a:accent5>
+      <a:accent6>
+        <a:srgbClr val="70AD47"/>
+      </a:accent6>
+      <a:hlink>
+        <a:srgbClr val="0563C1"/>
+      </a:hlink>
+      <a:folHlink>
+        <a:srgbClr val="954F72"/>
+      </a:folHlink>
+    </a:clrScheme>
+    <a:fontScheme name="Office">
+      <a:majorFont>
+        <a:latin typeface="Calibri Light" panose="020F0302020204030204"/>
+        <a:ea typeface=""/>
+        <a:cs typeface=""/>
+        <a:font script="Jpan" typeface="游ゴシック Light"/>
+        <a:font script="Hang" typeface="맑은 고딕"/>
+        <a:font script="Hans" typeface="等线 Light"/>
+        <a:font script="Hant" typeface="新細明體"/>
+        <a:font script="Arab" typeface="Times New Roman"/>
+        <a:font script="Hebr" typeface="Times New Roman"/>
+        <a:font script="Thai" typeface="Angsana New"/>
+        <a:font script="Ethi" typeface="Nyala"/>
+        <a:font script="Beng" typeface="Vrinda"/>
+        <a:font script="Gujr" typeface="Shruti"/>
+        <a:font script="Khmr" typeface="MoolBoran"/>
+        <a:font script="Knda" typeface="Tunga"/>
+        <a:font script="Guru" typeface="Raavi"/>
+        <a:font script="Cans" typeface="Euphemia"/>
+        <a:font script="Cher" typeface="Plantagenet Cherokee"/>
+        <a:font script="Yiii" typeface="Microsoft Yi Baiti"/>
+        <a:font script="Tibt" typeface="Microsoft Himalaya"/>
+        <a:font script="Thaa" typeface="MV Boli"/>
+        <a:font script="Deva" typeface="Mangal"/>
+        <a:font script="Telu" typeface="Gautami"/>
+        <a:font script="Taml" typeface="Latha"/>
+        <a:font script="Syrc" typeface="Estrangelo Edessa"/>
+        <a:font script="Orya" typeface="Kalinga"/>
+        <a:font script="Mlym" typeface="Kartika"/>
+        <a:font script="Laoo" typeface="DokChampa"/>
+        <a:font script="Sinh" typeface="Iskoola Pota"/>
+        <a:font script="Mong" typeface="Mongolian Baiti"/>
+        <a:font script="Viet" typeface="Times New Roman"/>
+        <a:font script="Uigh" typeface="Microsoft Uighur"/>
+        <a:font script="Geor" typeface="Sylfaen"/>
+        <a:font script="Armn" typeface="Arial"/>
+        <a:font script="Bugi" typeface="Leelawadee UI"/>
+        <a:font script="Bopo" typeface="Microsoft JhengHei"/>
+        <a:font script="Java" typeface="Javanese Text"/>
+        <a:font script="Lisu" typeface="Segoe UI"/>
+        <a:font script="Mymr" typeface="Myanmar Text"/>
+        <a:font script="Nkoo" typeface="Ebrima"/>
+        <a:font script="Olck" typeface="Nirmala UI"/>
+        <a:font script="Osma" typeface="Ebrima"/>
+        <a:font script="Phag" typeface="Phagspa"/>
+        <a:font script="Syrn" typeface="Estrangelo Edessa"/>
+        <a:font script="Syrj" typeface="Estrangelo Edessa"/>
+        <a:font script="Syre" typeface="Estrangelo Edessa"/>
+        <a:font script="Sora" typeface="Nirmala UI"/>
+        <a:font script="Tale" typeface="Microsoft Tai Le"/>
+        <a:font script="Talu" typeface="Microsoft New Tai Lue"/>
+        <a:font script="Tfng" typeface="Ebrima"/>
+      </a:majorFont>
+      <a:minorFont>
+        <a:latin typeface="Calibri" panose="020F0502020204030204"/>
+        <a:ea typeface=""/>
+        <a:cs typeface=""/>
+        <a:font script="Jpan" typeface="游ゴシック"/>
+        <a:font script="Hang" typeface="맑은 고딕"/>
+        <a:font script="Hans" typeface="等线"/>
+        <a:font script="Hant" typeface="新細明體"/>
+        <a:font script="Arab" typeface="Arial"/>
+        <a:font script="Hebr" typeface="Arial"/>
+        <a:font script="Thai" typeface="Cordia New"/>
+        <a:font script="Ethi" typeface="Nyala"/>
+        <a:font script="Beng" typeface="Vrinda"/>
+        <a:font script="Gujr" typeface="Shruti"/>
+        <a:font script="Khmr" typeface="DaunPenh"/>
+        <a:font script="Knda" typeface="Tunga"/>
+        <a:font script="Guru" typeface="Raavi"/>
+        <a:font script="Cans" typeface="Euphemia"/>
+        <a:font script="Cher" typeface="Plantagenet Cherokee"/>
+        <a:font script="Yiii" typeface="Microsoft Yi Baiti"/>
+        <a:font script="Tibt" typeface="Microsoft Himalaya"/>
+        <a:font script="Thaa" typeface="MV Boli"/>
+        <a:font script="Deva" typeface="Mangal"/>
+        <a:font script="Telu" typeface="Gautami"/>
+        <a:font script="Taml" typeface="Latha"/>
+        <a:font script="Syrc" typeface="Estrangelo Edessa"/>
+        <a:font script="Orya" typeface="Kalinga"/>
+        <a:font script="Mlym" typeface="Kartika"/>
+        <a:font script="Laoo" typeface="DokChampa"/>
+        <a:font script="Sinh" typeface="Iskoola Pota"/>
+        <a:font script="Mong" typeface="Mongolian Baiti"/>
+        <a:font script="Viet" typeface="Arial"/>
+        <a:font script="Uigh" typeface="Microsoft Uighur"/>
+        <a:font script="Geor" typeface="Sylfaen"/>
+        <a:font script="Armn" typeface="Arial"/>
+        <a:font script="Bugi" typeface="Leelawadee UI"/>
+        <a:font script="Bopo" typeface="Microsoft JhengHei"/>
+        <a:font script="Java" typeface="Javanese Text"/>
+        <a:font script="Lisu" typeface="Segoe UI"/>
+        <a:font script="Mymr" typeface="Myanmar Text"/>
+        <a:font script="Nkoo" typeface="Ebrima"/>
+        <a:font script="Olck" typeface="Nirmala UI"/>
+        <a:font script="Osma" typeface="Ebrima"/>
+        <a:font script="Phag" typeface="Phagspa"/>
+        <a:font script="Syrn" typeface="Estrangelo Edessa"/>
+        <a:font script="Syrj" typeface="Estrangelo Edessa"/>
+        <a:font script="Syre" typeface="Estrangelo Edessa"/>
+        <a:font script="Sora" typeface="Nirmala UI"/>
+        <a:font script="Tale" typeface="Microsoft Tai Le"/>
+        <a:font script="Talu" typeface="Microsoft New Tai Lue"/>
+        <a:font script="Tfng" typeface="Ebrima"/>
+      </a:minorFont>
+    </a:fontScheme>
+    <a:fmtScheme name="Office">
+      <a:fillStyleLst>
+        <a:solidFill>
+          <a:schemeClr val="phClr"/>
+        </a:solidFill>
+        <a:gradFill rotWithShape="1">
+          <a:gsLst>
+            <a:gs pos="0">
+              <a:schemeClr val="phClr">
+                <a:lumMod val="110000"/>
+                <a:satMod val="105000"/>
+                <a:tint val="67000"/>
+              </a:schemeClr>
+            </a:gs>
+            <a:gs pos="50000">
+              <a:schemeClr val="phClr">
+                <a:lumMod val="105000"/>
+                <a:satMod val="103000"/>
+                <a:tint val="73000"/>
+              </a:schemeClr>
+            </a:gs>
+            <a:gs pos="100000">
+              <a:schemeClr val="phClr">
+                <a:lumMod val="105000"/>
+                <a:satMod val="109000"/>
+                <a:tint val="81000"/>
+              </a:schemeClr>
+            </a:gs>
+          </a:gsLst>
+          <a:lin ang="5400000" scaled="0"/>
+        </a:gradFill>
+        <a:gradFill rotWithShape="1">
+          <a:gsLst>
+            <a:gs pos="0">
+              <a:schemeClr val="phClr">
+                <a:satMod val="103000"/>
+                <a:lumMod val="102000"/>
+                <a:tint val="94000"/>
+              </a:schemeClr>
+            </a:gs>
+            <a:gs pos="50000">
+              <a:schemeClr val="phClr">
+                <a:satMod val="110000"/>
+                <a:lumMod val="100000"/>
+                <a:shade val="100000"/>
+              </a:schemeClr>
+            </a:gs>
+            <a:gs pos="100000">
+              <a:schemeClr val="phClr">
+                <a:lumMod val="99000"/>
+                <a:satMod val="120000"/>
+                <a:shade val="78000"/>
+              </a:schemeClr>
+            </a:gs>
+          </a:gsLst>
+          <a:lin ang="5400000" scaled="0"/>
+        </a:gradFill>
+      </a:fillStyleLst>
+      <a:lnStyleLst>
+        <a:ln w="6350" cap="flat" cmpd="sng" algn="ctr">
+          <a:solidFill>
+            <a:schemeClr val="phClr"/>
+          </a:solidFill>
+          <a:prstDash val="solid"/>
+          <a:miter lim="800000"/>
+        </a:ln>
+        <a:ln w="12700" cap="flat" cmpd="sng" algn="ctr">
+          <a:solidFill>
+            <a:schemeClr val="phClr"/>
+          </a:solidFill>
+          <a:prstDash val="solid"/>
+          <a:miter lim="800000"/>
+        </a:ln>
+        <a:ln w="19050" cap="flat" cmpd="sng" algn="ctr">
+          <a:solidFill>
+            <a:schemeClr val="phClr"/>
+          </a:solidFill>
+          <a:prstDash val="solid"/>
+          <a:miter lim="800000"/>
+        </a:ln>
+      </a:lnStyleLst>
+      <a:effectStyleLst>
+        <a:effectStyle>
+          <a:effectLst/>
+        </a:effectStyle>
+        <a:effectStyle>
+          <a:effectLst/>
+        </a:effectStyle>
+        <a:effectStyle>
+          <a:effectLst>
+            <a:outerShdw blurRad="57150" dist="19050" dir="5400000" algn="ctr" rotWithShape="0">
+              <a:srgbClr val="000000">
+                <a:alpha val="63000"/>
+              </a:srgbClr>
+            </a:outerShdw>
+          </a:effectLst>
+        </a:effectStyle>
+      </a:effectStyleLst>
+      <a:bgFillStyleLst>
+        <a:solidFill>
+          <a:schemeClr val="phClr"/>
+        </a:solidFill>
+        <a:solidFill>
+          <a:schemeClr val="phClr">
+            <a:tint val="95000"/>
+            <a:satMod val="170000"/>
+          </a:schemeClr>
+        </a:solidFill>
+        <a:gradFill rotWithShape="1">
+          <a:gsLst>
+            <a:gs pos="0">
+              <a:schemeClr val="phClr">
+                <a:tint val="93000"/>
+                <a:satMod val="150000"/>
+                <a:shade val="98000"/>
+                <a:lumMod val="102000"/>
+              </a:schemeClr>
+            </a:gs>
+            <a:gs pos="50000">
+              <a:schemeClr val="phClr">
+                <a:tint val="98000"/>
+                <a:satMod val="130000"/>
+                <a:shade val="90000"/>
+                <a:lumMod val="103000"/>
+              </a:schemeClr>
+            </a:gs>
+            <a:gs pos="100000">
+              <a:schemeClr val="phClr">
+                <a:shade val="63000"/>
+                <a:satMod val="120000"/>
+              </a:schemeClr>
+            </a:gs>
+          </a:gsLst>
+          <a:lin ang="5400000" scaled="0"/>
+        </a:gradFill>
+      </a:bgFillStyleLst>
+    </a:fmtScheme>
+  </a:themeElements>
+  <a:objectDefaults/>
+  <a:extraClrSchemeLst/>
+  <a:extLst>
+    <a:ext uri="{05A4C25C-085E-4340-85A3-A5531E510DB2}">
+      <thm15:themeFamily xmlns:thm15="http://schemas.microsoft.com/office/thememl/2012/main" name="Office Theme" id="{62F939B6-93AF-4DB8-9C6B-D6C7DFDC589F}" vid="{4A3C46E8-61CC-4603-A589-7422A47A8E4A}"/>
+    </a:ext>
+  </a:extLst>
+</a:theme>
 </file>